--- a/CP6 Presentation.pptx
+++ b/CP6 Presentation.pptx
@@ -2,21 +2,21 @@
 <file path=ppt/presentation.xml><?xml version="1.0" encoding="utf-8"?>
 <p:presentation xmlns:a="http://schemas.openxmlformats.org/drawingml/2006/main" xmlns:r="http://schemas.openxmlformats.org/officeDocument/2006/relationships" xmlns:p="http://schemas.openxmlformats.org/presentationml/2006/main" saveSubsetFonts="1">
   <p:sldMasterIdLst>
-    <p:sldMasterId id="2147483648" r:id="rId1"/>
+    <p:sldMasterId id="2147483675" r:id="rId1"/>
   </p:sldMasterIdLst>
   <p:sldIdLst>
     <p:sldId id="256" r:id="rId2"/>
     <p:sldId id="257" r:id="rId3"/>
-    <p:sldId id="258" r:id="rId4"/>
-    <p:sldId id="259" r:id="rId5"/>
-    <p:sldId id="260" r:id="rId6"/>
-    <p:sldId id="261" r:id="rId7"/>
-    <p:sldId id="262" r:id="rId8"/>
-    <p:sldId id="263" r:id="rId9"/>
-    <p:sldId id="264" r:id="rId10"/>
-    <p:sldId id="265" r:id="rId11"/>
-    <p:sldId id="266" r:id="rId12"/>
-    <p:sldId id="267" r:id="rId13"/>
+    <p:sldId id="260" r:id="rId4"/>
+    <p:sldId id="261" r:id="rId5"/>
+    <p:sldId id="262" r:id="rId6"/>
+    <p:sldId id="263" r:id="rId7"/>
+    <p:sldId id="264" r:id="rId8"/>
+    <p:sldId id="265" r:id="rId9"/>
+    <p:sldId id="266" r:id="rId10"/>
+    <p:sldId id="268" r:id="rId11"/>
+    <p:sldId id="267" r:id="rId12"/>
+    <p:sldId id="269" r:id="rId13"/>
   </p:sldIdLst>
   <p:sldSz cx="12192000" cy="6858000"/>
   <p:notesSz cx="6858000" cy="9144000"/>
@@ -115,11 +115,16 @@
       </a:defRPr>
     </a:lvl9pPr>
   </p:defaultTextStyle>
+  <p:extLst>
+    <p:ext uri="{EFAFB233-063F-42B5-8137-9DF3F51BA10A}">
+      <p15:sldGuideLst xmlns:p15="http://schemas.microsoft.com/office/powerpoint/2012/main"/>
+    </p:ext>
+  </p:extLst>
 </p:presentation>
 </file>
 
 <file path=ppt/slideLayouts/slideLayout1.xml><?xml version="1.0" encoding="utf-8"?>
-<p:sldLayout xmlns:a="http://schemas.openxmlformats.org/drawingml/2006/main" xmlns:r="http://schemas.openxmlformats.org/officeDocument/2006/relationships" xmlns:p="http://schemas.openxmlformats.org/presentationml/2006/main" type="title" preserve="1">
+<p:sldLayout xmlns:a="http://schemas.openxmlformats.org/drawingml/2006/main" xmlns:r="http://schemas.openxmlformats.org/officeDocument/2006/relationships" xmlns:p="http://schemas.openxmlformats.org/presentationml/2006/main" showMasterSp="0" type="title" preserve="1">
   <p:cSld name="Title Slide">
     <p:spTree>
       <p:nvGrpSpPr>
@@ -137,31 +142,389 @@
       </p:grpSpPr>
       <p:sp>
         <p:nvSpPr>
-          <p:cNvPr id="2" name="Title 1">
-            <a:extLst>
-              <a:ext uri="{FF2B5EF4-FFF2-40B4-BE49-F238E27FC236}">
-                <a16:creationId xmlns:a16="http://schemas.microsoft.com/office/drawing/2014/main" id="{460A207B-16EB-A1F0-D571-48FC0DB612B9}"/>
-              </a:ext>
-            </a:extLst>
-          </p:cNvPr>
-          <p:cNvSpPr>
-            <a:spLocks noGrp="1"/>
-          </p:cNvSpPr>
-          <p:nvPr>
-            <p:ph type="ctrTitle"/>
-          </p:nvPr>
+          <p:cNvPr id="7" name="Rectangle 6"/>
+          <p:cNvSpPr/>
+          <p:nvPr/>
         </p:nvSpPr>
         <p:spPr>
           <a:xfrm>
-            <a:off x="1524000" y="1122363"/>
-            <a:ext cx="9144000" cy="2387600"/>
+            <a:off x="920834" y="1346946"/>
+            <a:ext cx="10222992" cy="80683"/>
+          </a:xfrm>
+          <a:prstGeom prst="rect">
+            <a:avLst/>
+          </a:prstGeom>
+          <a:blipFill dpi="0" rotWithShape="1">
+            <a:blip r:embed="rId2">
+              <a:alphaModFix amt="85000"/>
+              <a:lum bright="70000" contrast="-70000"/>
+              <a:extLst>
+                <a:ext uri="{BEBA8EAE-BF5A-486C-A8C5-ECC9F3942E4B}">
+                  <a14:imgProps xmlns:a14="http://schemas.microsoft.com/office/drawing/2010/main">
+                    <a14:imgLayer r:embed="rId3">
+                      <a14:imgEffect>
+                        <a14:sharpenSoften amount="61000"/>
+                      </a14:imgEffect>
+                    </a14:imgLayer>
+                  </a14:imgProps>
+                </a:ext>
+                <a:ext uri="{28A0092B-C50C-407E-A947-70E740481C1C}">
+                  <a14:useLocalDpi xmlns:a14="http://schemas.microsoft.com/office/drawing/2010/main" val="0"/>
+                </a:ext>
+              </a:extLst>
+            </a:blip>
+            <a:srcRect/>
+            <a:tile tx="0" ty="-762000" sx="92000" sy="89000" flip="xy" algn="ctr"/>
+          </a:blipFill>
+          <a:ln>
+            <a:noFill/>
+          </a:ln>
+        </p:spPr>
+        <p:style>
+          <a:lnRef idx="2">
+            <a:schemeClr val="accent1">
+              <a:shade val="50000"/>
+            </a:schemeClr>
+          </a:lnRef>
+          <a:fillRef idx="1">
+            <a:schemeClr val="accent1"/>
+          </a:fillRef>
+          <a:effectRef idx="0">
+            <a:schemeClr val="accent1"/>
+          </a:effectRef>
+          <a:fontRef idx="minor">
+            <a:schemeClr val="lt1"/>
+          </a:fontRef>
+        </p:style>
+        <p:txBody>
+          <a:bodyPr rtlCol="0" anchor="ctr"/>
+          <a:lstStyle/>
+          <a:p>
+            <a:pPr algn="ctr"/>
+            <a:endParaRPr lang="en-US"/>
+          </a:p>
+        </p:txBody>
+      </p:sp>
+      <p:sp>
+        <p:nvSpPr>
+          <p:cNvPr id="8" name="Rectangle 7"/>
+          <p:cNvSpPr/>
+          <p:nvPr/>
+        </p:nvSpPr>
+        <p:spPr>
+          <a:xfrm>
+            <a:off x="920834" y="4299696"/>
+            <a:ext cx="10222992" cy="80683"/>
+          </a:xfrm>
+          <a:prstGeom prst="rect">
+            <a:avLst/>
+          </a:prstGeom>
+          <a:blipFill dpi="0" rotWithShape="1">
+            <a:blip r:embed="rId2">
+              <a:alphaModFix amt="85000"/>
+              <a:lum bright="70000" contrast="-70000"/>
+              <a:extLst>
+                <a:ext uri="{BEBA8EAE-BF5A-486C-A8C5-ECC9F3942E4B}">
+                  <a14:imgProps xmlns:a14="http://schemas.microsoft.com/office/drawing/2010/main">
+                    <a14:imgLayer r:embed="rId3">
+                      <a14:imgEffect>
+                        <a14:sharpenSoften amount="61000"/>
+                      </a14:imgEffect>
+                    </a14:imgLayer>
+                  </a14:imgProps>
+                </a:ext>
+                <a:ext uri="{28A0092B-C50C-407E-A947-70E740481C1C}">
+                  <a14:useLocalDpi xmlns:a14="http://schemas.microsoft.com/office/drawing/2010/main" val="0"/>
+                </a:ext>
+              </a:extLst>
+            </a:blip>
+            <a:srcRect/>
+            <a:tile tx="0" ty="-717550" sx="92000" sy="89000" flip="xy" algn="ctr"/>
+          </a:blipFill>
+          <a:ln>
+            <a:noFill/>
+          </a:ln>
+        </p:spPr>
+        <p:style>
+          <a:lnRef idx="2">
+            <a:schemeClr val="accent1">
+              <a:shade val="50000"/>
+            </a:schemeClr>
+          </a:lnRef>
+          <a:fillRef idx="1">
+            <a:schemeClr val="accent1"/>
+          </a:fillRef>
+          <a:effectRef idx="0">
+            <a:schemeClr val="accent1"/>
+          </a:effectRef>
+          <a:fontRef idx="minor">
+            <a:schemeClr val="lt1"/>
+          </a:fontRef>
+        </p:style>
+        <p:txBody>
+          <a:bodyPr rtlCol="0" anchor="ctr"/>
+          <a:lstStyle/>
+          <a:p>
+            <a:pPr algn="ctr"/>
+            <a:endParaRPr lang="en-US"/>
+          </a:p>
+        </p:txBody>
+      </p:sp>
+      <p:sp>
+        <p:nvSpPr>
+          <p:cNvPr id="9" name="Rectangle 8"/>
+          <p:cNvSpPr/>
+          <p:nvPr/>
+        </p:nvSpPr>
+        <p:spPr>
+          <a:xfrm>
+            <a:off x="920834" y="1484779"/>
+            <a:ext cx="10222992" cy="2743200"/>
+          </a:xfrm>
+          <a:prstGeom prst="rect">
+            <a:avLst/>
+          </a:prstGeom>
+          <a:blipFill dpi="0" rotWithShape="1">
+            <a:blip r:embed="rId2">
+              <a:alphaModFix amt="85000"/>
+              <a:lum bright="70000" contrast="-70000"/>
+              <a:extLst>
+                <a:ext uri="{BEBA8EAE-BF5A-486C-A8C5-ECC9F3942E4B}">
+                  <a14:imgProps xmlns:a14="http://schemas.microsoft.com/office/drawing/2010/main">
+                    <a14:imgLayer r:embed="rId3">
+                      <a14:imgEffect>
+                        <a14:sharpenSoften amount="61000"/>
+                      </a14:imgEffect>
+                    </a14:imgLayer>
+                  </a14:imgProps>
+                </a:ext>
+                <a:ext uri="{28A0092B-C50C-407E-A947-70E740481C1C}">
+                  <a14:useLocalDpi xmlns:a14="http://schemas.microsoft.com/office/drawing/2010/main" val="0"/>
+                </a:ext>
+              </a:extLst>
+            </a:blip>
+            <a:srcRect/>
+            <a:tile tx="0" ty="-704850" sx="92000" sy="89000" flip="xy" algn="ctr"/>
+          </a:blipFill>
+          <a:ln>
+            <a:noFill/>
+          </a:ln>
+        </p:spPr>
+        <p:style>
+          <a:lnRef idx="2">
+            <a:schemeClr val="accent1">
+              <a:shade val="50000"/>
+            </a:schemeClr>
+          </a:lnRef>
+          <a:fillRef idx="1">
+            <a:schemeClr val="accent1"/>
+          </a:fillRef>
+          <a:effectRef idx="0">
+            <a:schemeClr val="accent1"/>
+          </a:effectRef>
+          <a:fontRef idx="minor">
+            <a:schemeClr val="lt1"/>
+          </a:fontRef>
+        </p:style>
+        <p:txBody>
+          <a:bodyPr rtlCol="0" anchor="ctr"/>
+          <a:lstStyle/>
+          <a:p>
+            <a:pPr algn="ctr"/>
+            <a:endParaRPr lang="en-US"/>
+          </a:p>
+        </p:txBody>
+      </p:sp>
+      <p:grpSp>
+        <p:nvGrpSpPr>
+          <p:cNvPr id="10" name="Group 9"/>
+          <p:cNvGrpSpPr/>
+          <p:nvPr/>
+        </p:nvGrpSpPr>
+        <p:grpSpPr>
+          <a:xfrm>
+            <a:off x="9649215" y="4068923"/>
+            <a:ext cx="1080904" cy="1080902"/>
+            <a:chOff x="9685338" y="4460675"/>
+            <a:chExt cx="1080904" cy="1080902"/>
+          </a:xfrm>
+        </p:grpSpPr>
+        <p:sp>
+          <p:nvSpPr>
+            <p:cNvPr id="11" name="Oval 10"/>
+            <p:cNvSpPr/>
+            <p:nvPr/>
+          </p:nvSpPr>
+          <p:spPr>
+            <a:xfrm>
+              <a:off x="9685338" y="4460675"/>
+              <a:ext cx="1080904" cy="1080902"/>
+            </a:xfrm>
+            <a:prstGeom prst="ellipse">
+              <a:avLst/>
+            </a:prstGeom>
+            <a:blipFill dpi="0" rotWithShape="1">
+              <a:blip r:embed="rId4">
+                <a:duotone>
+                  <a:schemeClr val="accent1">
+                    <a:shade val="45000"/>
+                    <a:satMod val="135000"/>
+                  </a:schemeClr>
+                  <a:prstClr val="white"/>
+                </a:duotone>
+                <a:extLst>
+                  <a:ext uri="{BEBA8EAE-BF5A-486C-A8C5-ECC9F3942E4B}">
+                    <a14:imgProps xmlns:a14="http://schemas.microsoft.com/office/drawing/2010/main">
+                      <a14:imgLayer r:embed="rId5">
+                        <a14:imgEffect>
+                          <a14:saturation sat="95000"/>
+                        </a14:imgEffect>
+                      </a14:imgLayer>
+                    </a14:imgProps>
+                  </a:ext>
+                </a:extLst>
+              </a:blip>
+              <a:srcRect/>
+              <a:tile tx="0" ty="0" sx="85000" sy="85000" flip="none" algn="tl"/>
+            </a:blipFill>
+            <a:ln w="25400" cap="flat" cmpd="sng" algn="ctr">
+              <a:noFill/>
+              <a:prstDash val="solid"/>
+            </a:ln>
+            <a:effectLst/>
+          </p:spPr>
+          <p:txBody>
+            <a:bodyPr lIns="0" tIns="0" rIns="0" bIns="0" rtlCol="0" anchor="ctr"/>
+            <a:lstStyle/>
+            <a:p>
+              <a:pPr marL="0" marR="0" lvl="0" indent="0" algn="ctr" defTabSz="914400" eaLnBrk="1" fontAlgn="auto" latinLnBrk="0" hangingPunct="1">
+                <a:lnSpc>
+                  <a:spcPct val="100000"/>
+                </a:lnSpc>
+                <a:spcBef>
+                  <a:spcPts val="0"/>
+                </a:spcBef>
+                <a:spcAft>
+                  <a:spcPts val="0"/>
+                </a:spcAft>
+                <a:buClrTx/>
+                <a:buSzTx/>
+                <a:buFontTx/>
+                <a:buNone/>
+                <a:tabLst/>
+                <a:defRPr/>
+              </a:pPr>
+              <a:endParaRPr kumimoji="0" lang="en-US" sz="2000" b="0" i="0" u="none" strike="noStrike" kern="0" cap="none" spc="0" normalizeH="0" baseline="0" noProof="0" dirty="0">
+                <a:ln>
+                  <a:noFill/>
+                </a:ln>
+                <a:solidFill>
+                  <a:prstClr val="white"/>
+                </a:solidFill>
+                <a:effectLst/>
+                <a:uLnTx/>
+                <a:uFillTx/>
+                <a:latin typeface="Rockwell Extra Bold" pitchFamily="18" charset="0"/>
+                <a:ea typeface="+mn-ea"/>
+                <a:cs typeface="+mn-cs"/>
+              </a:endParaRPr>
+            </a:p>
+          </p:txBody>
+        </p:sp>
+        <p:sp>
+          <p:nvSpPr>
+            <p:cNvPr id="12" name="Oval 11"/>
+            <p:cNvSpPr/>
+            <p:nvPr/>
+          </p:nvSpPr>
+          <p:spPr>
+            <a:xfrm>
+              <a:off x="9793429" y="4568765"/>
+              <a:ext cx="864723" cy="864722"/>
+            </a:xfrm>
+            <a:prstGeom prst="ellipse">
+              <a:avLst/>
+            </a:prstGeom>
+            <a:noFill/>
+            <a:ln w="25400" cap="flat" cmpd="sng" algn="ctr">
+              <a:solidFill>
+                <a:sysClr val="window" lastClr="FFFFFF"/>
+              </a:solidFill>
+              <a:prstDash val="solid"/>
+            </a:ln>
+            <a:effectLst/>
+          </p:spPr>
+          <p:txBody>
+            <a:bodyPr rtlCol="0" anchor="ctr"/>
+            <a:lstStyle/>
+            <a:p>
+              <a:pPr marL="0" marR="0" lvl="0" indent="0" algn="ctr" defTabSz="914400" eaLnBrk="1" fontAlgn="auto" latinLnBrk="0" hangingPunct="1">
+                <a:lnSpc>
+                  <a:spcPct val="100000"/>
+                </a:lnSpc>
+                <a:spcBef>
+                  <a:spcPts val="0"/>
+                </a:spcBef>
+                <a:spcAft>
+                  <a:spcPts val="0"/>
+                </a:spcAft>
+                <a:buClrTx/>
+                <a:buSzTx/>
+                <a:buFontTx/>
+                <a:buNone/>
+                <a:tabLst/>
+                <a:defRPr/>
+              </a:pPr>
+              <a:endParaRPr kumimoji="0" lang="en-US" sz="1800" b="0" i="0" u="none" strike="noStrike" kern="0" cap="none" spc="0" normalizeH="0" baseline="0" noProof="0" dirty="0">
+                <a:ln>
+                  <a:noFill/>
+                </a:ln>
+                <a:solidFill>
+                  <a:prstClr val="white"/>
+                </a:solidFill>
+                <a:effectLst/>
+                <a:uLnTx/>
+                <a:uFillTx/>
+                <a:latin typeface="Calibri"/>
+                <a:ea typeface="+mn-ea"/>
+                <a:cs typeface="+mn-cs"/>
+              </a:endParaRPr>
+            </a:p>
+          </p:txBody>
+        </p:sp>
+      </p:grpSp>
+      <p:sp>
+        <p:nvSpPr>
+          <p:cNvPr id="2" name="Title 1"/>
+          <p:cNvSpPr>
+            <a:spLocks noGrp="1"/>
+          </p:cNvSpPr>
+          <p:nvPr>
+            <p:ph type="ctrTitle"/>
+          </p:nvPr>
+        </p:nvSpPr>
+        <p:spPr>
+          <a:xfrm>
+            <a:off x="1051560" y="1432223"/>
+            <a:ext cx="9966960" cy="3035808"/>
           </a:xfrm>
         </p:spPr>
         <p:txBody>
-          <a:bodyPr anchor="b"/>
+          <a:bodyPr anchor="ctr">
+            <a:noAutofit/>
+          </a:bodyPr>
           <a:lstStyle>
-            <a:lvl1pPr algn="ctr">
-              <a:defRPr sz="6000"/>
+            <a:lvl1pPr algn="l">
+              <a:lnSpc>
+                <a:spcPct val="80000"/>
+              </a:lnSpc>
+              <a:defRPr sz="9600" cap="all" baseline="0">
+                <a:blipFill dpi="0" rotWithShape="1">
+                  <a:blip r:embed="rId4"/>
+                  <a:srcRect/>
+                  <a:tile tx="6350" ty="-127000" sx="65000" sy="64000" flip="none" algn="tl"/>
+                </a:blipFill>
+              </a:defRPr>
             </a:lvl1pPr>
           </a:lstStyle>
           <a:p>
@@ -169,18 +532,13 @@
               <a:rPr lang="en-US"/>
               <a:t>Click to edit Master title style</a:t>
             </a:r>
-          </a:p>
-        </p:txBody>
-      </p:sp>
-      <p:sp>
-        <p:nvSpPr>
-          <p:cNvPr id="3" name="Subtitle 2">
-            <a:extLst>
-              <a:ext uri="{FF2B5EF4-FFF2-40B4-BE49-F238E27FC236}">
-                <a16:creationId xmlns:a16="http://schemas.microsoft.com/office/drawing/2014/main" id="{6EFA77D3-92AF-E53B-2AC6-F59ADBAE1D8E}"/>
-              </a:ext>
-            </a:extLst>
-          </p:cNvPr>
+            <a:endParaRPr lang="en-US" dirty="0"/>
+          </a:p>
+        </p:txBody>
+      </p:sp>
+      <p:sp>
+        <p:nvSpPr>
+          <p:cNvPr id="3" name="Subtitle 2"/>
           <p:cNvSpPr>
             <a:spLocks noGrp="1"/>
           </p:cNvSpPr>
@@ -190,132 +548,130 @@
         </p:nvSpPr>
         <p:spPr>
           <a:xfrm>
-            <a:off x="1524000" y="3602038"/>
-            <a:ext cx="9144000" cy="1655762"/>
+            <a:off x="1069848" y="4389120"/>
+            <a:ext cx="7891272" cy="1069848"/>
           </a:xfrm>
         </p:spPr>
         <p:txBody>
+          <a:bodyPr>
+            <a:normAutofit/>
+          </a:bodyPr>
+          <a:lstStyle>
+            <a:lvl1pPr marL="0" indent="0" algn="l">
+              <a:buNone/>
+              <a:defRPr sz="2200">
+                <a:solidFill>
+                  <a:schemeClr val="tx1"/>
+                </a:solidFill>
+              </a:defRPr>
+            </a:lvl1pPr>
+            <a:lvl2pPr marL="457200" indent="0" algn="ctr">
+              <a:buNone/>
+              <a:defRPr sz="2800"/>
+            </a:lvl2pPr>
+            <a:lvl3pPr marL="914400" indent="0" algn="ctr">
+              <a:buNone/>
+              <a:defRPr sz="2400"/>
+            </a:lvl3pPr>
+            <a:lvl4pPr marL="1371600" indent="0" algn="ctr">
+              <a:buNone/>
+              <a:defRPr sz="2000"/>
+            </a:lvl4pPr>
+            <a:lvl5pPr marL="1828800" indent="0" algn="ctr">
+              <a:buNone/>
+              <a:defRPr sz="2000"/>
+            </a:lvl5pPr>
+            <a:lvl6pPr marL="2286000" indent="0" algn="ctr">
+              <a:buNone/>
+              <a:defRPr sz="2000"/>
+            </a:lvl6pPr>
+            <a:lvl7pPr marL="2743200" indent="0" algn="ctr">
+              <a:buNone/>
+              <a:defRPr sz="2000"/>
+            </a:lvl7pPr>
+            <a:lvl8pPr marL="3200400" indent="0" algn="ctr">
+              <a:buNone/>
+              <a:defRPr sz="2000"/>
+            </a:lvl8pPr>
+            <a:lvl9pPr marL="3657600" indent="0" algn="ctr">
+              <a:buNone/>
+              <a:defRPr sz="2000"/>
+            </a:lvl9pPr>
+          </a:lstStyle>
+          <a:p>
+            <a:r>
+              <a:rPr lang="en-US"/>
+              <a:t>Click to edit Master subtitle style</a:t>
+            </a:r>
+            <a:endParaRPr lang="en-US" dirty="0"/>
+          </a:p>
+        </p:txBody>
+      </p:sp>
+      <p:sp>
+        <p:nvSpPr>
+          <p:cNvPr id="4" name="Date Placeholder 3"/>
+          <p:cNvSpPr>
+            <a:spLocks noGrp="1"/>
+          </p:cNvSpPr>
+          <p:nvPr>
+            <p:ph type="dt" sz="half" idx="10"/>
+          </p:nvPr>
+        </p:nvSpPr>
+        <p:spPr/>
+        <p:txBody>
+          <a:bodyPr/>
+          <a:lstStyle/>
+          <a:p>
+            <a:fld id="{7C168115-B69F-48B5-9BAC-219F63D88C51}" type="datetimeFigureOut">
+              <a:rPr lang="en-US" smtClean="0"/>
+              <a:t>11/16/23</a:t>
+            </a:fld>
+            <a:endParaRPr lang="en-US"/>
+          </a:p>
+        </p:txBody>
+      </p:sp>
+      <p:sp>
+        <p:nvSpPr>
+          <p:cNvPr id="5" name="Footer Placeholder 4"/>
+          <p:cNvSpPr>
+            <a:spLocks noGrp="1"/>
+          </p:cNvSpPr>
+          <p:nvPr>
+            <p:ph type="ftr" sz="quarter" idx="11"/>
+          </p:nvPr>
+        </p:nvSpPr>
+        <p:spPr/>
+        <p:txBody>
+          <a:bodyPr/>
+          <a:lstStyle/>
+          <a:p>
+            <a:endParaRPr lang="en-US"/>
+          </a:p>
+        </p:txBody>
+      </p:sp>
+      <p:sp>
+        <p:nvSpPr>
+          <p:cNvPr id="6" name="Slide Number Placeholder 5"/>
+          <p:cNvSpPr>
+            <a:spLocks noGrp="1"/>
+          </p:cNvSpPr>
+          <p:nvPr>
+            <p:ph type="sldNum" sz="quarter" idx="12"/>
+          </p:nvPr>
+        </p:nvSpPr>
+        <p:spPr>
+          <a:xfrm>
+            <a:off x="9592733" y="4289334"/>
+            <a:ext cx="1193868" cy="640080"/>
+          </a:xfrm>
+        </p:spPr>
+        <p:txBody>
           <a:bodyPr/>
           <a:lstStyle>
-            <a:lvl1pPr marL="0" indent="0" algn="ctr">
-              <a:buNone/>
-              <a:defRPr sz="2400"/>
+            <a:lvl1pPr>
+              <a:defRPr sz="2800"/>
             </a:lvl1pPr>
-            <a:lvl2pPr marL="457200" indent="0" algn="ctr">
-              <a:buNone/>
-              <a:defRPr sz="2000"/>
-            </a:lvl2pPr>
-            <a:lvl3pPr marL="914400" indent="0" algn="ctr">
-              <a:buNone/>
-              <a:defRPr sz="1800"/>
-            </a:lvl3pPr>
-            <a:lvl4pPr marL="1371600" indent="0" algn="ctr">
-              <a:buNone/>
-              <a:defRPr sz="1600"/>
-            </a:lvl4pPr>
-            <a:lvl5pPr marL="1828800" indent="0" algn="ctr">
-              <a:buNone/>
-              <a:defRPr sz="1600"/>
-            </a:lvl5pPr>
-            <a:lvl6pPr marL="2286000" indent="0" algn="ctr">
-              <a:buNone/>
-              <a:defRPr sz="1600"/>
-            </a:lvl6pPr>
-            <a:lvl7pPr marL="2743200" indent="0" algn="ctr">
-              <a:buNone/>
-              <a:defRPr sz="1600"/>
-            </a:lvl7pPr>
-            <a:lvl8pPr marL="3200400" indent="0" algn="ctr">
-              <a:buNone/>
-              <a:defRPr sz="1600"/>
-            </a:lvl8pPr>
-            <a:lvl9pPr marL="3657600" indent="0" algn="ctr">
-              <a:buNone/>
-              <a:defRPr sz="1600"/>
-            </a:lvl9pPr>
           </a:lstStyle>
-          <a:p>
-            <a:r>
-              <a:rPr lang="en-US"/>
-              <a:t>Click to edit Master subtitle style</a:t>
-            </a:r>
-          </a:p>
-        </p:txBody>
-      </p:sp>
-      <p:sp>
-        <p:nvSpPr>
-          <p:cNvPr id="4" name="Date Placeholder 3">
-            <a:extLst>
-              <a:ext uri="{FF2B5EF4-FFF2-40B4-BE49-F238E27FC236}">
-                <a16:creationId xmlns:a16="http://schemas.microsoft.com/office/drawing/2014/main" id="{40DA5953-3C5C-D6AB-50F8-5ED40F968DFE}"/>
-              </a:ext>
-            </a:extLst>
-          </p:cNvPr>
-          <p:cNvSpPr>
-            <a:spLocks noGrp="1"/>
-          </p:cNvSpPr>
-          <p:nvPr>
-            <p:ph type="dt" sz="half" idx="10"/>
-          </p:nvPr>
-        </p:nvSpPr>
-        <p:spPr/>
-        <p:txBody>
-          <a:bodyPr/>
-          <a:lstStyle/>
-          <a:p>
-            <a:fld id="{7C168115-B69F-48B5-9BAC-219F63D88C51}" type="datetimeFigureOut">
-              <a:rPr lang="en-US" smtClean="0"/>
-              <a:t>11/16/2023</a:t>
-            </a:fld>
-            <a:endParaRPr lang="en-US"/>
-          </a:p>
-        </p:txBody>
-      </p:sp>
-      <p:sp>
-        <p:nvSpPr>
-          <p:cNvPr id="5" name="Footer Placeholder 4">
-            <a:extLst>
-              <a:ext uri="{FF2B5EF4-FFF2-40B4-BE49-F238E27FC236}">
-                <a16:creationId xmlns:a16="http://schemas.microsoft.com/office/drawing/2014/main" id="{3CE19798-DD21-76B1-6F50-FCA0E1D5B3DD}"/>
-              </a:ext>
-            </a:extLst>
-          </p:cNvPr>
-          <p:cNvSpPr>
-            <a:spLocks noGrp="1"/>
-          </p:cNvSpPr>
-          <p:nvPr>
-            <p:ph type="ftr" sz="quarter" idx="11"/>
-          </p:nvPr>
-        </p:nvSpPr>
-        <p:spPr/>
-        <p:txBody>
-          <a:bodyPr/>
-          <a:lstStyle/>
-          <a:p>
-            <a:endParaRPr lang="en-US"/>
-          </a:p>
-        </p:txBody>
-      </p:sp>
-      <p:sp>
-        <p:nvSpPr>
-          <p:cNvPr id="6" name="Slide Number Placeholder 5">
-            <a:extLst>
-              <a:ext uri="{FF2B5EF4-FFF2-40B4-BE49-F238E27FC236}">
-                <a16:creationId xmlns:a16="http://schemas.microsoft.com/office/drawing/2014/main" id="{412DF690-D74D-2FA4-0602-9381D2CD76EF}"/>
-              </a:ext>
-            </a:extLst>
-          </p:cNvPr>
-          <p:cNvSpPr>
-            <a:spLocks noGrp="1"/>
-          </p:cNvSpPr>
-          <p:nvPr>
-            <p:ph type="sldNum" sz="quarter" idx="12"/>
-          </p:nvPr>
-        </p:nvSpPr>
-        <p:spPr/>
-        <p:txBody>
-          <a:bodyPr/>
-          <a:lstStyle/>
           <a:p>
             <a:fld id="{9F0821F4-5330-4657-B347-928DF10B1803}" type="slidenum">
               <a:rPr lang="en-US" smtClean="0"/>
@@ -328,7 +684,7 @@
     </p:spTree>
     <p:extLst>
       <p:ext uri="{BB962C8B-B14F-4D97-AF65-F5344CB8AC3E}">
-        <p14:creationId xmlns:p14="http://schemas.microsoft.com/office/powerpoint/2010/main" val="4231551303"/>
+        <p14:creationId xmlns:p14="http://schemas.microsoft.com/office/powerpoint/2010/main" val="1635433507"/>
       </p:ext>
     </p:extLst>
   </p:cSld>
@@ -357,13 +713,7 @@
       </p:grpSpPr>
       <p:sp>
         <p:nvSpPr>
-          <p:cNvPr id="2" name="Title 1">
-            <a:extLst>
-              <a:ext uri="{FF2B5EF4-FFF2-40B4-BE49-F238E27FC236}">
-                <a16:creationId xmlns:a16="http://schemas.microsoft.com/office/drawing/2014/main" id="{CCF32FC7-76B2-0F7C-EDCF-E0EE3F12B68F}"/>
-              </a:ext>
-            </a:extLst>
-          </p:cNvPr>
+          <p:cNvPr id="2" name="Title 1"/>
           <p:cNvSpPr>
             <a:spLocks noGrp="1"/>
           </p:cNvSpPr>
@@ -385,13 +735,7 @@
       </p:sp>
       <p:sp>
         <p:nvSpPr>
-          <p:cNvPr id="3" name="Vertical Text Placeholder 2">
-            <a:extLst>
-              <a:ext uri="{FF2B5EF4-FFF2-40B4-BE49-F238E27FC236}">
-                <a16:creationId xmlns:a16="http://schemas.microsoft.com/office/drawing/2014/main" id="{674B8F11-C4D7-8B78-6C3A-C160A9D2933B}"/>
-              </a:ext>
-            </a:extLst>
-          </p:cNvPr>
+          <p:cNvPr id="3" name="Vertical Text Placeholder 2"/>
           <p:cNvSpPr>
             <a:spLocks noGrp="1"/>
           </p:cNvSpPr>
@@ -442,13 +786,7 @@
       </p:sp>
       <p:sp>
         <p:nvSpPr>
-          <p:cNvPr id="4" name="Date Placeholder 3">
-            <a:extLst>
-              <a:ext uri="{FF2B5EF4-FFF2-40B4-BE49-F238E27FC236}">
-                <a16:creationId xmlns:a16="http://schemas.microsoft.com/office/drawing/2014/main" id="{DB0A56EE-C472-2A40-B7F1-436A302435DF}"/>
-              </a:ext>
-            </a:extLst>
-          </p:cNvPr>
+          <p:cNvPr id="4" name="Date Placeholder 3"/>
           <p:cNvSpPr>
             <a:spLocks noGrp="1"/>
           </p:cNvSpPr>
@@ -463,7 +801,7 @@
           <a:p>
             <a:fld id="{7C168115-B69F-48B5-9BAC-219F63D88C51}" type="datetimeFigureOut">
               <a:rPr lang="en-US" smtClean="0"/>
-              <a:t>11/16/2023</a:t>
+              <a:t>11/16/23</a:t>
             </a:fld>
             <a:endParaRPr lang="en-US"/>
           </a:p>
@@ -471,13 +809,7 @@
       </p:sp>
       <p:sp>
         <p:nvSpPr>
-          <p:cNvPr id="5" name="Footer Placeholder 4">
-            <a:extLst>
-              <a:ext uri="{FF2B5EF4-FFF2-40B4-BE49-F238E27FC236}">
-                <a16:creationId xmlns:a16="http://schemas.microsoft.com/office/drawing/2014/main" id="{1087A623-C30D-4BE7-51BD-587D65FFCAC7}"/>
-              </a:ext>
-            </a:extLst>
-          </p:cNvPr>
+          <p:cNvPr id="5" name="Footer Placeholder 4"/>
           <p:cNvSpPr>
             <a:spLocks noGrp="1"/>
           </p:cNvSpPr>
@@ -496,13 +828,7 @@
       </p:sp>
       <p:sp>
         <p:nvSpPr>
-          <p:cNvPr id="6" name="Slide Number Placeholder 5">
-            <a:extLst>
-              <a:ext uri="{FF2B5EF4-FFF2-40B4-BE49-F238E27FC236}">
-                <a16:creationId xmlns:a16="http://schemas.microsoft.com/office/drawing/2014/main" id="{199C4339-0539-AE73-B108-22E8E0DD6E41}"/>
-              </a:ext>
-            </a:extLst>
-          </p:cNvPr>
+          <p:cNvPr id="6" name="Slide Number Placeholder 5"/>
           <p:cNvSpPr>
             <a:spLocks noGrp="1"/>
           </p:cNvSpPr>
@@ -526,7 +852,7 @@
     </p:spTree>
     <p:extLst>
       <p:ext uri="{BB962C8B-B14F-4D97-AF65-F5344CB8AC3E}">
-        <p14:creationId xmlns:p14="http://schemas.microsoft.com/office/powerpoint/2010/main" val="3879847621"/>
+        <p14:creationId xmlns:p14="http://schemas.microsoft.com/office/powerpoint/2010/main" val="899591985"/>
       </p:ext>
     </p:extLst>
   </p:cSld>
@@ -555,13 +881,7 @@
       </p:grpSpPr>
       <p:sp>
         <p:nvSpPr>
-          <p:cNvPr id="2" name="Vertical Title 1">
-            <a:extLst>
-              <a:ext uri="{FF2B5EF4-FFF2-40B4-BE49-F238E27FC236}">
-                <a16:creationId xmlns:a16="http://schemas.microsoft.com/office/drawing/2014/main" id="{E9220AE5-1FEB-AE4C-B074-1799336316E8}"/>
-              </a:ext>
-            </a:extLst>
-          </p:cNvPr>
+          <p:cNvPr id="2" name="Vertical Title 1"/>
           <p:cNvSpPr>
             <a:spLocks noGrp="1"/>
           </p:cNvSpPr>
@@ -571,8 +891,8 @@
         </p:nvSpPr>
         <p:spPr>
           <a:xfrm>
-            <a:off x="8724900" y="365125"/>
-            <a:ext cx="2628900" cy="5811838"/>
+            <a:off x="8724900" y="533400"/>
+            <a:ext cx="2552700" cy="5638800"/>
           </a:xfrm>
         </p:spPr>
         <p:txBody>
@@ -583,18 +903,13 @@
               <a:rPr lang="en-US"/>
               <a:t>Click to edit Master title style</a:t>
             </a:r>
-          </a:p>
-        </p:txBody>
-      </p:sp>
-      <p:sp>
-        <p:nvSpPr>
-          <p:cNvPr id="3" name="Vertical Text Placeholder 2">
-            <a:extLst>
-              <a:ext uri="{FF2B5EF4-FFF2-40B4-BE49-F238E27FC236}">
-                <a16:creationId xmlns:a16="http://schemas.microsoft.com/office/drawing/2014/main" id="{BDD42EA4-24E4-C532-FD38-697A1D872128}"/>
-              </a:ext>
-            </a:extLst>
-          </p:cNvPr>
+            <a:endParaRPr lang="en-US" dirty="0"/>
+          </a:p>
+        </p:txBody>
+      </p:sp>
+      <p:sp>
+        <p:nvSpPr>
+          <p:cNvPr id="3" name="Vertical Text Placeholder 2"/>
           <p:cNvSpPr>
             <a:spLocks noGrp="1"/>
           </p:cNvSpPr>
@@ -604,8 +919,8 @@
         </p:nvSpPr>
         <p:spPr>
           <a:xfrm>
-            <a:off x="838200" y="365125"/>
-            <a:ext cx="7734300" cy="5811838"/>
+            <a:off x="1066800" y="533400"/>
+            <a:ext cx="7505700" cy="5638800"/>
           </a:xfrm>
         </p:spPr>
         <p:txBody>
@@ -645,18 +960,13 @@
               <a:rPr lang="en-US"/>
               <a:t>Fifth level</a:t>
             </a:r>
-          </a:p>
-        </p:txBody>
-      </p:sp>
-      <p:sp>
-        <p:nvSpPr>
-          <p:cNvPr id="4" name="Date Placeholder 3">
-            <a:extLst>
-              <a:ext uri="{FF2B5EF4-FFF2-40B4-BE49-F238E27FC236}">
-                <a16:creationId xmlns:a16="http://schemas.microsoft.com/office/drawing/2014/main" id="{42E442A5-E121-9EBF-CF43-CB2CAD30086B}"/>
-              </a:ext>
-            </a:extLst>
-          </p:cNvPr>
+            <a:endParaRPr lang="en-US" dirty="0"/>
+          </a:p>
+        </p:txBody>
+      </p:sp>
+      <p:sp>
+        <p:nvSpPr>
+          <p:cNvPr id="4" name="Date Placeholder 3"/>
           <p:cNvSpPr>
             <a:spLocks noGrp="1"/>
           </p:cNvSpPr>
@@ -671,7 +981,7 @@
           <a:p>
             <a:fld id="{7C168115-B69F-48B5-9BAC-219F63D88C51}" type="datetimeFigureOut">
               <a:rPr lang="en-US" smtClean="0"/>
-              <a:t>11/16/2023</a:t>
+              <a:t>11/16/23</a:t>
             </a:fld>
             <a:endParaRPr lang="en-US"/>
           </a:p>
@@ -679,13 +989,7 @@
       </p:sp>
       <p:sp>
         <p:nvSpPr>
-          <p:cNvPr id="5" name="Footer Placeholder 4">
-            <a:extLst>
-              <a:ext uri="{FF2B5EF4-FFF2-40B4-BE49-F238E27FC236}">
-                <a16:creationId xmlns:a16="http://schemas.microsoft.com/office/drawing/2014/main" id="{151CC81B-9171-FF7B-452B-1337E350BFA5}"/>
-              </a:ext>
-            </a:extLst>
-          </p:cNvPr>
+          <p:cNvPr id="5" name="Footer Placeholder 4"/>
           <p:cNvSpPr>
             <a:spLocks noGrp="1"/>
           </p:cNvSpPr>
@@ -704,13 +1008,7 @@
       </p:sp>
       <p:sp>
         <p:nvSpPr>
-          <p:cNvPr id="6" name="Slide Number Placeholder 5">
-            <a:extLst>
-              <a:ext uri="{FF2B5EF4-FFF2-40B4-BE49-F238E27FC236}">
-                <a16:creationId xmlns:a16="http://schemas.microsoft.com/office/drawing/2014/main" id="{D222BC9E-F4D2-3B8C-502D-CF872145198E}"/>
-              </a:ext>
-            </a:extLst>
-          </p:cNvPr>
+          <p:cNvPr id="6" name="Slide Number Placeholder 5"/>
           <p:cNvSpPr>
             <a:spLocks noGrp="1"/>
           </p:cNvSpPr>
@@ -734,7 +1032,7 @@
     </p:spTree>
     <p:extLst>
       <p:ext uri="{BB962C8B-B14F-4D97-AF65-F5344CB8AC3E}">
-        <p14:creationId xmlns:p14="http://schemas.microsoft.com/office/powerpoint/2010/main" val="4180874887"/>
+        <p14:creationId xmlns:p14="http://schemas.microsoft.com/office/powerpoint/2010/main" val="1007744715"/>
       </p:ext>
     </p:extLst>
   </p:cSld>
@@ -763,13 +1061,7 @@
       </p:grpSpPr>
       <p:sp>
         <p:nvSpPr>
-          <p:cNvPr id="2" name="Title 1">
-            <a:extLst>
-              <a:ext uri="{FF2B5EF4-FFF2-40B4-BE49-F238E27FC236}">
-                <a16:creationId xmlns:a16="http://schemas.microsoft.com/office/drawing/2014/main" id="{61D28844-A5B1-9D4A-E7CE-914D7FF1DA2A}"/>
-              </a:ext>
-            </a:extLst>
-          </p:cNvPr>
+          <p:cNvPr id="2" name="Title 1"/>
           <p:cNvSpPr>
             <a:spLocks noGrp="1"/>
           </p:cNvSpPr>
@@ -786,18 +1078,13 @@
               <a:rPr lang="en-US"/>
               <a:t>Click to edit Master title style</a:t>
             </a:r>
-          </a:p>
-        </p:txBody>
-      </p:sp>
-      <p:sp>
-        <p:nvSpPr>
-          <p:cNvPr id="3" name="Content Placeholder 2">
-            <a:extLst>
-              <a:ext uri="{FF2B5EF4-FFF2-40B4-BE49-F238E27FC236}">
-                <a16:creationId xmlns:a16="http://schemas.microsoft.com/office/drawing/2014/main" id="{5A730B61-29A0-0C0C-8172-55E3A1E4DC7B}"/>
-              </a:ext>
-            </a:extLst>
-          </p:cNvPr>
+            <a:endParaRPr lang="en-US" dirty="0"/>
+          </a:p>
+        </p:txBody>
+      </p:sp>
+      <p:sp>
+        <p:nvSpPr>
+          <p:cNvPr id="3" name="Content Placeholder 2"/>
           <p:cNvSpPr>
             <a:spLocks noGrp="1"/>
           </p:cNvSpPr>
@@ -843,18 +1130,13 @@
               <a:rPr lang="en-US"/>
               <a:t>Fifth level</a:t>
             </a:r>
-          </a:p>
-        </p:txBody>
-      </p:sp>
-      <p:sp>
-        <p:nvSpPr>
-          <p:cNvPr id="4" name="Date Placeholder 3">
-            <a:extLst>
-              <a:ext uri="{FF2B5EF4-FFF2-40B4-BE49-F238E27FC236}">
-                <a16:creationId xmlns:a16="http://schemas.microsoft.com/office/drawing/2014/main" id="{C7B7EBD0-BD4D-4D9D-437D-151E999EE11F}"/>
-              </a:ext>
-            </a:extLst>
-          </p:cNvPr>
+            <a:endParaRPr lang="en-US" dirty="0"/>
+          </a:p>
+        </p:txBody>
+      </p:sp>
+      <p:sp>
+        <p:nvSpPr>
+          <p:cNvPr id="4" name="Date Placeholder 3"/>
           <p:cNvSpPr>
             <a:spLocks noGrp="1"/>
           </p:cNvSpPr>
@@ -869,7 +1151,7 @@
           <a:p>
             <a:fld id="{7C168115-B69F-48B5-9BAC-219F63D88C51}" type="datetimeFigureOut">
               <a:rPr lang="en-US" smtClean="0"/>
-              <a:t>11/16/2023</a:t>
+              <a:t>11/16/23</a:t>
             </a:fld>
             <a:endParaRPr lang="en-US"/>
           </a:p>
@@ -877,13 +1159,7 @@
       </p:sp>
       <p:sp>
         <p:nvSpPr>
-          <p:cNvPr id="5" name="Footer Placeholder 4">
-            <a:extLst>
-              <a:ext uri="{FF2B5EF4-FFF2-40B4-BE49-F238E27FC236}">
-                <a16:creationId xmlns:a16="http://schemas.microsoft.com/office/drawing/2014/main" id="{6FC9FDE8-26A4-DD2B-0416-9FFD592A454E}"/>
-              </a:ext>
-            </a:extLst>
-          </p:cNvPr>
+          <p:cNvPr id="5" name="Footer Placeholder 4"/>
           <p:cNvSpPr>
             <a:spLocks noGrp="1"/>
           </p:cNvSpPr>
@@ -902,13 +1178,7 @@
       </p:sp>
       <p:sp>
         <p:nvSpPr>
-          <p:cNvPr id="6" name="Slide Number Placeholder 5">
-            <a:extLst>
-              <a:ext uri="{FF2B5EF4-FFF2-40B4-BE49-F238E27FC236}">
-                <a16:creationId xmlns:a16="http://schemas.microsoft.com/office/drawing/2014/main" id="{B4A252EB-BFAC-8848-CFB8-C074C5DDBFBA}"/>
-              </a:ext>
-            </a:extLst>
-          </p:cNvPr>
+          <p:cNvPr id="6" name="Slide Number Placeholder 5"/>
           <p:cNvSpPr>
             <a:spLocks noGrp="1"/>
           </p:cNvSpPr>
@@ -932,7 +1202,7 @@
     </p:spTree>
     <p:extLst>
       <p:ext uri="{BB962C8B-B14F-4D97-AF65-F5344CB8AC3E}">
-        <p14:creationId xmlns:p14="http://schemas.microsoft.com/office/powerpoint/2010/main" val="3063969803"/>
+        <p14:creationId xmlns:p14="http://schemas.microsoft.com/office/powerpoint/2010/main" val="2152388223"/>
       </p:ext>
     </p:extLst>
   </p:cSld>
@@ -943,7 +1213,7 @@
 </file>
 
 <file path=ppt/slideLayouts/slideLayout3.xml><?xml version="1.0" encoding="utf-8"?>
-<p:sldLayout xmlns:a="http://schemas.openxmlformats.org/drawingml/2006/main" xmlns:r="http://schemas.openxmlformats.org/officeDocument/2006/relationships" xmlns:p="http://schemas.openxmlformats.org/presentationml/2006/main" type="secHead" preserve="1">
+<p:sldLayout xmlns:a="http://schemas.openxmlformats.org/drawingml/2006/main" xmlns:r="http://schemas.openxmlformats.org/officeDocument/2006/relationships" xmlns:p="http://schemas.openxmlformats.org/presentationml/2006/main" showMasterSp="0" type="secHead" preserve="1">
   <p:cSld name="Section Header">
     <p:spTree>
       <p:nvGrpSpPr>
@@ -961,31 +1231,95 @@
       </p:grpSpPr>
       <p:sp>
         <p:nvSpPr>
-          <p:cNvPr id="2" name="Title 1">
-            <a:extLst>
-              <a:ext uri="{FF2B5EF4-FFF2-40B4-BE49-F238E27FC236}">
-                <a16:creationId xmlns:a16="http://schemas.microsoft.com/office/drawing/2014/main" id="{CFA6D3AD-D689-865A-6DBE-230830E9E51D}"/>
-              </a:ext>
-            </a:extLst>
-          </p:cNvPr>
-          <p:cNvSpPr>
-            <a:spLocks noGrp="1"/>
-          </p:cNvSpPr>
-          <p:nvPr>
-            <p:ph type="title"/>
-          </p:nvPr>
+          <p:cNvPr id="7" name="Rectangle 6"/>
+          <p:cNvSpPr/>
+          <p:nvPr/>
         </p:nvSpPr>
         <p:spPr>
           <a:xfrm>
-            <a:off x="831850" y="1709738"/>
-            <a:ext cx="10515600" cy="2852737"/>
+            <a:off x="0" y="4917989"/>
+            <a:ext cx="12192000" cy="1940010"/>
+          </a:xfrm>
+          <a:prstGeom prst="rect">
+            <a:avLst/>
+          </a:prstGeom>
+          <a:blipFill dpi="0" rotWithShape="1">
+            <a:blip r:embed="rId2">
+              <a:alphaModFix amt="85000"/>
+              <a:lum bright="70000" contrast="-70000"/>
+              <a:extLst>
+                <a:ext uri="{BEBA8EAE-BF5A-486C-A8C5-ECC9F3942E4B}">
+                  <a14:imgProps xmlns:a14="http://schemas.microsoft.com/office/drawing/2010/main">
+                    <a14:imgLayer r:embed="rId3">
+                      <a14:imgEffect>
+                        <a14:sharpenSoften amount="61000"/>
+                      </a14:imgEffect>
+                    </a14:imgLayer>
+                  </a14:imgProps>
+                </a:ext>
+                <a:ext uri="{28A0092B-C50C-407E-A947-70E740481C1C}">
+                  <a14:useLocalDpi xmlns:a14="http://schemas.microsoft.com/office/drawing/2010/main" val="0"/>
+                </a:ext>
+              </a:extLst>
+            </a:blip>
+            <a:srcRect/>
+            <a:tile tx="0" ty="-704850" sx="92000" sy="89000" flip="xy" algn="ctr"/>
+          </a:blipFill>
+          <a:ln>
+            <a:noFill/>
+          </a:ln>
+        </p:spPr>
+        <p:style>
+          <a:lnRef idx="2">
+            <a:schemeClr val="accent1">
+              <a:shade val="50000"/>
+            </a:schemeClr>
+          </a:lnRef>
+          <a:fillRef idx="1">
+            <a:schemeClr val="accent1"/>
+          </a:fillRef>
+          <a:effectRef idx="0">
+            <a:schemeClr val="accent1"/>
+          </a:effectRef>
+          <a:fontRef idx="minor">
+            <a:schemeClr val="lt1"/>
+          </a:fontRef>
+        </p:style>
+        <p:txBody>
+          <a:bodyPr rtlCol="0" anchor="ctr"/>
+          <a:lstStyle/>
+          <a:p>
+            <a:pPr algn="ctr"/>
+            <a:endParaRPr lang="en-US"/>
+          </a:p>
+        </p:txBody>
+      </p:sp>
+      <p:sp>
+        <p:nvSpPr>
+          <p:cNvPr id="2" name="Title 1"/>
+          <p:cNvSpPr>
+            <a:spLocks noGrp="1"/>
+          </p:cNvSpPr>
+          <p:nvPr>
+            <p:ph type="title"/>
+          </p:nvPr>
+        </p:nvSpPr>
+        <p:spPr>
+          <a:xfrm>
+            <a:off x="2167128" y="1225296"/>
+            <a:ext cx="9281160" cy="3520440"/>
           </a:xfrm>
         </p:spPr>
         <p:txBody>
-          <a:bodyPr anchor="b"/>
+          <a:bodyPr anchor="ctr">
+            <a:normAutofit/>
+          </a:bodyPr>
           <a:lstStyle>
             <a:lvl1pPr>
-              <a:defRPr sz="6000"/>
+              <a:lnSpc>
+                <a:spcPct val="80000"/>
+              </a:lnSpc>
+              <a:defRPr sz="8000" b="0"/>
             </a:lvl1pPr>
           </a:lstStyle>
           <a:p>
@@ -993,18 +1327,13 @@
               <a:rPr lang="en-US"/>
               <a:t>Click to edit Master title style</a:t>
             </a:r>
-          </a:p>
-        </p:txBody>
-      </p:sp>
-      <p:sp>
-        <p:nvSpPr>
-          <p:cNvPr id="3" name="Text Placeholder 2">
-            <a:extLst>
-              <a:ext uri="{FF2B5EF4-FFF2-40B4-BE49-F238E27FC236}">
-                <a16:creationId xmlns:a16="http://schemas.microsoft.com/office/drawing/2014/main" id="{2610A8B9-7BD7-E69F-7216-A99682B024F8}"/>
-              </a:ext>
-            </a:extLst>
-          </p:cNvPr>
+            <a:endParaRPr lang="en-US" dirty="0"/>
+          </a:p>
+        </p:txBody>
+      </p:sp>
+      <p:sp>
+        <p:nvSpPr>
+          <p:cNvPr id="3" name="Text Placeholder 2"/>
           <p:cNvSpPr>
             <a:spLocks noGrp="1"/>
           </p:cNvSpPr>
@@ -1014,26 +1343,26 @@
         </p:nvSpPr>
         <p:spPr>
           <a:xfrm>
-            <a:off x="831850" y="4589463"/>
-            <a:ext cx="10515600" cy="1500187"/>
+            <a:off x="2165774" y="5020056"/>
+            <a:ext cx="9052560" cy="1066800"/>
           </a:xfrm>
         </p:spPr>
         <p:txBody>
-          <a:bodyPr/>
+          <a:bodyPr anchor="t">
+            <a:normAutofit/>
+          </a:bodyPr>
           <a:lstStyle>
             <a:lvl1pPr marL="0" indent="0">
               <a:buNone/>
-              <a:defRPr sz="2400">
+              <a:defRPr sz="2000">
                 <a:solidFill>
-                  <a:schemeClr val="tx1">
-                    <a:tint val="75000"/>
-                  </a:schemeClr>
+                  <a:schemeClr val="tx1"/>
                 </a:solidFill>
               </a:defRPr>
             </a:lvl1pPr>
             <a:lvl2pPr marL="457200" indent="0">
               <a:buNone/>
-              <a:defRPr sz="2000">
+              <a:defRPr sz="1800">
                 <a:solidFill>
                   <a:schemeClr val="tx1">
                     <a:tint val="75000"/>
@@ -1043,7 +1372,7 @@
             </a:lvl2pPr>
             <a:lvl3pPr marL="914400" indent="0">
               <a:buNone/>
-              <a:defRPr sz="1800">
+              <a:defRPr sz="1600">
                 <a:solidFill>
                   <a:schemeClr val="tx1">
                     <a:tint val="75000"/>
@@ -1053,7 +1382,7 @@
             </a:lvl3pPr>
             <a:lvl4pPr marL="1371600" indent="0">
               <a:buNone/>
-              <a:defRPr sz="1600">
+              <a:defRPr sz="1400">
                 <a:solidFill>
                   <a:schemeClr val="tx1">
                     <a:tint val="75000"/>
@@ -1063,7 +1392,7 @@
             </a:lvl4pPr>
             <a:lvl5pPr marL="1828800" indent="0">
               <a:buNone/>
-              <a:defRPr sz="1600">
+              <a:defRPr sz="1400">
                 <a:solidFill>
                   <a:schemeClr val="tx1">
                     <a:tint val="75000"/>
@@ -1073,7 +1402,7 @@
             </a:lvl5pPr>
             <a:lvl6pPr marL="2286000" indent="0">
               <a:buNone/>
-              <a:defRPr sz="1600">
+              <a:defRPr sz="1400">
                 <a:solidFill>
                   <a:schemeClr val="tx1">
                     <a:tint val="75000"/>
@@ -1083,7 +1412,7 @@
             </a:lvl6pPr>
             <a:lvl7pPr marL="2743200" indent="0">
               <a:buNone/>
-              <a:defRPr sz="1600">
+              <a:defRPr sz="1400">
                 <a:solidFill>
                   <a:schemeClr val="tx1">
                     <a:tint val="75000"/>
@@ -1093,7 +1422,7 @@
             </a:lvl7pPr>
             <a:lvl8pPr marL="3200400" indent="0">
               <a:buNone/>
-              <a:defRPr sz="1600">
+              <a:defRPr sz="1400">
                 <a:solidFill>
                   <a:schemeClr val="tx1">
                     <a:tint val="75000"/>
@@ -1103,7 +1432,7 @@
             </a:lvl8pPr>
             <a:lvl9pPr marL="3657600" indent="0">
               <a:buNone/>
-              <a:defRPr sz="1600">
+              <a:defRPr sz="1400">
                 <a:solidFill>
                   <a:schemeClr val="tx1">
                     <a:tint val="75000"/>
@@ -1123,13 +1452,7 @@
       </p:sp>
       <p:sp>
         <p:nvSpPr>
-          <p:cNvPr id="4" name="Date Placeholder 3">
-            <a:extLst>
-              <a:ext uri="{FF2B5EF4-FFF2-40B4-BE49-F238E27FC236}">
-                <a16:creationId xmlns:a16="http://schemas.microsoft.com/office/drawing/2014/main" id="{EA63B676-B7F5-8DDA-8CE5-0CBCE51C45DF}"/>
-              </a:ext>
-            </a:extLst>
-          </p:cNvPr>
+          <p:cNvPr id="4" name="Date Placeholder 3"/>
           <p:cNvSpPr>
             <a:spLocks noGrp="1"/>
           </p:cNvSpPr>
@@ -1137,14 +1460,19 @@
             <p:ph type="dt" sz="half" idx="10"/>
           </p:nvPr>
         </p:nvSpPr>
-        <p:spPr/>
+        <p:spPr>
+          <a:xfrm>
+            <a:off x="8593667" y="6272784"/>
+            <a:ext cx="2644309" cy="365125"/>
+          </a:xfrm>
+        </p:spPr>
         <p:txBody>
           <a:bodyPr/>
           <a:lstStyle/>
           <a:p>
             <a:fld id="{7C168115-B69F-48B5-9BAC-219F63D88C51}" type="datetimeFigureOut">
               <a:rPr lang="en-US" smtClean="0"/>
-              <a:t>11/16/2023</a:t>
+              <a:t>11/16/23</a:t>
             </a:fld>
             <a:endParaRPr lang="en-US"/>
           </a:p>
@@ -1152,13 +1480,7 @@
       </p:sp>
       <p:sp>
         <p:nvSpPr>
-          <p:cNvPr id="5" name="Footer Placeholder 4">
-            <a:extLst>
-              <a:ext uri="{FF2B5EF4-FFF2-40B4-BE49-F238E27FC236}">
-                <a16:creationId xmlns:a16="http://schemas.microsoft.com/office/drawing/2014/main" id="{F9BFD983-8600-0660-C34B-1F22641C2C5B}"/>
-              </a:ext>
-            </a:extLst>
-          </p:cNvPr>
+          <p:cNvPr id="5" name="Footer Placeholder 4"/>
           <p:cNvSpPr>
             <a:spLocks noGrp="1"/>
           </p:cNvSpPr>
@@ -1166,7 +1488,12 @@
             <p:ph type="ftr" sz="quarter" idx="11"/>
           </p:nvPr>
         </p:nvSpPr>
-        <p:spPr/>
+        <p:spPr>
+          <a:xfrm>
+            <a:off x="2182708" y="6272784"/>
+            <a:ext cx="6327648" cy="365125"/>
+          </a:xfrm>
+        </p:spPr>
         <p:txBody>
           <a:bodyPr/>
           <a:lstStyle/>
@@ -1175,15 +1502,167 @@
           </a:p>
         </p:txBody>
       </p:sp>
-      <p:sp>
-        <p:nvSpPr>
-          <p:cNvPr id="6" name="Slide Number Placeholder 5">
-            <a:extLst>
-              <a:ext uri="{FF2B5EF4-FFF2-40B4-BE49-F238E27FC236}">
-                <a16:creationId xmlns:a16="http://schemas.microsoft.com/office/drawing/2014/main" id="{5962A393-F88F-8183-3621-BDE4BD75977F}"/>
-              </a:ext>
-            </a:extLst>
-          </p:cNvPr>
+      <p:grpSp>
+        <p:nvGrpSpPr>
+          <p:cNvPr id="8" name="Group 7"/>
+          <p:cNvGrpSpPr/>
+          <p:nvPr/>
+        </p:nvGrpSpPr>
+        <p:grpSpPr>
+          <a:xfrm>
+            <a:off x="897399" y="2325848"/>
+            <a:ext cx="1080904" cy="1080902"/>
+            <a:chOff x="9685338" y="4460675"/>
+            <a:chExt cx="1080904" cy="1080902"/>
+          </a:xfrm>
+        </p:grpSpPr>
+        <p:sp>
+          <p:nvSpPr>
+            <p:cNvPr id="9" name="Oval 8"/>
+            <p:cNvSpPr/>
+            <p:nvPr/>
+          </p:nvSpPr>
+          <p:spPr>
+            <a:xfrm>
+              <a:off x="9685338" y="4460675"/>
+              <a:ext cx="1080904" cy="1080902"/>
+            </a:xfrm>
+            <a:prstGeom prst="ellipse">
+              <a:avLst/>
+            </a:prstGeom>
+            <a:blipFill dpi="0" rotWithShape="1">
+              <a:blip r:embed="rId4">
+                <a:duotone>
+                  <a:schemeClr val="accent1">
+                    <a:shade val="45000"/>
+                    <a:satMod val="135000"/>
+                  </a:schemeClr>
+                  <a:prstClr val="white"/>
+                </a:duotone>
+                <a:extLst>
+                  <a:ext uri="{BEBA8EAE-BF5A-486C-A8C5-ECC9F3942E4B}">
+                    <a14:imgProps xmlns:a14="http://schemas.microsoft.com/office/drawing/2010/main">
+                      <a14:imgLayer r:embed="rId5">
+                        <a14:imgEffect>
+                          <a14:saturation sat="95000"/>
+                        </a14:imgEffect>
+                      </a14:imgLayer>
+                    </a14:imgProps>
+                  </a:ext>
+                </a:extLst>
+              </a:blip>
+              <a:srcRect/>
+              <a:tile tx="0" ty="0" sx="85000" sy="85000" flip="none" algn="tl"/>
+            </a:blipFill>
+            <a:ln w="25400" cap="flat" cmpd="sng" algn="ctr">
+              <a:noFill/>
+              <a:prstDash val="solid"/>
+            </a:ln>
+            <a:effectLst/>
+          </p:spPr>
+          <p:txBody>
+            <a:bodyPr lIns="0" tIns="0" rIns="0" bIns="0" rtlCol="0" anchor="ctr"/>
+            <a:lstStyle/>
+            <a:p>
+              <a:pPr marL="0" marR="0" lvl="0" indent="0" algn="ctr" defTabSz="914400" eaLnBrk="1" fontAlgn="auto" latinLnBrk="0" hangingPunct="1">
+                <a:lnSpc>
+                  <a:spcPct val="100000"/>
+                </a:lnSpc>
+                <a:spcBef>
+                  <a:spcPts val="0"/>
+                </a:spcBef>
+                <a:spcAft>
+                  <a:spcPts val="0"/>
+                </a:spcAft>
+                <a:buClrTx/>
+                <a:buSzTx/>
+                <a:buFontTx/>
+                <a:buNone/>
+                <a:tabLst/>
+                <a:defRPr/>
+              </a:pPr>
+              <a:endParaRPr kumimoji="0" lang="en-US" sz="2000" b="0" i="0" u="none" strike="noStrike" kern="0" cap="none" spc="0" normalizeH="0" baseline="0" noProof="0" dirty="0">
+                <a:ln>
+                  <a:noFill/>
+                </a:ln>
+                <a:solidFill>
+                  <a:prstClr val="white"/>
+                </a:solidFill>
+                <a:effectLst/>
+                <a:uLnTx/>
+                <a:uFillTx/>
+                <a:latin typeface="Rockwell Extra Bold" pitchFamily="18" charset="0"/>
+                <a:ea typeface="+mn-ea"/>
+                <a:cs typeface="+mn-cs"/>
+              </a:endParaRPr>
+            </a:p>
+          </p:txBody>
+        </p:sp>
+        <p:sp>
+          <p:nvSpPr>
+            <p:cNvPr id="10" name="Oval 9"/>
+            <p:cNvSpPr/>
+            <p:nvPr/>
+          </p:nvSpPr>
+          <p:spPr>
+            <a:xfrm>
+              <a:off x="9793429" y="4568765"/>
+              <a:ext cx="864723" cy="864722"/>
+            </a:xfrm>
+            <a:prstGeom prst="ellipse">
+              <a:avLst/>
+            </a:prstGeom>
+            <a:noFill/>
+            <a:ln w="25400" cap="flat" cmpd="sng" algn="ctr">
+              <a:solidFill>
+                <a:sysClr val="window" lastClr="FFFFFF"/>
+              </a:solidFill>
+              <a:prstDash val="solid"/>
+            </a:ln>
+            <a:effectLst/>
+          </p:spPr>
+          <p:txBody>
+            <a:bodyPr rtlCol="0" anchor="ctr"/>
+            <a:lstStyle/>
+            <a:p>
+              <a:pPr marL="0" marR="0" lvl="0" indent="0" algn="ctr" defTabSz="914400" eaLnBrk="1" fontAlgn="auto" latinLnBrk="0" hangingPunct="1">
+                <a:lnSpc>
+                  <a:spcPct val="100000"/>
+                </a:lnSpc>
+                <a:spcBef>
+                  <a:spcPts val="0"/>
+                </a:spcBef>
+                <a:spcAft>
+                  <a:spcPts val="0"/>
+                </a:spcAft>
+                <a:buClrTx/>
+                <a:buSzTx/>
+                <a:buFontTx/>
+                <a:buNone/>
+                <a:tabLst/>
+                <a:defRPr/>
+              </a:pPr>
+              <a:endParaRPr kumimoji="0" lang="en-US" sz="1800" b="0" i="0" u="none" strike="noStrike" kern="0" cap="none" spc="0" normalizeH="0" baseline="0" noProof="0" dirty="0">
+                <a:ln>
+                  <a:noFill/>
+                </a:ln>
+                <a:solidFill>
+                  <a:prstClr val="white"/>
+                </a:solidFill>
+                <a:effectLst/>
+                <a:uLnTx/>
+                <a:uFillTx/>
+                <a:latin typeface="Calibri"/>
+                <a:ea typeface="+mn-ea"/>
+                <a:cs typeface="+mn-cs"/>
+              </a:endParaRPr>
+            </a:p>
+          </p:txBody>
+        </p:sp>
+      </p:grpSp>
+      <p:sp>
+        <p:nvSpPr>
+          <p:cNvPr id="6" name="Slide Number Placeholder 5"/>
           <p:cNvSpPr>
             <a:spLocks noGrp="1"/>
           </p:cNvSpPr>
@@ -1191,10 +1670,19 @@
             <p:ph type="sldNum" sz="quarter" idx="12"/>
           </p:nvPr>
         </p:nvSpPr>
-        <p:spPr/>
+        <p:spPr>
+          <a:xfrm>
+            <a:off x="843702" y="2506133"/>
+            <a:ext cx="1188298" cy="720332"/>
+          </a:xfrm>
+        </p:spPr>
         <p:txBody>
           <a:bodyPr/>
-          <a:lstStyle/>
+          <a:lstStyle>
+            <a:lvl1pPr>
+              <a:defRPr sz="2800"/>
+            </a:lvl1pPr>
+          </a:lstStyle>
           <a:p>
             <a:fld id="{9F0821F4-5330-4657-B347-928DF10B1803}" type="slidenum">
               <a:rPr lang="en-US" smtClean="0"/>
@@ -1207,7 +1695,7 @@
     </p:spTree>
     <p:extLst>
       <p:ext uri="{BB962C8B-B14F-4D97-AF65-F5344CB8AC3E}">
-        <p14:creationId xmlns:p14="http://schemas.microsoft.com/office/powerpoint/2010/main" val="2429020138"/>
+        <p14:creationId xmlns:p14="http://schemas.microsoft.com/office/powerpoint/2010/main" val="1388086956"/>
       </p:ext>
     </p:extLst>
   </p:cSld>
@@ -1236,13 +1724,7 @@
       </p:grpSpPr>
       <p:sp>
         <p:nvSpPr>
-          <p:cNvPr id="2" name="Title 1">
-            <a:extLst>
-              <a:ext uri="{FF2B5EF4-FFF2-40B4-BE49-F238E27FC236}">
-                <a16:creationId xmlns:a16="http://schemas.microsoft.com/office/drawing/2014/main" id="{149EE843-6865-3490-1C38-05B5609C2292}"/>
-              </a:ext>
-            </a:extLst>
-          </p:cNvPr>
+          <p:cNvPr id="2" name="Title 1"/>
           <p:cNvSpPr>
             <a:spLocks noGrp="1"/>
           </p:cNvSpPr>
@@ -1259,18 +1741,13 @@
               <a:rPr lang="en-US"/>
               <a:t>Click to edit Master title style</a:t>
             </a:r>
-          </a:p>
-        </p:txBody>
-      </p:sp>
-      <p:sp>
-        <p:nvSpPr>
-          <p:cNvPr id="3" name="Content Placeholder 2">
-            <a:extLst>
-              <a:ext uri="{FF2B5EF4-FFF2-40B4-BE49-F238E27FC236}">
-                <a16:creationId xmlns:a16="http://schemas.microsoft.com/office/drawing/2014/main" id="{CEF45FAE-52FB-DE46-641F-888AEE2C1D48}"/>
-              </a:ext>
-            </a:extLst>
-          </p:cNvPr>
+            <a:endParaRPr lang="en-US" dirty="0"/>
+          </a:p>
+        </p:txBody>
+      </p:sp>
+      <p:sp>
+        <p:nvSpPr>
+          <p:cNvPr id="3" name="Content Placeholder 2"/>
           <p:cNvSpPr>
             <a:spLocks noGrp="1"/>
           </p:cNvSpPr>
@@ -1280,13 +1757,41 @@
         </p:nvSpPr>
         <p:spPr>
           <a:xfrm>
-            <a:off x="838200" y="1825625"/>
-            <a:ext cx="5181600" cy="4351338"/>
+            <a:off x="1069848" y="2194560"/>
+            <a:ext cx="4754880" cy="3977640"/>
           </a:xfrm>
         </p:spPr>
         <p:txBody>
           <a:bodyPr/>
-          <a:lstStyle/>
+          <a:lstStyle>
+            <a:lvl1pPr>
+              <a:defRPr sz="2000"/>
+            </a:lvl1pPr>
+            <a:lvl2pPr>
+              <a:defRPr sz="1800"/>
+            </a:lvl2pPr>
+            <a:lvl3pPr>
+              <a:defRPr sz="1600"/>
+            </a:lvl3pPr>
+            <a:lvl4pPr>
+              <a:defRPr sz="1600"/>
+            </a:lvl4pPr>
+            <a:lvl5pPr>
+              <a:defRPr sz="1600"/>
+            </a:lvl5pPr>
+            <a:lvl6pPr>
+              <a:defRPr sz="1800"/>
+            </a:lvl6pPr>
+            <a:lvl7pPr>
+              <a:defRPr sz="1800"/>
+            </a:lvl7pPr>
+            <a:lvl8pPr>
+              <a:defRPr sz="1800"/>
+            </a:lvl8pPr>
+            <a:lvl9pPr>
+              <a:defRPr sz="1800"/>
+            </a:lvl9pPr>
+          </a:lstStyle>
           <a:p>
             <a:pPr lvl="0"/>
             <a:r>
@@ -1321,18 +1826,13 @@
               <a:rPr lang="en-US"/>
               <a:t>Fifth level</a:t>
             </a:r>
-          </a:p>
-        </p:txBody>
-      </p:sp>
-      <p:sp>
-        <p:nvSpPr>
-          <p:cNvPr id="4" name="Content Placeholder 3">
-            <a:extLst>
-              <a:ext uri="{FF2B5EF4-FFF2-40B4-BE49-F238E27FC236}">
-                <a16:creationId xmlns:a16="http://schemas.microsoft.com/office/drawing/2014/main" id="{C3908AB9-ED82-10D5-CEA1-A0848F731296}"/>
-              </a:ext>
-            </a:extLst>
-          </p:cNvPr>
+            <a:endParaRPr lang="en-US" dirty="0"/>
+          </a:p>
+        </p:txBody>
+      </p:sp>
+      <p:sp>
+        <p:nvSpPr>
+          <p:cNvPr id="4" name="Content Placeholder 3"/>
           <p:cNvSpPr>
             <a:spLocks noGrp="1"/>
           </p:cNvSpPr>
@@ -1342,13 +1842,41 @@
         </p:nvSpPr>
         <p:spPr>
           <a:xfrm>
-            <a:off x="6172200" y="1825625"/>
-            <a:ext cx="5181600" cy="4351338"/>
+            <a:off x="6364224" y="2194560"/>
+            <a:ext cx="4754880" cy="3977640"/>
           </a:xfrm>
         </p:spPr>
         <p:txBody>
           <a:bodyPr/>
-          <a:lstStyle/>
+          <a:lstStyle>
+            <a:lvl1pPr>
+              <a:defRPr sz="2000"/>
+            </a:lvl1pPr>
+            <a:lvl2pPr>
+              <a:defRPr sz="1800"/>
+            </a:lvl2pPr>
+            <a:lvl3pPr>
+              <a:defRPr sz="1600"/>
+            </a:lvl3pPr>
+            <a:lvl4pPr>
+              <a:defRPr sz="1600"/>
+            </a:lvl4pPr>
+            <a:lvl5pPr>
+              <a:defRPr sz="1600"/>
+            </a:lvl5pPr>
+            <a:lvl6pPr>
+              <a:defRPr sz="1800"/>
+            </a:lvl6pPr>
+            <a:lvl7pPr>
+              <a:defRPr sz="1800"/>
+            </a:lvl7pPr>
+            <a:lvl8pPr>
+              <a:defRPr sz="1800"/>
+            </a:lvl8pPr>
+            <a:lvl9pPr>
+              <a:defRPr sz="1800"/>
+            </a:lvl9pPr>
+          </a:lstStyle>
           <a:p>
             <a:pPr lvl="0"/>
             <a:r>
@@ -1383,18 +1911,13 @@
               <a:rPr lang="en-US"/>
               <a:t>Fifth level</a:t>
             </a:r>
-          </a:p>
-        </p:txBody>
-      </p:sp>
-      <p:sp>
-        <p:nvSpPr>
-          <p:cNvPr id="5" name="Date Placeholder 4">
-            <a:extLst>
-              <a:ext uri="{FF2B5EF4-FFF2-40B4-BE49-F238E27FC236}">
-                <a16:creationId xmlns:a16="http://schemas.microsoft.com/office/drawing/2014/main" id="{74FE0237-13CD-8399-46F1-56D9CF65F4A4}"/>
-              </a:ext>
-            </a:extLst>
-          </p:cNvPr>
+            <a:endParaRPr lang="en-US" dirty="0"/>
+          </a:p>
+        </p:txBody>
+      </p:sp>
+      <p:sp>
+        <p:nvSpPr>
+          <p:cNvPr id="5" name="Date Placeholder 4"/>
           <p:cNvSpPr>
             <a:spLocks noGrp="1"/>
           </p:cNvSpPr>
@@ -1409,7 +1932,7 @@
           <a:p>
             <a:fld id="{7C168115-B69F-48B5-9BAC-219F63D88C51}" type="datetimeFigureOut">
               <a:rPr lang="en-US" smtClean="0"/>
-              <a:t>11/16/2023</a:t>
+              <a:t>11/16/23</a:t>
             </a:fld>
             <a:endParaRPr lang="en-US"/>
           </a:p>
@@ -1417,13 +1940,7 @@
       </p:sp>
       <p:sp>
         <p:nvSpPr>
-          <p:cNvPr id="6" name="Footer Placeholder 5">
-            <a:extLst>
-              <a:ext uri="{FF2B5EF4-FFF2-40B4-BE49-F238E27FC236}">
-                <a16:creationId xmlns:a16="http://schemas.microsoft.com/office/drawing/2014/main" id="{73F761F9-CA62-DE00-5C9B-C23761DCCE66}"/>
-              </a:ext>
-            </a:extLst>
-          </p:cNvPr>
+          <p:cNvPr id="6" name="Footer Placeholder 5"/>
           <p:cNvSpPr>
             <a:spLocks noGrp="1"/>
           </p:cNvSpPr>
@@ -1442,13 +1959,7 @@
       </p:sp>
       <p:sp>
         <p:nvSpPr>
-          <p:cNvPr id="7" name="Slide Number Placeholder 6">
-            <a:extLst>
-              <a:ext uri="{FF2B5EF4-FFF2-40B4-BE49-F238E27FC236}">
-                <a16:creationId xmlns:a16="http://schemas.microsoft.com/office/drawing/2014/main" id="{E65DA385-5E0E-CE9F-30C4-E6A8F6BF33F8}"/>
-              </a:ext>
-            </a:extLst>
-          </p:cNvPr>
+          <p:cNvPr id="7" name="Slide Number Placeholder 6"/>
           <p:cNvSpPr>
             <a:spLocks noGrp="1"/>
           </p:cNvSpPr>
@@ -1472,7 +1983,7 @@
     </p:spTree>
     <p:extLst>
       <p:ext uri="{BB962C8B-B14F-4D97-AF65-F5344CB8AC3E}">
-        <p14:creationId xmlns:p14="http://schemas.microsoft.com/office/powerpoint/2010/main" val="3265503827"/>
+        <p14:creationId xmlns:p14="http://schemas.microsoft.com/office/powerpoint/2010/main" val="2535261987"/>
       </p:ext>
     </p:extLst>
   </p:cSld>
@@ -1483,7 +1994,7 @@
 </file>
 
 <file path=ppt/slideLayouts/slideLayout5.xml><?xml version="1.0" encoding="utf-8"?>
-<p:sldLayout xmlns:a="http://schemas.openxmlformats.org/drawingml/2006/main" xmlns:r="http://schemas.openxmlformats.org/officeDocument/2006/relationships" xmlns:p="http://schemas.openxmlformats.org/presentationml/2006/main" type="twoTxTwoObj" preserve="1">
+<p:sldLayout xmlns:a="http://schemas.openxmlformats.org/drawingml/2006/main" xmlns:r="http://schemas.openxmlformats.org/officeDocument/2006/relationships" xmlns:p="http://schemas.openxmlformats.org/presentationml/2006/main" preserve="1">
   <p:cSld name="Comparison">
     <p:spTree>
       <p:nvGrpSpPr>
@@ -1501,65 +2012,34 @@
       </p:grpSpPr>
       <p:sp>
         <p:nvSpPr>
-          <p:cNvPr id="2" name="Title 1">
-            <a:extLst>
-              <a:ext uri="{FF2B5EF4-FFF2-40B4-BE49-F238E27FC236}">
-                <a16:creationId xmlns:a16="http://schemas.microsoft.com/office/drawing/2014/main" id="{4B6D9866-0D08-F0A5-AD29-62406BB32CD6}"/>
-              </a:ext>
-            </a:extLst>
-          </p:cNvPr>
-          <p:cNvSpPr>
-            <a:spLocks noGrp="1"/>
-          </p:cNvSpPr>
-          <p:nvPr>
-            <p:ph type="title"/>
+          <p:cNvPr id="3" name="Text Placeholder 2"/>
+          <p:cNvSpPr>
+            <a:spLocks noGrp="1"/>
+          </p:cNvSpPr>
+          <p:nvPr>
+            <p:ph type="body" idx="1"/>
           </p:nvPr>
         </p:nvSpPr>
         <p:spPr>
           <a:xfrm>
-            <a:off x="839788" y="365125"/>
-            <a:ext cx="10515600" cy="1325563"/>
+            <a:off x="1066800" y="2048256"/>
+            <a:ext cx="4754880" cy="640080"/>
           </a:xfrm>
         </p:spPr>
         <p:txBody>
-          <a:bodyPr/>
-          <a:lstStyle/>
-          <a:p>
-            <a:r>
-              <a:rPr lang="en-US"/>
-              <a:t>Click to edit Master title style</a:t>
-            </a:r>
-          </a:p>
-        </p:txBody>
-      </p:sp>
-      <p:sp>
-        <p:nvSpPr>
-          <p:cNvPr id="3" name="Text Placeholder 2">
-            <a:extLst>
-              <a:ext uri="{FF2B5EF4-FFF2-40B4-BE49-F238E27FC236}">
-                <a16:creationId xmlns:a16="http://schemas.microsoft.com/office/drawing/2014/main" id="{84DFC83E-EF99-40AA-69F5-E732854DD115}"/>
-              </a:ext>
-            </a:extLst>
-          </p:cNvPr>
-          <p:cNvSpPr>
-            <a:spLocks noGrp="1"/>
-          </p:cNvSpPr>
-          <p:nvPr>
-            <p:ph type="body" idx="1"/>
-          </p:nvPr>
-        </p:nvSpPr>
-        <p:spPr>
-          <a:xfrm>
-            <a:off x="839788" y="1681163"/>
-            <a:ext cx="5157787" cy="823912"/>
-          </a:xfrm>
-        </p:spPr>
-        <p:txBody>
-          <a:bodyPr anchor="b"/>
+          <a:bodyPr anchor="ctr">
+            <a:normAutofit/>
+          </a:bodyPr>
           <a:lstStyle>
             <a:lvl1pPr marL="0" indent="0">
               <a:buNone/>
-              <a:defRPr sz="2400" b="1"/>
+              <a:defRPr sz="2000" b="1">
+                <a:solidFill>
+                  <a:schemeClr val="accent1">
+                    <a:lumMod val="75000"/>
+                  </a:schemeClr>
+                </a:solidFill>
+              </a:defRPr>
             </a:lvl1pPr>
             <a:lvl2pPr marL="457200" indent="0">
               <a:buNone/>
@@ -1605,13 +2085,7 @@
       </p:sp>
       <p:sp>
         <p:nvSpPr>
-          <p:cNvPr id="4" name="Content Placeholder 3">
-            <a:extLst>
-              <a:ext uri="{FF2B5EF4-FFF2-40B4-BE49-F238E27FC236}">
-                <a16:creationId xmlns:a16="http://schemas.microsoft.com/office/drawing/2014/main" id="{2508E482-3ADC-6519-BD7D-68A7807D6809}"/>
-              </a:ext>
-            </a:extLst>
-          </p:cNvPr>
+          <p:cNvPr id="4" name="Content Placeholder 3"/>
           <p:cNvSpPr>
             <a:spLocks noGrp="1"/>
           </p:cNvSpPr>
@@ -1621,13 +2095,41 @@
         </p:nvSpPr>
         <p:spPr>
           <a:xfrm>
-            <a:off x="839788" y="2505075"/>
-            <a:ext cx="5157787" cy="3684588"/>
+            <a:off x="1069848" y="2743200"/>
+            <a:ext cx="4754880" cy="3291840"/>
           </a:xfrm>
         </p:spPr>
         <p:txBody>
           <a:bodyPr/>
-          <a:lstStyle/>
+          <a:lstStyle>
+            <a:lvl1pPr>
+              <a:defRPr sz="2000"/>
+            </a:lvl1pPr>
+            <a:lvl2pPr>
+              <a:defRPr sz="1800"/>
+            </a:lvl2pPr>
+            <a:lvl3pPr>
+              <a:defRPr sz="1600"/>
+            </a:lvl3pPr>
+            <a:lvl4pPr>
+              <a:defRPr sz="1600"/>
+            </a:lvl4pPr>
+            <a:lvl5pPr>
+              <a:defRPr sz="1600"/>
+            </a:lvl5pPr>
+            <a:lvl6pPr>
+              <a:defRPr sz="1600"/>
+            </a:lvl6pPr>
+            <a:lvl7pPr>
+              <a:defRPr sz="1600"/>
+            </a:lvl7pPr>
+            <a:lvl8pPr>
+              <a:defRPr sz="1600"/>
+            </a:lvl8pPr>
+            <a:lvl9pPr>
+              <a:defRPr sz="1600"/>
+            </a:lvl9pPr>
+          </a:lstStyle>
           <a:p>
             <a:pPr lvl="0"/>
             <a:r>
@@ -1662,18 +2164,13 @@
               <a:rPr lang="en-US"/>
               <a:t>Fifth level</a:t>
             </a:r>
-          </a:p>
-        </p:txBody>
-      </p:sp>
-      <p:sp>
-        <p:nvSpPr>
-          <p:cNvPr id="5" name="Text Placeholder 4">
-            <a:extLst>
-              <a:ext uri="{FF2B5EF4-FFF2-40B4-BE49-F238E27FC236}">
-                <a16:creationId xmlns:a16="http://schemas.microsoft.com/office/drawing/2014/main" id="{FE8ECEBA-5365-E335-8DF6-09D6100B4C48}"/>
-              </a:ext>
-            </a:extLst>
-          </p:cNvPr>
+            <a:endParaRPr lang="en-US" dirty="0"/>
+          </a:p>
+        </p:txBody>
+      </p:sp>
+      <p:sp>
+        <p:nvSpPr>
+          <p:cNvPr id="5" name="Text Placeholder 4"/>
           <p:cNvSpPr>
             <a:spLocks noGrp="1"/>
           </p:cNvSpPr>
@@ -1683,16 +2180,24 @@
         </p:nvSpPr>
         <p:spPr>
           <a:xfrm>
-            <a:off x="6172200" y="1681163"/>
-            <a:ext cx="5183188" cy="823912"/>
+            <a:off x="6364224" y="2048256"/>
+            <a:ext cx="4754880" cy="640080"/>
           </a:xfrm>
         </p:spPr>
         <p:txBody>
-          <a:bodyPr anchor="b"/>
+          <a:bodyPr anchor="ctr">
+            <a:normAutofit/>
+          </a:bodyPr>
           <a:lstStyle>
             <a:lvl1pPr marL="0" indent="0">
               <a:buNone/>
-              <a:defRPr sz="2400" b="1"/>
+              <a:defRPr sz="2000" b="1">
+                <a:solidFill>
+                  <a:schemeClr val="accent1">
+                    <a:lumMod val="75000"/>
+                  </a:schemeClr>
+                </a:solidFill>
+              </a:defRPr>
             </a:lvl1pPr>
             <a:lvl2pPr marL="457200" indent="0">
               <a:buNone/>
@@ -1738,13 +2243,7 @@
       </p:sp>
       <p:sp>
         <p:nvSpPr>
-          <p:cNvPr id="6" name="Content Placeholder 5">
-            <a:extLst>
-              <a:ext uri="{FF2B5EF4-FFF2-40B4-BE49-F238E27FC236}">
-                <a16:creationId xmlns:a16="http://schemas.microsoft.com/office/drawing/2014/main" id="{CF3C25C4-5CB6-C449-440E-07B9DEBCFD53}"/>
-              </a:ext>
-            </a:extLst>
-          </p:cNvPr>
+          <p:cNvPr id="6" name="Content Placeholder 5"/>
           <p:cNvSpPr>
             <a:spLocks noGrp="1"/>
           </p:cNvSpPr>
@@ -1754,13 +2253,41 @@
         </p:nvSpPr>
         <p:spPr>
           <a:xfrm>
-            <a:off x="6172200" y="2505075"/>
-            <a:ext cx="5183188" cy="3684588"/>
+            <a:off x="6364224" y="2743200"/>
+            <a:ext cx="4754880" cy="3291840"/>
           </a:xfrm>
         </p:spPr>
         <p:txBody>
           <a:bodyPr/>
-          <a:lstStyle/>
+          <a:lstStyle>
+            <a:lvl1pPr>
+              <a:defRPr sz="2000"/>
+            </a:lvl1pPr>
+            <a:lvl2pPr>
+              <a:defRPr sz="1800"/>
+            </a:lvl2pPr>
+            <a:lvl3pPr>
+              <a:defRPr sz="1600"/>
+            </a:lvl3pPr>
+            <a:lvl4pPr>
+              <a:defRPr sz="1600"/>
+            </a:lvl4pPr>
+            <a:lvl5pPr>
+              <a:defRPr sz="1600"/>
+            </a:lvl5pPr>
+            <a:lvl6pPr>
+              <a:defRPr sz="1600"/>
+            </a:lvl6pPr>
+            <a:lvl7pPr>
+              <a:defRPr sz="1600"/>
+            </a:lvl7pPr>
+            <a:lvl8pPr>
+              <a:defRPr sz="1600"/>
+            </a:lvl8pPr>
+            <a:lvl9pPr>
+              <a:defRPr sz="1600"/>
+            </a:lvl9pPr>
+          </a:lstStyle>
           <a:p>
             <a:pPr lvl="0"/>
             <a:r>
@@ -1795,18 +2322,13 @@
               <a:rPr lang="en-US"/>
               <a:t>Fifth level</a:t>
             </a:r>
-          </a:p>
-        </p:txBody>
-      </p:sp>
-      <p:sp>
-        <p:nvSpPr>
-          <p:cNvPr id="7" name="Date Placeholder 6">
-            <a:extLst>
-              <a:ext uri="{FF2B5EF4-FFF2-40B4-BE49-F238E27FC236}">
-                <a16:creationId xmlns:a16="http://schemas.microsoft.com/office/drawing/2014/main" id="{49A205B0-E6AD-E7FF-29FC-DCA04E1750D7}"/>
-              </a:ext>
-            </a:extLst>
-          </p:cNvPr>
+            <a:endParaRPr lang="en-US" dirty="0"/>
+          </a:p>
+        </p:txBody>
+      </p:sp>
+      <p:sp>
+        <p:nvSpPr>
+          <p:cNvPr id="7" name="Date Placeholder 6"/>
           <p:cNvSpPr>
             <a:spLocks noGrp="1"/>
           </p:cNvSpPr>
@@ -1821,7 +2343,7 @@
           <a:p>
             <a:fld id="{7C168115-B69F-48B5-9BAC-219F63D88C51}" type="datetimeFigureOut">
               <a:rPr lang="en-US" smtClean="0"/>
-              <a:t>11/16/2023</a:t>
+              <a:t>11/16/23</a:t>
             </a:fld>
             <a:endParaRPr lang="en-US"/>
           </a:p>
@@ -1829,13 +2351,7 @@
       </p:sp>
       <p:sp>
         <p:nvSpPr>
-          <p:cNvPr id="8" name="Footer Placeholder 7">
-            <a:extLst>
-              <a:ext uri="{FF2B5EF4-FFF2-40B4-BE49-F238E27FC236}">
-                <a16:creationId xmlns:a16="http://schemas.microsoft.com/office/drawing/2014/main" id="{5325D4A9-D7DC-4D54-DB4D-E5B0BD0CDBBB}"/>
-              </a:ext>
-            </a:extLst>
-          </p:cNvPr>
+          <p:cNvPr id="8" name="Footer Placeholder 7"/>
           <p:cNvSpPr>
             <a:spLocks noGrp="1"/>
           </p:cNvSpPr>
@@ -1854,13 +2370,7 @@
       </p:sp>
       <p:sp>
         <p:nvSpPr>
-          <p:cNvPr id="9" name="Slide Number Placeholder 8">
-            <a:extLst>
-              <a:ext uri="{FF2B5EF4-FFF2-40B4-BE49-F238E27FC236}">
-                <a16:creationId xmlns:a16="http://schemas.microsoft.com/office/drawing/2014/main" id="{2DCBAA55-2B25-7C54-1BD3-EAE79D55E34B}"/>
-              </a:ext>
-            </a:extLst>
-          </p:cNvPr>
+          <p:cNvPr id="9" name="Slide Number Placeholder 8"/>
           <p:cNvSpPr>
             <a:spLocks noGrp="1"/>
           </p:cNvSpPr>
@@ -1881,10 +2391,33 @@
           </a:p>
         </p:txBody>
       </p:sp>
+      <p:sp>
+        <p:nvSpPr>
+          <p:cNvPr id="10" name="Title 9"/>
+          <p:cNvSpPr>
+            <a:spLocks noGrp="1"/>
+          </p:cNvSpPr>
+          <p:nvPr>
+            <p:ph type="title"/>
+          </p:nvPr>
+        </p:nvSpPr>
+        <p:spPr/>
+        <p:txBody>
+          <a:bodyPr/>
+          <a:lstStyle/>
+          <a:p>
+            <a:r>
+              <a:rPr lang="en-US"/>
+              <a:t>Click to edit Master title style</a:t>
+            </a:r>
+            <a:endParaRPr lang="en-US" dirty="0"/>
+          </a:p>
+        </p:txBody>
+      </p:sp>
     </p:spTree>
     <p:extLst>
       <p:ext uri="{BB962C8B-B14F-4D97-AF65-F5344CB8AC3E}">
-        <p14:creationId xmlns:p14="http://schemas.microsoft.com/office/powerpoint/2010/main" val="2656411830"/>
+        <p14:creationId xmlns:p14="http://schemas.microsoft.com/office/powerpoint/2010/main" val="1860025394"/>
       </p:ext>
     </p:extLst>
   </p:cSld>
@@ -1895,7 +2428,7 @@
 </file>
 
 <file path=ppt/slideLayouts/slideLayout6.xml><?xml version="1.0" encoding="utf-8"?>
-<p:sldLayout xmlns:a="http://schemas.openxmlformats.org/drawingml/2006/main" xmlns:r="http://schemas.openxmlformats.org/officeDocument/2006/relationships" xmlns:p="http://schemas.openxmlformats.org/presentationml/2006/main" type="titleOnly" preserve="1">
+<p:sldLayout xmlns:a="http://schemas.openxmlformats.org/drawingml/2006/main" xmlns:r="http://schemas.openxmlformats.org/officeDocument/2006/relationships" xmlns:p="http://schemas.openxmlformats.org/presentationml/2006/main" preserve="1">
   <p:cSld name="Title Only">
     <p:spTree>
       <p:nvGrpSpPr>
@@ -1913,41 +2446,7 @@
       </p:grpSpPr>
       <p:sp>
         <p:nvSpPr>
-          <p:cNvPr id="2" name="Title 1">
-            <a:extLst>
-              <a:ext uri="{FF2B5EF4-FFF2-40B4-BE49-F238E27FC236}">
-                <a16:creationId xmlns:a16="http://schemas.microsoft.com/office/drawing/2014/main" id="{B2BC1844-18F1-C70F-F48C-F0B07BFF2116}"/>
-              </a:ext>
-            </a:extLst>
-          </p:cNvPr>
-          <p:cNvSpPr>
-            <a:spLocks noGrp="1"/>
-          </p:cNvSpPr>
-          <p:nvPr>
-            <p:ph type="title"/>
-          </p:nvPr>
-        </p:nvSpPr>
-        <p:spPr/>
-        <p:txBody>
-          <a:bodyPr/>
-          <a:lstStyle/>
-          <a:p>
-            <a:r>
-              <a:rPr lang="en-US"/>
-              <a:t>Click to edit Master title style</a:t>
-            </a:r>
-          </a:p>
-        </p:txBody>
-      </p:sp>
-      <p:sp>
-        <p:nvSpPr>
-          <p:cNvPr id="3" name="Date Placeholder 2">
-            <a:extLst>
-              <a:ext uri="{FF2B5EF4-FFF2-40B4-BE49-F238E27FC236}">
-                <a16:creationId xmlns:a16="http://schemas.microsoft.com/office/drawing/2014/main" id="{9EA07C09-C47D-EB52-7707-16989C481E8F}"/>
-              </a:ext>
-            </a:extLst>
-          </p:cNvPr>
+          <p:cNvPr id="3" name="Date Placeholder 2"/>
           <p:cNvSpPr>
             <a:spLocks noGrp="1"/>
           </p:cNvSpPr>
@@ -1962,7 +2461,7 @@
           <a:p>
             <a:fld id="{7C168115-B69F-48B5-9BAC-219F63D88C51}" type="datetimeFigureOut">
               <a:rPr lang="en-US" smtClean="0"/>
-              <a:t>11/16/2023</a:t>
+              <a:t>11/16/23</a:t>
             </a:fld>
             <a:endParaRPr lang="en-US"/>
           </a:p>
@@ -1970,13 +2469,7 @@
       </p:sp>
       <p:sp>
         <p:nvSpPr>
-          <p:cNvPr id="4" name="Footer Placeholder 3">
-            <a:extLst>
-              <a:ext uri="{FF2B5EF4-FFF2-40B4-BE49-F238E27FC236}">
-                <a16:creationId xmlns:a16="http://schemas.microsoft.com/office/drawing/2014/main" id="{3E31E35F-6432-14CA-D1DD-4A76BFFC3EDA}"/>
-              </a:ext>
-            </a:extLst>
-          </p:cNvPr>
+          <p:cNvPr id="4" name="Footer Placeholder 3"/>
           <p:cNvSpPr>
             <a:spLocks noGrp="1"/>
           </p:cNvSpPr>
@@ -1995,13 +2488,7 @@
       </p:sp>
       <p:sp>
         <p:nvSpPr>
-          <p:cNvPr id="5" name="Slide Number Placeholder 4">
-            <a:extLst>
-              <a:ext uri="{FF2B5EF4-FFF2-40B4-BE49-F238E27FC236}">
-                <a16:creationId xmlns:a16="http://schemas.microsoft.com/office/drawing/2014/main" id="{874AC6A8-7314-38C8-B9EE-F6A134CA7EFE}"/>
-              </a:ext>
-            </a:extLst>
-          </p:cNvPr>
+          <p:cNvPr id="5" name="Slide Number Placeholder 4"/>
           <p:cNvSpPr>
             <a:spLocks noGrp="1"/>
           </p:cNvSpPr>
@@ -2022,10 +2509,32 @@
           </a:p>
         </p:txBody>
       </p:sp>
+      <p:sp>
+        <p:nvSpPr>
+          <p:cNvPr id="6" name="Title 5"/>
+          <p:cNvSpPr>
+            <a:spLocks noGrp="1"/>
+          </p:cNvSpPr>
+          <p:nvPr>
+            <p:ph type="title"/>
+          </p:nvPr>
+        </p:nvSpPr>
+        <p:spPr/>
+        <p:txBody>
+          <a:bodyPr/>
+          <a:lstStyle/>
+          <a:p>
+            <a:r>
+              <a:rPr lang="en-US"/>
+              <a:t>Click to edit Master title style</a:t>
+            </a:r>
+          </a:p>
+        </p:txBody>
+      </p:sp>
     </p:spTree>
     <p:extLst>
       <p:ext uri="{BB962C8B-B14F-4D97-AF65-F5344CB8AC3E}">
-        <p14:creationId xmlns:p14="http://schemas.microsoft.com/office/powerpoint/2010/main" val="4236108953"/>
+        <p14:creationId xmlns:p14="http://schemas.microsoft.com/office/powerpoint/2010/main" val="46575553"/>
       </p:ext>
     </p:extLst>
   </p:cSld>
@@ -2054,13 +2563,7 @@
       </p:grpSpPr>
       <p:sp>
         <p:nvSpPr>
-          <p:cNvPr id="2" name="Date Placeholder 1">
-            <a:extLst>
-              <a:ext uri="{FF2B5EF4-FFF2-40B4-BE49-F238E27FC236}">
-                <a16:creationId xmlns:a16="http://schemas.microsoft.com/office/drawing/2014/main" id="{D40137DA-4A69-460D-3548-BE7A6B557FEA}"/>
-              </a:ext>
-            </a:extLst>
-          </p:cNvPr>
+          <p:cNvPr id="2" name="Date Placeholder 1"/>
           <p:cNvSpPr>
             <a:spLocks noGrp="1"/>
           </p:cNvSpPr>
@@ -2075,7 +2578,7 @@
           <a:p>
             <a:fld id="{7C168115-B69F-48B5-9BAC-219F63D88C51}" type="datetimeFigureOut">
               <a:rPr lang="en-US" smtClean="0"/>
-              <a:t>11/16/2023</a:t>
+              <a:t>11/16/23</a:t>
             </a:fld>
             <a:endParaRPr lang="en-US"/>
           </a:p>
@@ -2083,13 +2586,7 @@
       </p:sp>
       <p:sp>
         <p:nvSpPr>
-          <p:cNvPr id="3" name="Footer Placeholder 2">
-            <a:extLst>
-              <a:ext uri="{FF2B5EF4-FFF2-40B4-BE49-F238E27FC236}">
-                <a16:creationId xmlns:a16="http://schemas.microsoft.com/office/drawing/2014/main" id="{D5650408-6449-89F3-C601-A2531993C922}"/>
-              </a:ext>
-            </a:extLst>
-          </p:cNvPr>
+          <p:cNvPr id="3" name="Footer Placeholder 2"/>
           <p:cNvSpPr>
             <a:spLocks noGrp="1"/>
           </p:cNvSpPr>
@@ -2108,13 +2605,7 @@
       </p:sp>
       <p:sp>
         <p:nvSpPr>
-          <p:cNvPr id="4" name="Slide Number Placeholder 3">
-            <a:extLst>
-              <a:ext uri="{FF2B5EF4-FFF2-40B4-BE49-F238E27FC236}">
-                <a16:creationId xmlns:a16="http://schemas.microsoft.com/office/drawing/2014/main" id="{D0E3EDFB-99AC-288D-FFE9-5C922E6F61FD}"/>
-              </a:ext>
-            </a:extLst>
-          </p:cNvPr>
+          <p:cNvPr id="4" name="Slide Number Placeholder 3"/>
           <p:cNvSpPr>
             <a:spLocks noGrp="1"/>
           </p:cNvSpPr>
@@ -2138,7 +2629,7 @@
     </p:spTree>
     <p:extLst>
       <p:ext uri="{BB962C8B-B14F-4D97-AF65-F5344CB8AC3E}">
-        <p14:creationId xmlns:p14="http://schemas.microsoft.com/office/powerpoint/2010/main" val="3994127355"/>
+        <p14:creationId xmlns:p14="http://schemas.microsoft.com/office/powerpoint/2010/main" val="2002016123"/>
       </p:ext>
     </p:extLst>
   </p:cSld>
@@ -2149,7 +2640,7 @@
 </file>
 
 <file path=ppt/slideLayouts/slideLayout8.xml><?xml version="1.0" encoding="utf-8"?>
-<p:sldLayout xmlns:a="http://schemas.openxmlformats.org/drawingml/2006/main" xmlns:r="http://schemas.openxmlformats.org/officeDocument/2006/relationships" xmlns:p="http://schemas.openxmlformats.org/presentationml/2006/main" type="objTx" preserve="1">
+<p:sldLayout xmlns:a="http://schemas.openxmlformats.org/drawingml/2006/main" xmlns:r="http://schemas.openxmlformats.org/officeDocument/2006/relationships" xmlns:p="http://schemas.openxmlformats.org/presentationml/2006/main" showMasterSp="0" type="objTx" preserve="1">
   <p:cSld name="Content with Caption">
     <p:spTree>
       <p:nvGrpSpPr>
@@ -2167,31 +2658,92 @@
       </p:grpSpPr>
       <p:sp>
         <p:nvSpPr>
-          <p:cNvPr id="2" name="Title 1">
-            <a:extLst>
-              <a:ext uri="{FF2B5EF4-FFF2-40B4-BE49-F238E27FC236}">
-                <a16:creationId xmlns:a16="http://schemas.microsoft.com/office/drawing/2014/main" id="{C1460306-F3DE-BEFB-10DA-DA65F046525A}"/>
-              </a:ext>
-            </a:extLst>
-          </p:cNvPr>
-          <p:cNvSpPr>
-            <a:spLocks noGrp="1"/>
-          </p:cNvSpPr>
-          <p:nvPr>
-            <p:ph type="title"/>
-          </p:nvPr>
+          <p:cNvPr id="8" name="Rectangle 7"/>
+          <p:cNvSpPr/>
+          <p:nvPr/>
         </p:nvSpPr>
         <p:spPr>
           <a:xfrm>
-            <a:off x="839788" y="457200"/>
-            <a:ext cx="3932237" cy="1600200"/>
+            <a:off x="8303740" y="0"/>
+            <a:ext cx="3888259" cy="6857999"/>
+          </a:xfrm>
+          <a:prstGeom prst="rect">
+            <a:avLst/>
+          </a:prstGeom>
+          <a:blipFill dpi="0" rotWithShape="1">
+            <a:blip r:embed="rId2">
+              <a:alphaModFix amt="60000"/>
+              <a:lum bright="70000" contrast="-70000"/>
+              <a:extLst>
+                <a:ext uri="{BEBA8EAE-BF5A-486C-A8C5-ECC9F3942E4B}">
+                  <a14:imgProps xmlns:a14="http://schemas.microsoft.com/office/drawing/2010/main">
+                    <a14:imgLayer r:embed="rId3">
+                      <a14:imgEffect>
+                        <a14:sharpenSoften amount="61000"/>
+                      </a14:imgEffect>
+                    </a14:imgLayer>
+                  </a14:imgProps>
+                </a:ext>
+                <a:ext uri="{28A0092B-C50C-407E-A947-70E740481C1C}">
+                  <a14:useLocalDpi xmlns:a14="http://schemas.microsoft.com/office/drawing/2010/main" val="0"/>
+                </a:ext>
+              </a:extLst>
+            </a:blip>
+            <a:srcRect/>
+            <a:tile tx="0" ty="-704850" sx="92000" sy="89000" flip="xy" algn="ctr"/>
+          </a:blipFill>
+          <a:ln>
+            <a:noFill/>
+          </a:ln>
+        </p:spPr>
+        <p:style>
+          <a:lnRef idx="2">
+            <a:schemeClr val="accent1">
+              <a:shade val="50000"/>
+            </a:schemeClr>
+          </a:lnRef>
+          <a:fillRef idx="1">
+            <a:schemeClr val="accent1"/>
+          </a:fillRef>
+          <a:effectRef idx="0">
+            <a:schemeClr val="accent1"/>
+          </a:effectRef>
+          <a:fontRef idx="minor">
+            <a:schemeClr val="lt1"/>
+          </a:fontRef>
+        </p:style>
+        <p:txBody>
+          <a:bodyPr rtlCol="0" anchor="ctr"/>
+          <a:lstStyle/>
+          <a:p>
+            <a:pPr algn="ctr"/>
+            <a:endParaRPr lang="en-US"/>
+          </a:p>
+        </p:txBody>
+      </p:sp>
+      <p:sp>
+        <p:nvSpPr>
+          <p:cNvPr id="2" name="Title 1"/>
+          <p:cNvSpPr>
+            <a:spLocks noGrp="1"/>
+          </p:cNvSpPr>
+          <p:nvPr>
+            <p:ph type="title"/>
+          </p:nvPr>
+        </p:nvSpPr>
+        <p:spPr>
+          <a:xfrm>
+            <a:off x="8549640" y="685800"/>
+            <a:ext cx="3200400" cy="1737360"/>
           </a:xfrm>
         </p:spPr>
         <p:txBody>
-          <a:bodyPr anchor="b"/>
+          <a:bodyPr anchor="b">
+            <a:normAutofit/>
+          </a:bodyPr>
           <a:lstStyle>
             <a:lvl1pPr>
-              <a:defRPr sz="3200"/>
+              <a:defRPr sz="3200" b="1"/>
             </a:lvl1pPr>
           </a:lstStyle>
           <a:p>
@@ -2199,18 +2751,13 @@
               <a:rPr lang="en-US"/>
               <a:t>Click to edit Master title style</a:t>
             </a:r>
-          </a:p>
-        </p:txBody>
-      </p:sp>
-      <p:sp>
-        <p:nvSpPr>
-          <p:cNvPr id="3" name="Content Placeholder 2">
-            <a:extLst>
-              <a:ext uri="{FF2B5EF4-FFF2-40B4-BE49-F238E27FC236}">
-                <a16:creationId xmlns:a16="http://schemas.microsoft.com/office/drawing/2014/main" id="{9367EBE3-4659-CF54-A93E-D304BB323970}"/>
-              </a:ext>
-            </a:extLst>
-          </p:cNvPr>
+            <a:endParaRPr lang="en-US" dirty="0"/>
+          </a:p>
+        </p:txBody>
+      </p:sp>
+      <p:sp>
+        <p:nvSpPr>
+          <p:cNvPr id="3" name="Content Placeholder 2"/>
           <p:cNvSpPr>
             <a:spLocks noGrp="1"/>
           </p:cNvSpPr>
@@ -2220,27 +2767,27 @@
         </p:nvSpPr>
         <p:spPr>
           <a:xfrm>
-            <a:off x="5183188" y="987425"/>
-            <a:ext cx="6172200" cy="4873625"/>
+            <a:off x="838200" y="685800"/>
+            <a:ext cx="6711696" cy="5020056"/>
           </a:xfrm>
         </p:spPr>
         <p:txBody>
           <a:bodyPr/>
           <a:lstStyle>
             <a:lvl1pPr>
-              <a:defRPr sz="3200"/>
+              <a:defRPr sz="2000"/>
             </a:lvl1pPr>
             <a:lvl2pPr>
-              <a:defRPr sz="2800"/>
+              <a:defRPr sz="1800"/>
             </a:lvl2pPr>
             <a:lvl3pPr>
-              <a:defRPr sz="2400"/>
+              <a:defRPr sz="1600"/>
             </a:lvl3pPr>
             <a:lvl4pPr>
-              <a:defRPr sz="2000"/>
+              <a:defRPr sz="1600"/>
             </a:lvl4pPr>
             <a:lvl5pPr>
-              <a:defRPr sz="2000"/>
+              <a:defRPr sz="1600"/>
             </a:lvl5pPr>
             <a:lvl6pPr>
               <a:defRPr sz="2000"/>
@@ -2289,18 +2836,13 @@
               <a:rPr lang="en-US"/>
               <a:t>Fifth level</a:t>
             </a:r>
-          </a:p>
-        </p:txBody>
-      </p:sp>
-      <p:sp>
-        <p:nvSpPr>
-          <p:cNvPr id="4" name="Text Placeholder 3">
-            <a:extLst>
-              <a:ext uri="{FF2B5EF4-FFF2-40B4-BE49-F238E27FC236}">
-                <a16:creationId xmlns:a16="http://schemas.microsoft.com/office/drawing/2014/main" id="{C1B985FD-19CE-9FC8-072B-FC947F1419D0}"/>
-              </a:ext>
-            </a:extLst>
-          </p:cNvPr>
+            <a:endParaRPr lang="en-US" dirty="0"/>
+          </a:p>
+        </p:txBody>
+      </p:sp>
+      <p:sp>
+        <p:nvSpPr>
+          <p:cNvPr id="4" name="Text Placeholder 3"/>
           <p:cNvSpPr>
             <a:spLocks noGrp="1"/>
           </p:cNvSpPr>
@@ -2310,48 +2852,62 @@
         </p:nvSpPr>
         <p:spPr>
           <a:xfrm>
-            <a:off x="839788" y="2057400"/>
-            <a:ext cx="3932237" cy="3811588"/>
+            <a:off x="8549640" y="2423160"/>
+            <a:ext cx="3200400" cy="3291840"/>
           </a:xfrm>
         </p:spPr>
         <p:txBody>
-          <a:bodyPr/>
+          <a:bodyPr>
+            <a:normAutofit/>
+          </a:bodyPr>
           <a:lstStyle>
             <a:lvl1pPr marL="0" indent="0">
-              <a:buNone/>
-              <a:defRPr sz="1600"/>
+              <a:lnSpc>
+                <a:spcPct val="100000"/>
+              </a:lnSpc>
+              <a:spcBef>
+                <a:spcPts val="1000"/>
+              </a:spcBef>
+              <a:buNone/>
+              <a:defRPr sz="1400">
+                <a:solidFill>
+                  <a:schemeClr val="accent1">
+                    <a:lumMod val="75000"/>
+                  </a:schemeClr>
+                </a:solidFill>
+              </a:defRPr>
             </a:lvl1pPr>
             <a:lvl2pPr marL="457200" indent="0">
               <a:buNone/>
-              <a:defRPr sz="1400"/>
+              <a:defRPr sz="1200"/>
             </a:lvl2pPr>
             <a:lvl3pPr marL="914400" indent="0">
               <a:buNone/>
-              <a:defRPr sz="1200"/>
+              <a:defRPr sz="1000"/>
             </a:lvl3pPr>
             <a:lvl4pPr marL="1371600" indent="0">
               <a:buNone/>
-              <a:defRPr sz="1000"/>
+              <a:defRPr sz="900"/>
             </a:lvl4pPr>
             <a:lvl5pPr marL="1828800" indent="0">
               <a:buNone/>
-              <a:defRPr sz="1000"/>
+              <a:defRPr sz="900"/>
             </a:lvl5pPr>
             <a:lvl6pPr marL="2286000" indent="0">
               <a:buNone/>
-              <a:defRPr sz="1000"/>
+              <a:defRPr sz="900"/>
             </a:lvl6pPr>
             <a:lvl7pPr marL="2743200" indent="0">
               <a:buNone/>
-              <a:defRPr sz="1000"/>
+              <a:defRPr sz="900"/>
             </a:lvl7pPr>
             <a:lvl8pPr marL="3200400" indent="0">
               <a:buNone/>
-              <a:defRPr sz="1000"/>
+              <a:defRPr sz="900"/>
             </a:lvl8pPr>
             <a:lvl9pPr marL="3657600" indent="0">
               <a:buNone/>
-              <a:defRPr sz="1000"/>
+              <a:defRPr sz="900"/>
             </a:lvl9pPr>
           </a:lstStyle>
           <a:p>
@@ -2365,13 +2921,7 @@
       </p:sp>
       <p:sp>
         <p:nvSpPr>
-          <p:cNvPr id="5" name="Date Placeholder 4">
-            <a:extLst>
-              <a:ext uri="{FF2B5EF4-FFF2-40B4-BE49-F238E27FC236}">
-                <a16:creationId xmlns:a16="http://schemas.microsoft.com/office/drawing/2014/main" id="{F40BBABC-E8BF-9452-1434-FFFF88071C36}"/>
-              </a:ext>
-            </a:extLst>
-          </p:cNvPr>
+          <p:cNvPr id="5" name="Date Placeholder 4"/>
           <p:cNvSpPr>
             <a:spLocks noGrp="1"/>
           </p:cNvSpPr>
@@ -2386,7 +2936,7 @@
           <a:p>
             <a:fld id="{7C168115-B69F-48B5-9BAC-219F63D88C51}" type="datetimeFigureOut">
               <a:rPr lang="en-US" smtClean="0"/>
-              <a:t>11/16/2023</a:t>
+              <a:t>11/16/23</a:t>
             </a:fld>
             <a:endParaRPr lang="en-US"/>
           </a:p>
@@ -2394,13 +2944,7 @@
       </p:sp>
       <p:sp>
         <p:nvSpPr>
-          <p:cNvPr id="6" name="Footer Placeholder 5">
-            <a:extLst>
-              <a:ext uri="{FF2B5EF4-FFF2-40B4-BE49-F238E27FC236}">
-                <a16:creationId xmlns:a16="http://schemas.microsoft.com/office/drawing/2014/main" id="{DB3E647F-9D0C-2BCF-C2B4-325A4C43B893}"/>
-              </a:ext>
-            </a:extLst>
-          </p:cNvPr>
+          <p:cNvPr id="6" name="Footer Placeholder 5"/>
           <p:cNvSpPr>
             <a:spLocks noGrp="1"/>
           </p:cNvSpPr>
@@ -2417,15 +2961,172 @@
           </a:p>
         </p:txBody>
       </p:sp>
-      <p:sp>
-        <p:nvSpPr>
-          <p:cNvPr id="7" name="Slide Number Placeholder 6">
-            <a:extLst>
-              <a:ext uri="{FF2B5EF4-FFF2-40B4-BE49-F238E27FC236}">
-                <a16:creationId xmlns:a16="http://schemas.microsoft.com/office/drawing/2014/main" id="{E1E614E0-6925-87D4-6B65-5FE082DE2C38}"/>
-              </a:ext>
-            </a:extLst>
-          </p:cNvPr>
+      <p:grpSp>
+        <p:nvGrpSpPr>
+          <p:cNvPr id="9" name="Group 8"/>
+          <p:cNvGrpSpPr>
+            <a:grpSpLocks noChangeAspect="1"/>
+          </p:cNvGrpSpPr>
+          <p:nvPr/>
+        </p:nvGrpSpPr>
+        <p:grpSpPr>
+          <a:xfrm>
+            <a:off x="11401725" y="6229681"/>
+            <a:ext cx="457200" cy="457200"/>
+            <a:chOff x="11361456" y="6195813"/>
+            <a:chExt cx="548640" cy="548640"/>
+          </a:xfrm>
+        </p:grpSpPr>
+        <p:sp>
+          <p:nvSpPr>
+            <p:cNvPr id="10" name="Oval 9"/>
+            <p:cNvSpPr/>
+            <p:nvPr/>
+          </p:nvSpPr>
+          <p:spPr>
+            <a:xfrm>
+              <a:off x="11361456" y="6195813"/>
+              <a:ext cx="548640" cy="548640"/>
+            </a:xfrm>
+            <a:prstGeom prst="ellipse">
+              <a:avLst/>
+            </a:prstGeom>
+            <a:blipFill dpi="0" rotWithShape="1">
+              <a:blip r:embed="rId4">
+                <a:duotone>
+                  <a:schemeClr val="accent1">
+                    <a:shade val="45000"/>
+                    <a:satMod val="135000"/>
+                  </a:schemeClr>
+                  <a:prstClr val="white"/>
+                </a:duotone>
+                <a:extLst>
+                  <a:ext uri="{BEBA8EAE-BF5A-486C-A8C5-ECC9F3942E4B}">
+                    <a14:imgProps xmlns:a14="http://schemas.microsoft.com/office/drawing/2010/main">
+                      <a14:imgLayer r:embed="rId5">
+                        <a14:imgEffect>
+                          <a14:saturation sat="95000"/>
+                        </a14:imgEffect>
+                        <a14:imgEffect>
+                          <a14:brightnessContrast bright="-40000" contrast="20000"/>
+                        </a14:imgEffect>
+                      </a14:imgLayer>
+                    </a14:imgProps>
+                  </a:ext>
+                </a:extLst>
+              </a:blip>
+              <a:srcRect/>
+              <a:tile tx="50800" ty="0" sx="85000" sy="85000" flip="none" algn="tl"/>
+            </a:blipFill>
+            <a:ln w="25400" cap="flat" cmpd="sng" algn="ctr">
+              <a:noFill/>
+              <a:prstDash val="solid"/>
+            </a:ln>
+            <a:effectLst/>
+          </p:spPr>
+          <p:txBody>
+            <a:bodyPr lIns="0" tIns="0" rIns="0" bIns="0" rtlCol="0" anchor="ctr"/>
+            <a:lstStyle/>
+            <a:p>
+              <a:pPr marL="0" marR="0" lvl="0" indent="0" algn="ctr" defTabSz="914400" eaLnBrk="1" fontAlgn="auto" latinLnBrk="0" hangingPunct="1">
+                <a:lnSpc>
+                  <a:spcPct val="100000"/>
+                </a:lnSpc>
+                <a:spcBef>
+                  <a:spcPts val="0"/>
+                </a:spcBef>
+                <a:spcAft>
+                  <a:spcPts val="0"/>
+                </a:spcAft>
+                <a:buClrTx/>
+                <a:buSzTx/>
+                <a:buFontTx/>
+                <a:buNone/>
+                <a:tabLst/>
+                <a:defRPr/>
+              </a:pPr>
+              <a:endParaRPr kumimoji="0" lang="en-US" sz="2000" b="0" i="0" u="none" strike="noStrike" kern="0" cap="none" spc="0" normalizeH="0" baseline="0" noProof="0" dirty="0">
+                <a:ln>
+                  <a:noFill/>
+                </a:ln>
+                <a:solidFill>
+                  <a:prstClr val="white"/>
+                </a:solidFill>
+                <a:effectLst/>
+                <a:uLnTx/>
+                <a:uFillTx/>
+                <a:latin typeface="Rockwell Extra Bold" pitchFamily="18" charset="0"/>
+                <a:ea typeface="+mn-ea"/>
+                <a:cs typeface="+mn-cs"/>
+              </a:endParaRPr>
+            </a:p>
+          </p:txBody>
+        </p:sp>
+        <p:sp>
+          <p:nvSpPr>
+            <p:cNvPr id="11" name="Oval 10"/>
+            <p:cNvSpPr/>
+            <p:nvPr/>
+          </p:nvSpPr>
+          <p:spPr>
+            <a:xfrm>
+              <a:off x="11396488" y="6230844"/>
+              <a:ext cx="478576" cy="478578"/>
+            </a:xfrm>
+            <a:prstGeom prst="ellipse">
+              <a:avLst/>
+            </a:prstGeom>
+            <a:noFill/>
+            <a:ln w="12700" cap="flat" cmpd="sng" algn="ctr">
+              <a:solidFill>
+                <a:sysClr val="window" lastClr="FFFFFF"/>
+              </a:solidFill>
+              <a:prstDash val="solid"/>
+            </a:ln>
+            <a:effectLst/>
+          </p:spPr>
+          <p:txBody>
+            <a:bodyPr rtlCol="0" anchor="ctr"/>
+            <a:lstStyle/>
+            <a:p>
+              <a:pPr marL="0" marR="0" lvl="0" indent="0" algn="ctr" defTabSz="914400" eaLnBrk="1" fontAlgn="auto" latinLnBrk="0" hangingPunct="1">
+                <a:lnSpc>
+                  <a:spcPct val="100000"/>
+                </a:lnSpc>
+                <a:spcBef>
+                  <a:spcPts val="0"/>
+                </a:spcBef>
+                <a:spcAft>
+                  <a:spcPts val="0"/>
+                </a:spcAft>
+                <a:buClrTx/>
+                <a:buSzTx/>
+                <a:buFontTx/>
+                <a:buNone/>
+                <a:tabLst/>
+                <a:defRPr/>
+              </a:pPr>
+              <a:endParaRPr kumimoji="0" lang="en-US" sz="1800" b="0" i="0" u="none" strike="noStrike" kern="0" cap="none" spc="0" normalizeH="0" baseline="0" noProof="0" dirty="0">
+                <a:ln>
+                  <a:noFill/>
+                </a:ln>
+                <a:solidFill>
+                  <a:prstClr val="white"/>
+                </a:solidFill>
+                <a:effectLst/>
+                <a:uLnTx/>
+                <a:uFillTx/>
+                <a:latin typeface="Calibri"/>
+                <a:ea typeface="+mn-ea"/>
+                <a:cs typeface="+mn-cs"/>
+              </a:endParaRPr>
+            </a:p>
+          </p:txBody>
+        </p:sp>
+      </p:grpSp>
+      <p:sp>
+        <p:nvSpPr>
+          <p:cNvPr id="7" name="Slide Number Placeholder 6"/>
           <p:cNvSpPr>
             <a:spLocks noGrp="1"/>
           </p:cNvSpPr>
@@ -2449,7 +3150,7 @@
     </p:spTree>
     <p:extLst>
       <p:ext uri="{BB962C8B-B14F-4D97-AF65-F5344CB8AC3E}">
-        <p14:creationId xmlns:p14="http://schemas.microsoft.com/office/powerpoint/2010/main" val="1778274131"/>
+        <p14:creationId xmlns:p14="http://schemas.microsoft.com/office/powerpoint/2010/main" val="1801213227"/>
       </p:ext>
     </p:extLst>
   </p:cSld>
@@ -2460,7 +3161,7 @@
 </file>
 
 <file path=ppt/slideLayouts/slideLayout9.xml><?xml version="1.0" encoding="utf-8"?>
-<p:sldLayout xmlns:a="http://schemas.openxmlformats.org/drawingml/2006/main" xmlns:r="http://schemas.openxmlformats.org/officeDocument/2006/relationships" xmlns:p="http://schemas.openxmlformats.org/presentationml/2006/main" type="picTx" preserve="1">
+<p:sldLayout xmlns:a="http://schemas.openxmlformats.org/drawingml/2006/main" xmlns:r="http://schemas.openxmlformats.org/officeDocument/2006/relationships" xmlns:p="http://schemas.openxmlformats.org/presentationml/2006/main" showMasterSp="0" type="picTx" preserve="1">
   <p:cSld name="Picture with Caption">
     <p:spTree>
       <p:nvGrpSpPr>
@@ -2478,31 +3179,92 @@
       </p:grpSpPr>
       <p:sp>
         <p:nvSpPr>
-          <p:cNvPr id="2" name="Title 1">
-            <a:extLst>
-              <a:ext uri="{FF2B5EF4-FFF2-40B4-BE49-F238E27FC236}">
-                <a16:creationId xmlns:a16="http://schemas.microsoft.com/office/drawing/2014/main" id="{2E77640E-FE1E-DCF5-5270-41F1AB791DF4}"/>
-              </a:ext>
-            </a:extLst>
-          </p:cNvPr>
-          <p:cNvSpPr>
-            <a:spLocks noGrp="1"/>
-          </p:cNvSpPr>
-          <p:nvPr>
-            <p:ph type="title"/>
-          </p:nvPr>
+          <p:cNvPr id="11" name="Rectangle 10"/>
+          <p:cNvSpPr/>
+          <p:nvPr/>
         </p:nvSpPr>
         <p:spPr>
           <a:xfrm>
-            <a:off x="839788" y="457200"/>
-            <a:ext cx="3932237" cy="1600200"/>
+            <a:off x="8303740" y="0"/>
+            <a:ext cx="3888259" cy="6857999"/>
+          </a:xfrm>
+          <a:prstGeom prst="rect">
+            <a:avLst/>
+          </a:prstGeom>
+          <a:blipFill dpi="0" rotWithShape="1">
+            <a:blip r:embed="rId2">
+              <a:alphaModFix amt="60000"/>
+              <a:lum bright="70000" contrast="-70000"/>
+              <a:extLst>
+                <a:ext uri="{BEBA8EAE-BF5A-486C-A8C5-ECC9F3942E4B}">
+                  <a14:imgProps xmlns:a14="http://schemas.microsoft.com/office/drawing/2010/main">
+                    <a14:imgLayer r:embed="rId3">
+                      <a14:imgEffect>
+                        <a14:sharpenSoften amount="61000"/>
+                      </a14:imgEffect>
+                    </a14:imgLayer>
+                  </a14:imgProps>
+                </a:ext>
+                <a:ext uri="{28A0092B-C50C-407E-A947-70E740481C1C}">
+                  <a14:useLocalDpi xmlns:a14="http://schemas.microsoft.com/office/drawing/2010/main" val="0"/>
+                </a:ext>
+              </a:extLst>
+            </a:blip>
+            <a:srcRect/>
+            <a:tile tx="0" ty="-704850" sx="92000" sy="89000" flip="xy" algn="ctr"/>
+          </a:blipFill>
+          <a:ln>
+            <a:noFill/>
+          </a:ln>
+        </p:spPr>
+        <p:style>
+          <a:lnRef idx="2">
+            <a:schemeClr val="accent1">
+              <a:shade val="50000"/>
+            </a:schemeClr>
+          </a:lnRef>
+          <a:fillRef idx="1">
+            <a:schemeClr val="accent1"/>
+          </a:fillRef>
+          <a:effectRef idx="0">
+            <a:schemeClr val="accent1"/>
+          </a:effectRef>
+          <a:fontRef idx="minor">
+            <a:schemeClr val="lt1"/>
+          </a:fontRef>
+        </p:style>
+        <p:txBody>
+          <a:bodyPr rtlCol="0" anchor="ctr"/>
+          <a:lstStyle/>
+          <a:p>
+            <a:pPr algn="ctr"/>
+            <a:endParaRPr lang="en-US"/>
+          </a:p>
+        </p:txBody>
+      </p:sp>
+      <p:sp>
+        <p:nvSpPr>
+          <p:cNvPr id="2" name="Title 1"/>
+          <p:cNvSpPr>
+            <a:spLocks noGrp="1"/>
+          </p:cNvSpPr>
+          <p:nvPr>
+            <p:ph type="title"/>
+          </p:nvPr>
+        </p:nvSpPr>
+        <p:spPr>
+          <a:xfrm>
+            <a:off x="8549640" y="685800"/>
+            <a:ext cx="3200400" cy="1737360"/>
           </a:xfrm>
         </p:spPr>
         <p:txBody>
-          <a:bodyPr anchor="b"/>
+          <a:bodyPr anchor="b">
+            <a:normAutofit/>
+          </a:bodyPr>
           <a:lstStyle>
             <a:lvl1pPr>
-              <a:defRPr sz="3200"/>
+              <a:defRPr sz="3200" b="1"/>
             </a:lvl1pPr>
           </a:lstStyle>
           <a:p>
@@ -2510,18 +3272,13 @@
               <a:rPr lang="en-US"/>
               <a:t>Click to edit Master title style</a:t>
             </a:r>
-          </a:p>
-        </p:txBody>
-      </p:sp>
-      <p:sp>
-        <p:nvSpPr>
-          <p:cNvPr id="3" name="Picture Placeholder 2">
-            <a:extLst>
-              <a:ext uri="{FF2B5EF4-FFF2-40B4-BE49-F238E27FC236}">
-                <a16:creationId xmlns:a16="http://schemas.microsoft.com/office/drawing/2014/main" id="{06B72980-E1CE-7234-FDD5-EED219DA05B6}"/>
-              </a:ext>
-            </a:extLst>
-          </p:cNvPr>
+            <a:endParaRPr lang="en-US" dirty="0"/>
+          </a:p>
+        </p:txBody>
+      </p:sp>
+      <p:sp>
+        <p:nvSpPr>
+          <p:cNvPr id="3" name="Picture Placeholder 2"/>
           <p:cNvSpPr>
             <a:spLocks noGrp="1"/>
           </p:cNvSpPr>
@@ -2531,9 +3288,15 @@
         </p:nvSpPr>
         <p:spPr>
           <a:xfrm>
-            <a:off x="5183188" y="987425"/>
-            <a:ext cx="6172200" cy="4873625"/>
+            <a:off x="0" y="0"/>
+            <a:ext cx="8303740" cy="6858000"/>
           </a:xfrm>
+          <a:solidFill>
+            <a:schemeClr val="tx2">
+              <a:lumMod val="20000"/>
+              <a:lumOff val="80000"/>
+            </a:schemeClr>
+          </a:solidFill>
         </p:spPr>
         <p:txBody>
           <a:bodyPr/>
@@ -2576,19 +3339,17 @@
             </a:lvl9pPr>
           </a:lstStyle>
           <a:p>
-            <a:endParaRPr lang="en-US"/>
-          </a:p>
-        </p:txBody>
-      </p:sp>
-      <p:sp>
-        <p:nvSpPr>
-          <p:cNvPr id="4" name="Text Placeholder 3">
-            <a:extLst>
-              <a:ext uri="{FF2B5EF4-FFF2-40B4-BE49-F238E27FC236}">
-                <a16:creationId xmlns:a16="http://schemas.microsoft.com/office/drawing/2014/main" id="{5D6D325E-B928-12FE-8A0B-0311B036EA44}"/>
-              </a:ext>
-            </a:extLst>
-          </p:cNvPr>
+            <a:r>
+              <a:rPr lang="en-US"/>
+              <a:t>Click icon to add picture</a:t>
+            </a:r>
+            <a:endParaRPr lang="en-US" dirty="0"/>
+          </a:p>
+        </p:txBody>
+      </p:sp>
+      <p:sp>
+        <p:nvSpPr>
+          <p:cNvPr id="4" name="Text Placeholder 3"/>
           <p:cNvSpPr>
             <a:spLocks noGrp="1"/>
           </p:cNvSpPr>
@@ -2598,48 +3359,62 @@
         </p:nvSpPr>
         <p:spPr>
           <a:xfrm>
-            <a:off x="839788" y="2057400"/>
-            <a:ext cx="3932237" cy="3811588"/>
+            <a:off x="8549640" y="2423160"/>
+            <a:ext cx="3200400" cy="3291840"/>
           </a:xfrm>
         </p:spPr>
         <p:txBody>
-          <a:bodyPr/>
+          <a:bodyPr>
+            <a:normAutofit/>
+          </a:bodyPr>
           <a:lstStyle>
             <a:lvl1pPr marL="0" indent="0">
-              <a:buNone/>
-              <a:defRPr sz="1600"/>
+              <a:lnSpc>
+                <a:spcPct val="100000"/>
+              </a:lnSpc>
+              <a:spcBef>
+                <a:spcPts val="1000"/>
+              </a:spcBef>
+              <a:buNone/>
+              <a:defRPr sz="1400">
+                <a:solidFill>
+                  <a:schemeClr val="accent1">
+                    <a:lumMod val="75000"/>
+                  </a:schemeClr>
+                </a:solidFill>
+              </a:defRPr>
             </a:lvl1pPr>
             <a:lvl2pPr marL="457200" indent="0">
               <a:buNone/>
-              <a:defRPr sz="1400"/>
+              <a:defRPr sz="1200"/>
             </a:lvl2pPr>
             <a:lvl3pPr marL="914400" indent="0">
               <a:buNone/>
-              <a:defRPr sz="1200"/>
+              <a:defRPr sz="1000"/>
             </a:lvl3pPr>
             <a:lvl4pPr marL="1371600" indent="0">
               <a:buNone/>
-              <a:defRPr sz="1000"/>
+              <a:defRPr sz="900"/>
             </a:lvl4pPr>
             <a:lvl5pPr marL="1828800" indent="0">
               <a:buNone/>
-              <a:defRPr sz="1000"/>
+              <a:defRPr sz="900"/>
             </a:lvl5pPr>
             <a:lvl6pPr marL="2286000" indent="0">
               <a:buNone/>
-              <a:defRPr sz="1000"/>
+              <a:defRPr sz="900"/>
             </a:lvl6pPr>
             <a:lvl7pPr marL="2743200" indent="0">
               <a:buNone/>
-              <a:defRPr sz="1000"/>
+              <a:defRPr sz="900"/>
             </a:lvl7pPr>
             <a:lvl8pPr marL="3200400" indent="0">
               <a:buNone/>
-              <a:defRPr sz="1000"/>
+              <a:defRPr sz="900"/>
             </a:lvl8pPr>
             <a:lvl9pPr marL="3657600" indent="0">
               <a:buNone/>
-              <a:defRPr sz="1000"/>
+              <a:defRPr sz="900"/>
             </a:lvl9pPr>
           </a:lstStyle>
           <a:p>
@@ -2653,13 +3428,7 @@
       </p:sp>
       <p:sp>
         <p:nvSpPr>
-          <p:cNvPr id="5" name="Date Placeholder 4">
-            <a:extLst>
-              <a:ext uri="{FF2B5EF4-FFF2-40B4-BE49-F238E27FC236}">
-                <a16:creationId xmlns:a16="http://schemas.microsoft.com/office/drawing/2014/main" id="{89242204-8595-4D42-B29F-185FA674842B}"/>
-              </a:ext>
-            </a:extLst>
-          </p:cNvPr>
+          <p:cNvPr id="5" name="Date Placeholder 4"/>
           <p:cNvSpPr>
             <a:spLocks noGrp="1"/>
           </p:cNvSpPr>
@@ -2674,46 +3443,178 @@
           <a:p>
             <a:fld id="{7C168115-B69F-48B5-9BAC-219F63D88C51}" type="datetimeFigureOut">
               <a:rPr lang="en-US" smtClean="0"/>
-              <a:t>11/16/2023</a:t>
+              <a:t>11/16/23</a:t>
             </a:fld>
             <a:endParaRPr lang="en-US"/>
           </a:p>
         </p:txBody>
       </p:sp>
-      <p:sp>
-        <p:nvSpPr>
-          <p:cNvPr id="6" name="Footer Placeholder 5">
-            <a:extLst>
-              <a:ext uri="{FF2B5EF4-FFF2-40B4-BE49-F238E27FC236}">
-                <a16:creationId xmlns:a16="http://schemas.microsoft.com/office/drawing/2014/main" id="{D03D195C-5416-08BE-756D-4A92AF4D2388}"/>
-              </a:ext>
-            </a:extLst>
-          </p:cNvPr>
-          <p:cNvSpPr>
-            <a:spLocks noGrp="1"/>
-          </p:cNvSpPr>
-          <p:nvPr>
-            <p:ph type="ftr" sz="quarter" idx="11"/>
-          </p:nvPr>
-        </p:nvSpPr>
-        <p:spPr/>
-        <p:txBody>
-          <a:bodyPr/>
-          <a:lstStyle/>
-          <a:p>
-            <a:endParaRPr lang="en-US"/>
-          </a:p>
-        </p:txBody>
-      </p:sp>
-      <p:sp>
-        <p:nvSpPr>
-          <p:cNvPr id="7" name="Slide Number Placeholder 6">
-            <a:extLst>
-              <a:ext uri="{FF2B5EF4-FFF2-40B4-BE49-F238E27FC236}">
-                <a16:creationId xmlns:a16="http://schemas.microsoft.com/office/drawing/2014/main" id="{0F369616-7032-D853-CC1A-25A5E71BAE2E}"/>
-              </a:ext>
-            </a:extLst>
-          </p:cNvPr>
+      <p:grpSp>
+        <p:nvGrpSpPr>
+          <p:cNvPr id="8" name="Group 7"/>
+          <p:cNvGrpSpPr>
+            <a:grpSpLocks noChangeAspect="1"/>
+          </p:cNvGrpSpPr>
+          <p:nvPr/>
+        </p:nvGrpSpPr>
+        <p:grpSpPr>
+          <a:xfrm>
+            <a:off x="11401725" y="6229681"/>
+            <a:ext cx="457200" cy="457200"/>
+            <a:chOff x="11361456" y="6195813"/>
+            <a:chExt cx="548640" cy="548640"/>
+          </a:xfrm>
+        </p:grpSpPr>
+        <p:sp>
+          <p:nvSpPr>
+            <p:cNvPr id="9" name="Oval 8"/>
+            <p:cNvSpPr/>
+            <p:nvPr/>
+          </p:nvSpPr>
+          <p:spPr>
+            <a:xfrm>
+              <a:off x="11361456" y="6195813"/>
+              <a:ext cx="548640" cy="548640"/>
+            </a:xfrm>
+            <a:prstGeom prst="ellipse">
+              <a:avLst/>
+            </a:prstGeom>
+            <a:blipFill dpi="0" rotWithShape="1">
+              <a:blip r:embed="rId4">
+                <a:duotone>
+                  <a:schemeClr val="accent1">
+                    <a:shade val="45000"/>
+                    <a:satMod val="135000"/>
+                  </a:schemeClr>
+                  <a:prstClr val="white"/>
+                </a:duotone>
+                <a:extLst>
+                  <a:ext uri="{BEBA8EAE-BF5A-486C-A8C5-ECC9F3942E4B}">
+                    <a14:imgProps xmlns:a14="http://schemas.microsoft.com/office/drawing/2010/main">
+                      <a14:imgLayer r:embed="rId5">
+                        <a14:imgEffect>
+                          <a14:saturation sat="95000"/>
+                        </a14:imgEffect>
+                        <a14:imgEffect>
+                          <a14:brightnessContrast bright="-40000" contrast="20000"/>
+                        </a14:imgEffect>
+                      </a14:imgLayer>
+                    </a14:imgProps>
+                  </a:ext>
+                </a:extLst>
+              </a:blip>
+              <a:srcRect/>
+              <a:tile tx="50800" ty="0" sx="85000" sy="85000" flip="none" algn="tl"/>
+            </a:blipFill>
+            <a:ln w="25400" cap="flat" cmpd="sng" algn="ctr">
+              <a:noFill/>
+              <a:prstDash val="solid"/>
+            </a:ln>
+            <a:effectLst/>
+          </p:spPr>
+          <p:txBody>
+            <a:bodyPr lIns="0" tIns="0" rIns="0" bIns="0" rtlCol="0" anchor="ctr"/>
+            <a:lstStyle/>
+            <a:p>
+              <a:pPr marL="0" marR="0" lvl="0" indent="0" algn="ctr" defTabSz="914400" eaLnBrk="1" fontAlgn="auto" latinLnBrk="0" hangingPunct="1">
+                <a:lnSpc>
+                  <a:spcPct val="100000"/>
+                </a:lnSpc>
+                <a:spcBef>
+                  <a:spcPts val="0"/>
+                </a:spcBef>
+                <a:spcAft>
+                  <a:spcPts val="0"/>
+                </a:spcAft>
+                <a:buClrTx/>
+                <a:buSzTx/>
+                <a:buFontTx/>
+                <a:buNone/>
+                <a:tabLst/>
+                <a:defRPr/>
+              </a:pPr>
+              <a:endParaRPr kumimoji="0" lang="en-US" sz="2000" b="0" i="0" u="none" strike="noStrike" kern="0" cap="none" spc="0" normalizeH="0" baseline="0" noProof="0" dirty="0">
+                <a:ln>
+                  <a:noFill/>
+                </a:ln>
+                <a:solidFill>
+                  <a:prstClr val="white"/>
+                </a:solidFill>
+                <a:effectLst/>
+                <a:uLnTx/>
+                <a:uFillTx/>
+                <a:latin typeface="Rockwell Extra Bold" pitchFamily="18" charset="0"/>
+                <a:ea typeface="+mn-ea"/>
+                <a:cs typeface="+mn-cs"/>
+              </a:endParaRPr>
+            </a:p>
+          </p:txBody>
+        </p:sp>
+        <p:sp>
+          <p:nvSpPr>
+            <p:cNvPr id="10" name="Oval 9"/>
+            <p:cNvSpPr/>
+            <p:nvPr/>
+          </p:nvSpPr>
+          <p:spPr>
+            <a:xfrm>
+              <a:off x="11396488" y="6230844"/>
+              <a:ext cx="478576" cy="478578"/>
+            </a:xfrm>
+            <a:prstGeom prst="ellipse">
+              <a:avLst/>
+            </a:prstGeom>
+            <a:noFill/>
+            <a:ln w="12700" cap="flat" cmpd="sng" algn="ctr">
+              <a:solidFill>
+                <a:sysClr val="window" lastClr="FFFFFF"/>
+              </a:solidFill>
+              <a:prstDash val="solid"/>
+            </a:ln>
+            <a:effectLst/>
+          </p:spPr>
+          <p:txBody>
+            <a:bodyPr rtlCol="0" anchor="ctr"/>
+            <a:lstStyle/>
+            <a:p>
+              <a:pPr marL="0" marR="0" lvl="0" indent="0" algn="ctr" defTabSz="914400" eaLnBrk="1" fontAlgn="auto" latinLnBrk="0" hangingPunct="1">
+                <a:lnSpc>
+                  <a:spcPct val="100000"/>
+                </a:lnSpc>
+                <a:spcBef>
+                  <a:spcPts val="0"/>
+                </a:spcBef>
+                <a:spcAft>
+                  <a:spcPts val="0"/>
+                </a:spcAft>
+                <a:buClrTx/>
+                <a:buSzTx/>
+                <a:buFontTx/>
+                <a:buNone/>
+                <a:tabLst/>
+                <a:defRPr/>
+              </a:pPr>
+              <a:endParaRPr kumimoji="0" lang="en-US" sz="1800" b="0" i="0" u="none" strike="noStrike" kern="0" cap="none" spc="0" normalizeH="0" baseline="0" noProof="0" dirty="0">
+                <a:ln>
+                  <a:noFill/>
+                </a:ln>
+                <a:solidFill>
+                  <a:prstClr val="white"/>
+                </a:solidFill>
+                <a:effectLst/>
+                <a:uLnTx/>
+                <a:uFillTx/>
+                <a:latin typeface="Calibri"/>
+                <a:ea typeface="+mn-ea"/>
+                <a:cs typeface="+mn-cs"/>
+              </a:endParaRPr>
+            </a:p>
+          </p:txBody>
+        </p:sp>
+      </p:grpSp>
+      <p:sp>
+        <p:nvSpPr>
+          <p:cNvPr id="7" name="Slide Number Placeholder 6"/>
           <p:cNvSpPr>
             <a:spLocks noGrp="1"/>
           </p:cNvSpPr>
@@ -2737,7 +3638,7 @@
     </p:spTree>
     <p:extLst>
       <p:ext uri="{BB962C8B-B14F-4D97-AF65-F5344CB8AC3E}">
-        <p14:creationId xmlns:p14="http://schemas.microsoft.com/office/powerpoint/2010/main" val="124184753"/>
+        <p14:creationId xmlns:p14="http://schemas.microsoft.com/office/powerpoint/2010/main" val="4249330581"/>
       </p:ext>
     </p:extLst>
   </p:cSld>
@@ -2771,13 +3672,7 @@
       </p:grpSpPr>
       <p:sp>
         <p:nvSpPr>
-          <p:cNvPr id="2" name="Title Placeholder 1">
-            <a:extLst>
-              <a:ext uri="{FF2B5EF4-FFF2-40B4-BE49-F238E27FC236}">
-                <a16:creationId xmlns:a16="http://schemas.microsoft.com/office/drawing/2014/main" id="{2B313198-ACFA-02FC-8CCF-EF80E13C4FF1}"/>
-              </a:ext>
-            </a:extLst>
-          </p:cNvPr>
+          <p:cNvPr id="2" name="Title Placeholder 1"/>
           <p:cNvSpPr>
             <a:spLocks noGrp="1"/>
           </p:cNvSpPr>
@@ -2787,8 +3682,8 @@
         </p:nvSpPr>
         <p:spPr>
           <a:xfrm>
-            <a:off x="838200" y="365125"/>
-            <a:ext cx="10515600" cy="1325563"/>
+            <a:off x="1069848" y="484632"/>
+            <a:ext cx="10058400" cy="1609344"/>
           </a:xfrm>
           <a:prstGeom prst="rect">
             <a:avLst/>
@@ -2804,18 +3699,13 @@
               <a:rPr lang="en-US"/>
               <a:t>Click to edit Master title style</a:t>
             </a:r>
-          </a:p>
-        </p:txBody>
-      </p:sp>
-      <p:sp>
-        <p:nvSpPr>
-          <p:cNvPr id="3" name="Text Placeholder 2">
-            <a:extLst>
-              <a:ext uri="{FF2B5EF4-FFF2-40B4-BE49-F238E27FC236}">
-                <a16:creationId xmlns:a16="http://schemas.microsoft.com/office/drawing/2014/main" id="{F98E6F1F-03AA-B6DE-CA07-95B48155AE9D}"/>
-              </a:ext>
-            </a:extLst>
-          </p:cNvPr>
+            <a:endParaRPr lang="en-US" dirty="0"/>
+          </a:p>
+        </p:txBody>
+      </p:sp>
+      <p:sp>
+        <p:nvSpPr>
+          <p:cNvPr id="3" name="Text Placeholder 2"/>
           <p:cNvSpPr>
             <a:spLocks noGrp="1"/>
           </p:cNvSpPr>
@@ -2825,8 +3715,8 @@
         </p:nvSpPr>
         <p:spPr>
           <a:xfrm>
-            <a:off x="838200" y="1825625"/>
-            <a:ext cx="10515600" cy="4351338"/>
+            <a:off x="1069848" y="2121408"/>
+            <a:ext cx="10058400" cy="4050792"/>
           </a:xfrm>
           <a:prstGeom prst="rect">
             <a:avLst/>
@@ -2871,18 +3761,13 @@
               <a:rPr lang="en-US"/>
               <a:t>Fifth level</a:t>
             </a:r>
-          </a:p>
-        </p:txBody>
-      </p:sp>
-      <p:sp>
-        <p:nvSpPr>
-          <p:cNvPr id="4" name="Date Placeholder 3">
-            <a:extLst>
-              <a:ext uri="{FF2B5EF4-FFF2-40B4-BE49-F238E27FC236}">
-                <a16:creationId xmlns:a16="http://schemas.microsoft.com/office/drawing/2014/main" id="{7D4A95F4-C6CC-442A-9ADA-6C6835204E07}"/>
-              </a:ext>
-            </a:extLst>
-          </p:cNvPr>
+            <a:endParaRPr lang="en-US" dirty="0"/>
+          </a:p>
+        </p:txBody>
+      </p:sp>
+      <p:sp>
+        <p:nvSpPr>
+          <p:cNvPr id="4" name="Date Placeholder 3"/>
           <p:cNvSpPr>
             <a:spLocks noGrp="1"/>
           </p:cNvSpPr>
@@ -2892,8 +3777,8 @@
         </p:nvSpPr>
         <p:spPr>
           <a:xfrm>
-            <a:off x="838200" y="6356350"/>
-            <a:ext cx="2743200" cy="365125"/>
+            <a:off x="7964424" y="6272784"/>
+            <a:ext cx="3273552" cy="365125"/>
           </a:xfrm>
           <a:prstGeom prst="rect">
             <a:avLst/>
@@ -2902,12 +3787,10 @@
         <p:txBody>
           <a:bodyPr vert="horz" lIns="91440" tIns="45720" rIns="91440" bIns="45720" rtlCol="0" anchor="ctr"/>
           <a:lstStyle>
-            <a:lvl1pPr algn="l">
-              <a:defRPr sz="1200">
+            <a:lvl1pPr algn="r">
+              <a:defRPr sz="1100">
                 <a:solidFill>
-                  <a:schemeClr val="tx1">
-                    <a:tint val="75000"/>
-                  </a:schemeClr>
+                  <a:schemeClr val="tx2"/>
                 </a:solidFill>
               </a:defRPr>
             </a:lvl1pPr>
@@ -2915,7 +3798,7 @@
           <a:p>
             <a:fld id="{7C168115-B69F-48B5-9BAC-219F63D88C51}" type="datetimeFigureOut">
               <a:rPr lang="en-US" smtClean="0"/>
-              <a:t>11/16/2023</a:t>
+              <a:t>11/16/23</a:t>
             </a:fld>
             <a:endParaRPr lang="en-US"/>
           </a:p>
@@ -2923,13 +3806,7 @@
       </p:sp>
       <p:sp>
         <p:nvSpPr>
-          <p:cNvPr id="5" name="Footer Placeholder 4">
-            <a:extLst>
-              <a:ext uri="{FF2B5EF4-FFF2-40B4-BE49-F238E27FC236}">
-                <a16:creationId xmlns:a16="http://schemas.microsoft.com/office/drawing/2014/main" id="{985DF84C-511C-3A1C-8EA3-824D39552643}"/>
-              </a:ext>
-            </a:extLst>
-          </p:cNvPr>
+          <p:cNvPr id="5" name="Footer Placeholder 4"/>
           <p:cNvSpPr>
             <a:spLocks noGrp="1"/>
           </p:cNvSpPr>
@@ -2939,8 +3816,8 @@
         </p:nvSpPr>
         <p:spPr>
           <a:xfrm>
-            <a:off x="4038600" y="6356350"/>
-            <a:ext cx="4114800" cy="365125"/>
+            <a:off x="1088136" y="6272784"/>
+            <a:ext cx="6327648" cy="365125"/>
           </a:xfrm>
           <a:prstGeom prst="rect">
             <a:avLst/>
@@ -2949,12 +3826,10 @@
         <p:txBody>
           <a:bodyPr vert="horz" lIns="91440" tIns="45720" rIns="91440" bIns="45720" rtlCol="0" anchor="ctr"/>
           <a:lstStyle>
-            <a:lvl1pPr algn="ctr">
-              <a:defRPr sz="1200">
+            <a:lvl1pPr algn="l">
+              <a:defRPr sz="1100">
                 <a:solidFill>
-                  <a:schemeClr val="tx1">
-                    <a:tint val="75000"/>
-                  </a:schemeClr>
+                  <a:schemeClr val="tx2"/>
                 </a:solidFill>
               </a:defRPr>
             </a:lvl1pPr>
@@ -2964,15 +3839,172 @@
           </a:p>
         </p:txBody>
       </p:sp>
-      <p:sp>
-        <p:nvSpPr>
-          <p:cNvPr id="6" name="Slide Number Placeholder 5">
-            <a:extLst>
-              <a:ext uri="{FF2B5EF4-FFF2-40B4-BE49-F238E27FC236}">
-                <a16:creationId xmlns:a16="http://schemas.microsoft.com/office/drawing/2014/main" id="{B3178852-760F-70BB-C179-BCAE807305EE}"/>
-              </a:ext>
-            </a:extLst>
-          </p:cNvPr>
+      <p:grpSp>
+        <p:nvGrpSpPr>
+          <p:cNvPr id="7" name="Group 6"/>
+          <p:cNvGrpSpPr>
+            <a:grpSpLocks noChangeAspect="1"/>
+          </p:cNvGrpSpPr>
+          <p:nvPr/>
+        </p:nvGrpSpPr>
+        <p:grpSpPr>
+          <a:xfrm>
+            <a:off x="11401725" y="6229681"/>
+            <a:ext cx="457200" cy="457200"/>
+            <a:chOff x="11361456" y="6195813"/>
+            <a:chExt cx="548640" cy="548640"/>
+          </a:xfrm>
+        </p:grpSpPr>
+        <p:sp>
+          <p:nvSpPr>
+            <p:cNvPr id="8" name="Oval 7"/>
+            <p:cNvSpPr/>
+            <p:nvPr/>
+          </p:nvSpPr>
+          <p:spPr>
+            <a:xfrm>
+              <a:off x="11361456" y="6195813"/>
+              <a:ext cx="548640" cy="548640"/>
+            </a:xfrm>
+            <a:prstGeom prst="ellipse">
+              <a:avLst/>
+            </a:prstGeom>
+            <a:blipFill dpi="0" rotWithShape="1">
+              <a:blip r:embed="rId13">
+                <a:duotone>
+                  <a:schemeClr val="accent1">
+                    <a:shade val="45000"/>
+                    <a:satMod val="135000"/>
+                  </a:schemeClr>
+                  <a:prstClr val="white"/>
+                </a:duotone>
+                <a:extLst>
+                  <a:ext uri="{BEBA8EAE-BF5A-486C-A8C5-ECC9F3942E4B}">
+                    <a14:imgProps xmlns:a14="http://schemas.microsoft.com/office/drawing/2010/main">
+                      <a14:imgLayer r:embed="rId14">
+                        <a14:imgEffect>
+                          <a14:saturation sat="95000"/>
+                        </a14:imgEffect>
+                        <a14:imgEffect>
+                          <a14:brightnessContrast bright="-40000" contrast="20000"/>
+                        </a14:imgEffect>
+                      </a14:imgLayer>
+                    </a14:imgProps>
+                  </a:ext>
+                </a:extLst>
+              </a:blip>
+              <a:srcRect/>
+              <a:tile tx="50800" ty="0" sx="85000" sy="85000" flip="none" algn="tl"/>
+            </a:blipFill>
+            <a:ln w="25400" cap="flat" cmpd="sng" algn="ctr">
+              <a:noFill/>
+              <a:prstDash val="solid"/>
+            </a:ln>
+            <a:effectLst/>
+          </p:spPr>
+          <p:txBody>
+            <a:bodyPr lIns="0" tIns="0" rIns="0" bIns="0" rtlCol="0" anchor="ctr"/>
+            <a:lstStyle/>
+            <a:p>
+              <a:pPr marL="0" marR="0" lvl="0" indent="0" algn="ctr" defTabSz="914400" eaLnBrk="1" fontAlgn="auto" latinLnBrk="0" hangingPunct="1">
+                <a:lnSpc>
+                  <a:spcPct val="100000"/>
+                </a:lnSpc>
+                <a:spcBef>
+                  <a:spcPts val="0"/>
+                </a:spcBef>
+                <a:spcAft>
+                  <a:spcPts val="0"/>
+                </a:spcAft>
+                <a:buClrTx/>
+                <a:buSzTx/>
+                <a:buFontTx/>
+                <a:buNone/>
+                <a:tabLst/>
+                <a:defRPr/>
+              </a:pPr>
+              <a:endParaRPr kumimoji="0" lang="en-US" sz="2000" b="0" i="0" u="none" strike="noStrike" kern="0" cap="none" spc="0" normalizeH="0" baseline="0" noProof="0" dirty="0">
+                <a:ln>
+                  <a:noFill/>
+                </a:ln>
+                <a:solidFill>
+                  <a:prstClr val="white"/>
+                </a:solidFill>
+                <a:effectLst/>
+                <a:uLnTx/>
+                <a:uFillTx/>
+                <a:latin typeface="Rockwell Extra Bold" pitchFamily="18" charset="0"/>
+                <a:ea typeface="+mn-ea"/>
+                <a:cs typeface="+mn-cs"/>
+              </a:endParaRPr>
+            </a:p>
+          </p:txBody>
+        </p:sp>
+        <p:sp>
+          <p:nvSpPr>
+            <p:cNvPr id="9" name="Oval 8"/>
+            <p:cNvSpPr/>
+            <p:nvPr/>
+          </p:nvSpPr>
+          <p:spPr>
+            <a:xfrm>
+              <a:off x="11396488" y="6230844"/>
+              <a:ext cx="478576" cy="478578"/>
+            </a:xfrm>
+            <a:prstGeom prst="ellipse">
+              <a:avLst/>
+            </a:prstGeom>
+            <a:noFill/>
+            <a:ln w="12700" cap="flat" cmpd="sng" algn="ctr">
+              <a:solidFill>
+                <a:srgbClr val="FFFFFF"/>
+              </a:solidFill>
+              <a:prstDash val="solid"/>
+            </a:ln>
+            <a:effectLst/>
+          </p:spPr>
+          <p:txBody>
+            <a:bodyPr rtlCol="0" anchor="ctr"/>
+            <a:lstStyle/>
+            <a:p>
+              <a:pPr marL="0" marR="0" lvl="0" indent="0" algn="ctr" defTabSz="914400" eaLnBrk="1" fontAlgn="auto" latinLnBrk="0" hangingPunct="1">
+                <a:lnSpc>
+                  <a:spcPct val="100000"/>
+                </a:lnSpc>
+                <a:spcBef>
+                  <a:spcPts val="0"/>
+                </a:spcBef>
+                <a:spcAft>
+                  <a:spcPts val="0"/>
+                </a:spcAft>
+                <a:buClrTx/>
+                <a:buSzTx/>
+                <a:buFontTx/>
+                <a:buNone/>
+                <a:tabLst/>
+                <a:defRPr/>
+              </a:pPr>
+              <a:endParaRPr kumimoji="0" lang="en-US" sz="1800" b="0" i="0" u="none" strike="noStrike" kern="0" cap="none" spc="0" normalizeH="0" baseline="0" noProof="0" dirty="0">
+                <a:ln>
+                  <a:noFill/>
+                </a:ln>
+                <a:solidFill>
+                  <a:prstClr val="white"/>
+                </a:solidFill>
+                <a:effectLst/>
+                <a:uLnTx/>
+                <a:uFillTx/>
+                <a:latin typeface="Calibri"/>
+                <a:ea typeface="+mn-ea"/>
+                <a:cs typeface="+mn-cs"/>
+              </a:endParaRPr>
+            </a:p>
+          </p:txBody>
+        </p:sp>
+      </p:grpSp>
+      <p:sp>
+        <p:nvSpPr>
+          <p:cNvPr id="6" name="Slide Number Placeholder 5"/>
           <p:cNvSpPr>
             <a:spLocks noGrp="1"/>
           </p:cNvSpPr>
@@ -2982,8 +4014,8 @@
         </p:nvSpPr>
         <p:spPr>
           <a:xfrm>
-            <a:off x="8610600" y="6356350"/>
-            <a:ext cx="2743200" cy="365125"/>
+            <a:off x="11311128" y="6272784"/>
+            <a:ext cx="640080" cy="365125"/>
           </a:xfrm>
           <a:prstGeom prst="rect">
             <a:avLst/>
@@ -2992,13 +4024,12 @@
         <p:txBody>
           <a:bodyPr vert="horz" lIns="91440" tIns="45720" rIns="91440" bIns="45720" rtlCol="0" anchor="ctr"/>
           <a:lstStyle>
-            <a:lvl1pPr algn="r">
-              <a:defRPr sz="1200">
+            <a:lvl1pPr algn="ctr">
+              <a:defRPr sz="1400" b="1">
                 <a:solidFill>
-                  <a:schemeClr val="tx1">
-                    <a:tint val="75000"/>
-                  </a:schemeClr>
+                  <a:srgbClr val="FFFFFF"/>
                 </a:solidFill>
+                <a:latin typeface="+mj-lt"/>
               </a:defRPr>
             </a:lvl1pPr>
           </a:lstStyle>
@@ -3014,23 +4045,23 @@
     </p:spTree>
     <p:extLst>
       <p:ext uri="{BB962C8B-B14F-4D97-AF65-F5344CB8AC3E}">
-        <p14:creationId xmlns:p14="http://schemas.microsoft.com/office/powerpoint/2010/main" val="4193436519"/>
+        <p14:creationId xmlns:p14="http://schemas.microsoft.com/office/powerpoint/2010/main" val="2084682548"/>
       </p:ext>
     </p:extLst>
   </p:cSld>
   <p:clrMap bg1="lt1" tx1="dk1" bg2="lt2" tx2="dk2" accent1="accent1" accent2="accent2" accent3="accent3" accent4="accent4" accent5="accent5" accent6="accent6" hlink="hlink" folHlink="folHlink"/>
   <p:sldLayoutIdLst>
-    <p:sldLayoutId id="2147483649" r:id="rId1"/>
-    <p:sldLayoutId id="2147483650" r:id="rId2"/>
-    <p:sldLayoutId id="2147483651" r:id="rId3"/>
-    <p:sldLayoutId id="2147483652" r:id="rId4"/>
-    <p:sldLayoutId id="2147483653" r:id="rId5"/>
-    <p:sldLayoutId id="2147483654" r:id="rId6"/>
-    <p:sldLayoutId id="2147483655" r:id="rId7"/>
-    <p:sldLayoutId id="2147483656" r:id="rId8"/>
-    <p:sldLayoutId id="2147483657" r:id="rId9"/>
-    <p:sldLayoutId id="2147483658" r:id="rId10"/>
-    <p:sldLayoutId id="2147483659" r:id="rId11"/>
+    <p:sldLayoutId id="2147483676" r:id="rId1"/>
+    <p:sldLayoutId id="2147483677" r:id="rId2"/>
+    <p:sldLayoutId id="2147483678" r:id="rId3"/>
+    <p:sldLayoutId id="2147483679" r:id="rId4"/>
+    <p:sldLayoutId id="2147483680" r:id="rId5"/>
+    <p:sldLayoutId id="2147483681" r:id="rId6"/>
+    <p:sldLayoutId id="2147483682" r:id="rId7"/>
+    <p:sldLayoutId id="2147483683" r:id="rId8"/>
+    <p:sldLayoutId id="2147483684" r:id="rId9"/>
+    <p:sldLayoutId id="2147483685" r:id="rId10"/>
+    <p:sldLayoutId id="2147483686" r:id="rId11"/>
   </p:sldLayoutIdLst>
   <p:txStyles>
     <p:titleStyle>
@@ -3042,10 +4073,17 @@
           <a:spcPct val="0"/>
         </a:spcBef>
         <a:buNone/>
-        <a:defRPr sz="4400" kern="1200">
-          <a:solidFill>
-            <a:schemeClr val="tx1"/>
-          </a:solidFill>
+        <a:defRPr sz="5400" kern="1200" cap="all" baseline="0">
+          <a:blipFill>
+            <a:blip r:embed="rId15">
+              <a:extLst>
+                <a:ext uri="{28A0092B-C50C-407E-A947-70E740481C1C}">
+                  <a14:useLocalDpi xmlns:a14="http://schemas.microsoft.com/office/drawing/2010/main" val="0"/>
+                </a:ext>
+              </a:extLst>
+            </a:blip>
+            <a:tile tx="6350" ty="-127000" sx="65000" sy="64000" flip="none" algn="tl"/>
+          </a:blipFill>
           <a:latin typeface="+mj-lt"/>
           <a:ea typeface="+mj-ea"/>
           <a:cs typeface="+mj-cs"/>
@@ -3053,16 +4091,22 @@
       </a:lvl1pPr>
     </p:titleStyle>
     <p:bodyStyle>
-      <a:lvl1pPr marL="228600" indent="-228600" algn="l" defTabSz="914400" rtl="0" eaLnBrk="1" latinLnBrk="0" hangingPunct="1">
+      <a:lvl1pPr marL="182880" indent="-182880" algn="l" defTabSz="914400" rtl="0" eaLnBrk="1" latinLnBrk="0" hangingPunct="1">
         <a:lnSpc>
           <a:spcPct val="90000"/>
         </a:lnSpc>
         <a:spcBef>
-          <a:spcPts val="1000"/>
+          <a:spcPts val="1200"/>
         </a:spcBef>
-        <a:buFont typeface="Arial" panose="020B0604020202020204" pitchFamily="34" charset="0"/>
-        <a:buChar char="•"/>
-        <a:defRPr sz="2800" kern="1200">
+        <a:buClr>
+          <a:schemeClr val="accent1">
+            <a:lumMod val="75000"/>
+          </a:schemeClr>
+        </a:buClr>
+        <a:buSzPct val="85000"/>
+        <a:buFont typeface="Wingdings" pitchFamily="2" charset="2"/>
+        <a:buChar char="§"/>
+        <a:defRPr sz="2000" kern="1200">
           <a:solidFill>
             <a:schemeClr val="tx1"/>
           </a:solidFill>
@@ -3071,16 +4115,25 @@
           <a:cs typeface="+mn-cs"/>
         </a:defRPr>
       </a:lvl1pPr>
-      <a:lvl2pPr marL="685800" indent="-228600" algn="l" defTabSz="914400" rtl="0" eaLnBrk="1" latinLnBrk="0" hangingPunct="1">
+      <a:lvl2pPr marL="457200" indent="-182880" algn="l" defTabSz="914400" rtl="0" eaLnBrk="1" latinLnBrk="0" hangingPunct="1">
         <a:lnSpc>
           <a:spcPct val="90000"/>
         </a:lnSpc>
         <a:spcBef>
-          <a:spcPts val="500"/>
+          <a:spcPts val="400"/>
         </a:spcBef>
-        <a:buFont typeface="Arial" panose="020B0604020202020204" pitchFamily="34" charset="0"/>
-        <a:buChar char="•"/>
-        <a:defRPr sz="2400" kern="1200">
+        <a:spcAft>
+          <a:spcPts val="200"/>
+        </a:spcAft>
+        <a:buClr>
+          <a:schemeClr val="accent1">
+            <a:lumMod val="75000"/>
+          </a:schemeClr>
+        </a:buClr>
+        <a:buSzPct val="85000"/>
+        <a:buFont typeface="Wingdings" pitchFamily="2" charset="2"/>
+        <a:buChar char="§"/>
+        <a:defRPr sz="1800" kern="1200">
           <a:solidFill>
             <a:schemeClr val="tx1"/>
           </a:solidFill>
@@ -3089,16 +4142,25 @@
           <a:cs typeface="+mn-cs"/>
         </a:defRPr>
       </a:lvl2pPr>
-      <a:lvl3pPr marL="1143000" indent="-228600" algn="l" defTabSz="914400" rtl="0" eaLnBrk="1" latinLnBrk="0" hangingPunct="1">
+      <a:lvl3pPr marL="731520" indent="-182880" algn="l" defTabSz="914400" rtl="0" eaLnBrk="1" latinLnBrk="0" hangingPunct="1">
         <a:lnSpc>
           <a:spcPct val="90000"/>
         </a:lnSpc>
         <a:spcBef>
-          <a:spcPts val="500"/>
+          <a:spcPts val="400"/>
         </a:spcBef>
-        <a:buFont typeface="Arial" panose="020B0604020202020204" pitchFamily="34" charset="0"/>
-        <a:buChar char="•"/>
-        <a:defRPr sz="2000" kern="1200">
+        <a:spcAft>
+          <a:spcPts val="200"/>
+        </a:spcAft>
+        <a:buClr>
+          <a:schemeClr val="accent1">
+            <a:lumMod val="75000"/>
+          </a:schemeClr>
+        </a:buClr>
+        <a:buSzPct val="85000"/>
+        <a:buFont typeface="Wingdings" pitchFamily="2" charset="2"/>
+        <a:buChar char="§"/>
+        <a:defRPr sz="1600" kern="1200">
           <a:solidFill>
             <a:schemeClr val="tx1"/>
           </a:solidFill>
@@ -3107,16 +4169,25 @@
           <a:cs typeface="+mn-cs"/>
         </a:defRPr>
       </a:lvl3pPr>
-      <a:lvl4pPr marL="1600200" indent="-228600" algn="l" defTabSz="914400" rtl="0" eaLnBrk="1" latinLnBrk="0" hangingPunct="1">
+      <a:lvl4pPr marL="1005840" indent="-182880" algn="l" defTabSz="914400" rtl="0" eaLnBrk="1" latinLnBrk="0" hangingPunct="1">
         <a:lnSpc>
           <a:spcPct val="90000"/>
         </a:lnSpc>
         <a:spcBef>
-          <a:spcPts val="500"/>
+          <a:spcPts val="400"/>
         </a:spcBef>
-        <a:buFont typeface="Arial" panose="020B0604020202020204" pitchFamily="34" charset="0"/>
-        <a:buChar char="•"/>
-        <a:defRPr sz="1800" kern="1200">
+        <a:spcAft>
+          <a:spcPts val="200"/>
+        </a:spcAft>
+        <a:buClr>
+          <a:schemeClr val="accent1">
+            <a:lumMod val="75000"/>
+          </a:schemeClr>
+        </a:buClr>
+        <a:buSzPct val="85000"/>
+        <a:buFont typeface="Wingdings" pitchFamily="2" charset="2"/>
+        <a:buChar char="§"/>
+        <a:defRPr sz="1600" kern="1200">
           <a:solidFill>
             <a:schemeClr val="tx1"/>
           </a:solidFill>
@@ -3125,16 +4196,25 @@
           <a:cs typeface="+mn-cs"/>
         </a:defRPr>
       </a:lvl4pPr>
-      <a:lvl5pPr marL="2057400" indent="-228600" algn="l" defTabSz="914400" rtl="0" eaLnBrk="1" latinLnBrk="0" hangingPunct="1">
+      <a:lvl5pPr marL="1280160" indent="-182880" algn="l" defTabSz="914400" rtl="0" eaLnBrk="1" latinLnBrk="0" hangingPunct="1">
         <a:lnSpc>
           <a:spcPct val="90000"/>
         </a:lnSpc>
         <a:spcBef>
-          <a:spcPts val="500"/>
+          <a:spcPts val="400"/>
         </a:spcBef>
-        <a:buFont typeface="Arial" panose="020B0604020202020204" pitchFamily="34" charset="0"/>
-        <a:buChar char="•"/>
-        <a:defRPr sz="1800" kern="1200">
+        <a:spcAft>
+          <a:spcPts val="200"/>
+        </a:spcAft>
+        <a:buClr>
+          <a:schemeClr val="accent1">
+            <a:lumMod val="75000"/>
+          </a:schemeClr>
+        </a:buClr>
+        <a:buSzPct val="85000"/>
+        <a:buFont typeface="Wingdings" pitchFamily="2" charset="2"/>
+        <a:buChar char="§"/>
+        <a:defRPr sz="1600" kern="1200">
           <a:solidFill>
             <a:schemeClr val="tx1"/>
           </a:solidFill>
@@ -3143,16 +4223,25 @@
           <a:cs typeface="+mn-cs"/>
         </a:defRPr>
       </a:lvl5pPr>
-      <a:lvl6pPr marL="2514600" indent="-228600" algn="l" defTabSz="914400" rtl="0" eaLnBrk="1" latinLnBrk="0" hangingPunct="1">
+      <a:lvl6pPr marL="1600000" indent="-228600" algn="l" defTabSz="914400" rtl="0" eaLnBrk="1" latinLnBrk="0" hangingPunct="1">
         <a:lnSpc>
           <a:spcPct val="90000"/>
         </a:lnSpc>
         <a:spcBef>
-          <a:spcPts val="500"/>
+          <a:spcPts val="400"/>
         </a:spcBef>
-        <a:buFont typeface="Arial" panose="020B0604020202020204" pitchFamily="34" charset="0"/>
-        <a:buChar char="•"/>
-        <a:defRPr sz="1800" kern="1200">
+        <a:spcAft>
+          <a:spcPts val="200"/>
+        </a:spcAft>
+        <a:buClr>
+          <a:schemeClr val="accent1">
+            <a:lumMod val="75000"/>
+          </a:schemeClr>
+        </a:buClr>
+        <a:buSzPct val="85000"/>
+        <a:buFont typeface="Wingdings" pitchFamily="2" charset="2"/>
+        <a:buChar char="§"/>
+        <a:defRPr sz="1600" kern="1200">
           <a:solidFill>
             <a:schemeClr val="tx1"/>
           </a:solidFill>
@@ -3161,16 +4250,25 @@
           <a:cs typeface="+mn-cs"/>
         </a:defRPr>
       </a:lvl6pPr>
-      <a:lvl7pPr marL="2971800" indent="-228600" algn="l" defTabSz="914400" rtl="0" eaLnBrk="1" latinLnBrk="0" hangingPunct="1">
+      <a:lvl7pPr marL="1900000" indent="-228600" algn="l" defTabSz="914400" rtl="0" eaLnBrk="1" latinLnBrk="0" hangingPunct="1">
         <a:lnSpc>
           <a:spcPct val="90000"/>
         </a:lnSpc>
         <a:spcBef>
-          <a:spcPts val="500"/>
+          <a:spcPts val="400"/>
         </a:spcBef>
-        <a:buFont typeface="Arial" panose="020B0604020202020204" pitchFamily="34" charset="0"/>
-        <a:buChar char="•"/>
-        <a:defRPr sz="1800" kern="1200">
+        <a:spcAft>
+          <a:spcPts val="200"/>
+        </a:spcAft>
+        <a:buClr>
+          <a:schemeClr val="accent1">
+            <a:lumMod val="75000"/>
+          </a:schemeClr>
+        </a:buClr>
+        <a:buSzPct val="85000"/>
+        <a:buFont typeface="Wingdings" pitchFamily="2" charset="2"/>
+        <a:buChar char="§"/>
+        <a:defRPr sz="1600" kern="1200">
           <a:solidFill>
             <a:schemeClr val="tx1"/>
           </a:solidFill>
@@ -3179,16 +4277,25 @@
           <a:cs typeface="+mn-cs"/>
         </a:defRPr>
       </a:lvl7pPr>
-      <a:lvl8pPr marL="3429000" indent="-228600" algn="l" defTabSz="914400" rtl="0" eaLnBrk="1" latinLnBrk="0" hangingPunct="1">
+      <a:lvl8pPr marL="2200000" indent="-228600" algn="l" defTabSz="914400" rtl="0" eaLnBrk="1" latinLnBrk="0" hangingPunct="1">
         <a:lnSpc>
           <a:spcPct val="90000"/>
         </a:lnSpc>
         <a:spcBef>
-          <a:spcPts val="500"/>
+          <a:spcPts val="400"/>
         </a:spcBef>
-        <a:buFont typeface="Arial" panose="020B0604020202020204" pitchFamily="34" charset="0"/>
-        <a:buChar char="•"/>
-        <a:defRPr sz="1800" kern="1200">
+        <a:spcAft>
+          <a:spcPts val="200"/>
+        </a:spcAft>
+        <a:buClr>
+          <a:schemeClr val="accent1">
+            <a:lumMod val="75000"/>
+          </a:schemeClr>
+        </a:buClr>
+        <a:buSzPct val="85000"/>
+        <a:buFont typeface="Wingdings" pitchFamily="2" charset="2"/>
+        <a:buChar char="§"/>
+        <a:defRPr sz="1600" kern="1200">
           <a:solidFill>
             <a:schemeClr val="tx1"/>
           </a:solidFill>
@@ -3197,16 +4304,25 @@
           <a:cs typeface="+mn-cs"/>
         </a:defRPr>
       </a:lvl8pPr>
-      <a:lvl9pPr marL="3886200" indent="-228600" algn="l" defTabSz="914400" rtl="0" eaLnBrk="1" latinLnBrk="0" hangingPunct="1">
+      <a:lvl9pPr marL="2500000" indent="-228600" algn="l" defTabSz="914400" rtl="0" eaLnBrk="1" latinLnBrk="0" hangingPunct="1">
         <a:lnSpc>
           <a:spcPct val="90000"/>
         </a:lnSpc>
         <a:spcBef>
-          <a:spcPts val="500"/>
+          <a:spcPts val="400"/>
         </a:spcBef>
-        <a:buFont typeface="Arial" panose="020B0604020202020204" pitchFamily="34" charset="0"/>
-        <a:buChar char="•"/>
-        <a:defRPr sz="1800" kern="1200">
+        <a:spcAft>
+          <a:spcPts val="200"/>
+        </a:spcAft>
+        <a:buClr>
+          <a:schemeClr val="accent1">
+            <a:lumMod val="75000"/>
+          </a:schemeClr>
+        </a:buClr>
+        <a:buSzPct val="85000"/>
+        <a:buFont typeface="Wingdings" pitchFamily="2" charset="2"/>
+        <a:buChar char="§"/>
+        <a:defRPr sz="1600" kern="1200">
           <a:solidFill>
             <a:schemeClr val="tx1"/>
           </a:solidFill>
@@ -3376,6 +4492,14 @@
 <file path=ppt/slides/slide10.xml><?xml version="1.0" encoding="utf-8"?>
 <p:sld xmlns:a="http://schemas.openxmlformats.org/drawingml/2006/main" xmlns:r="http://schemas.openxmlformats.org/officeDocument/2006/relationships" xmlns:p="http://schemas.openxmlformats.org/presentationml/2006/main">
   <p:cSld>
+    <p:bg>
+      <p:bgPr>
+        <a:solidFill>
+          <a:schemeClr val="bg1"/>
+        </a:solidFill>
+        <a:effectLst/>
+      </p:bgPr>
+    </p:bg>
     <p:spTree>
       <p:nvGrpSpPr>
         <p:cNvPr id="1" name=""/>
@@ -3395,7 +4519,7 @@
           <p:cNvPr id="2" name="Title 1">
             <a:extLst>
               <a:ext uri="{FF2B5EF4-FFF2-40B4-BE49-F238E27FC236}">
-                <a16:creationId xmlns:a16="http://schemas.microsoft.com/office/drawing/2014/main" id="{287F21E3-9A85-245E-FA78-9DD3F67FFD69}"/>
+                <a16:creationId xmlns:a16="http://schemas.microsoft.com/office/drawing/2014/main" id="{E3B5B800-4FB6-A097-BEBB-A0B65F0C85CA}"/>
               </a:ext>
             </a:extLst>
           </p:cNvPr>
@@ -3408,12 +4532,14 @@
         </p:nvSpPr>
         <p:spPr/>
         <p:txBody>
-          <a:bodyPr/>
+          <a:bodyPr>
+            <a:normAutofit/>
+          </a:bodyPr>
           <a:lstStyle/>
           <a:p>
             <a:r>
               <a:rPr lang="en-US" dirty="0"/>
-              <a:t>result</a:t>
+              <a:t>speedup Analysis</a:t>
             </a:r>
           </a:p>
         </p:txBody>
@@ -3423,7 +4549,7 @@
           <p:cNvPr id="3" name="Content Placeholder 2">
             <a:extLst>
               <a:ext uri="{FF2B5EF4-FFF2-40B4-BE49-F238E27FC236}">
-                <a16:creationId xmlns:a16="http://schemas.microsoft.com/office/drawing/2014/main" id="{AB4AA077-B35C-0BD4-226D-0602A7D50679}"/>
+                <a16:creationId xmlns:a16="http://schemas.microsoft.com/office/drawing/2014/main" id="{6CC03EA9-9B97-2EB8-9BB4-5578E2F1B618}"/>
               </a:ext>
             </a:extLst>
           </p:cNvPr>
@@ -3436,61 +4562,59 @@
         </p:nvSpPr>
         <p:spPr>
           <a:xfrm>
-            <a:off x="838200" y="1825625"/>
-            <a:ext cx="5257800" cy="4351338"/>
+            <a:off x="1069848" y="2320412"/>
+            <a:ext cx="10058400" cy="3851787"/>
           </a:xfrm>
         </p:spPr>
         <p:txBody>
-          <a:bodyPr/>
-          <a:lstStyle/>
-          <a:p>
-            <a:r>
-              <a:rPr lang="en-US" dirty="0"/>
-              <a:t>gather stage, the tile strategy achieved the highest speedup at lower concurrency levels, suggesting a more efficient reassembly process. Conversely, the row-slab strategy demonstrated a consistent decrease in speedup as concurrency levels rose, indicating potential data collection bottlenecks</a:t>
-            </a:r>
-          </a:p>
-        </p:txBody>
-      </p:sp>
-      <p:pic>
-        <p:nvPicPr>
-          <p:cNvPr id="5" name="Picture 4">
-            <a:extLst>
-              <a:ext uri="{FF2B5EF4-FFF2-40B4-BE49-F238E27FC236}">
-                <a16:creationId xmlns:a16="http://schemas.microsoft.com/office/drawing/2014/main" id="{D989B66B-2454-7EB2-2B0A-DC08CDF53861}"/>
-              </a:ext>
-            </a:extLst>
-          </p:cNvPr>
-          <p:cNvPicPr>
-            <a:picLocks noChangeAspect="1"/>
-          </p:cNvPicPr>
-          <p:nvPr/>
-        </p:nvPicPr>
-        <p:blipFill>
-          <a:blip r:embed="rId2">
-            <a:extLst>
-              <a:ext uri="{28A0092B-C50C-407E-A947-70E740481C1C}">
-                <a14:useLocalDpi xmlns:a14="http://schemas.microsoft.com/office/drawing/2010/main" val="0"/>
-              </a:ext>
-            </a:extLst>
-          </a:blip>
-          <a:stretch>
-            <a:fillRect/>
-          </a:stretch>
-        </p:blipFill>
-        <p:spPr>
-          <a:xfrm>
-            <a:off x="6058451" y="1128919"/>
-            <a:ext cx="6133549" cy="4600162"/>
-          </a:xfrm>
-          <a:prstGeom prst="rect">
-            <a:avLst/>
-          </a:prstGeom>
-        </p:spPr>
-      </p:pic>
+          <a:bodyPr>
+            <a:normAutofit/>
+          </a:bodyPr>
+          <a:lstStyle/>
+          <a:p>
+            <a:r>
+              <a:rPr lang="en-US" dirty="0">
+                <a:effectLst/>
+                <a:latin typeface="Helvetica" pitchFamily="2" charset="0"/>
+              </a:rPr>
+              <a:t>In scatter and gather stages, a decrease in speedup with increased concurrency levels was observed across all strategies. This pattern suggests that communication overhead becomes more significant at higher concurrency levels</a:t>
+            </a:r>
+          </a:p>
+          <a:p>
+            <a:endParaRPr lang="en-US" dirty="0">
+              <a:latin typeface="Helvetica" pitchFamily="2" charset="0"/>
+            </a:endParaRPr>
+          </a:p>
+          <a:p>
+            <a:r>
+              <a:rPr lang="en-US" dirty="0">
+                <a:effectLst/>
+                <a:latin typeface="Helvetica" pitchFamily="2" charset="0"/>
+              </a:rPr>
+              <a:t>In the process stage, the rise in speedup at higher concurrency levels across all strategies indicates effective parallel processing. Notably, the tiled strategy excelled at the highest concurrency, suggesting superior scalability and efficient utilization of parallel computation resources.</a:t>
+            </a:r>
+          </a:p>
+          <a:p>
+            <a:endParaRPr lang="en-US" dirty="0">
+              <a:effectLst/>
+              <a:latin typeface="Helvetica" pitchFamily="2" charset="0"/>
+            </a:endParaRPr>
+          </a:p>
+          <a:p>
+            <a:endParaRPr lang="en-US" dirty="0">
+              <a:effectLst/>
+              <a:latin typeface="Helvetica" pitchFamily="2" charset="0"/>
+            </a:endParaRPr>
+          </a:p>
+          <a:p>
+            <a:endParaRPr lang="en-US" dirty="0"/>
+          </a:p>
+        </p:txBody>
+      </p:sp>
     </p:spTree>
     <p:extLst>
       <p:ext uri="{BB962C8B-B14F-4D97-AF65-F5344CB8AC3E}">
-        <p14:creationId xmlns:p14="http://schemas.microsoft.com/office/powerpoint/2010/main" val="865741276"/>
+        <p14:creationId xmlns:p14="http://schemas.microsoft.com/office/powerpoint/2010/main" val="670627572"/>
       </p:ext>
     </p:extLst>
   </p:cSld>
@@ -3503,6 +4627,14 @@
 <file path=ppt/slides/slide11.xml><?xml version="1.0" encoding="utf-8"?>
 <p:sld xmlns:a="http://schemas.openxmlformats.org/drawingml/2006/main" xmlns:r="http://schemas.openxmlformats.org/officeDocument/2006/relationships" xmlns:p="http://schemas.openxmlformats.org/presentationml/2006/main">
   <p:cSld>
+    <p:bg>
+      <p:bgPr>
+        <a:solidFill>
+          <a:schemeClr val="bg1"/>
+        </a:solidFill>
+        <a:effectLst/>
+      </p:bgPr>
+    </p:bg>
     <p:spTree>
       <p:nvGrpSpPr>
         <p:cNvPr id="1" name=""/>
@@ -3522,7 +4654,7 @@
           <p:cNvPr id="2" name="Title 1">
             <a:extLst>
               <a:ext uri="{FF2B5EF4-FFF2-40B4-BE49-F238E27FC236}">
-                <a16:creationId xmlns:a16="http://schemas.microsoft.com/office/drawing/2014/main" id="{FE513937-D081-97A3-110B-FCB5C818384B}"/>
+                <a16:creationId xmlns:a16="http://schemas.microsoft.com/office/drawing/2014/main" id="{004C9C34-0FFC-5B8B-A103-F32C32906AFA}"/>
               </a:ext>
             </a:extLst>
           </p:cNvPr>
@@ -3533,15 +4665,29 @@
             <p:ph type="title"/>
           </p:nvPr>
         </p:nvSpPr>
-        <p:spPr/>
-        <p:txBody>
-          <a:bodyPr/>
-          <a:lstStyle/>
-          <a:p>
-            <a:r>
-              <a:rPr lang="en-US" dirty="0"/>
+        <p:spPr>
+          <a:xfrm>
+            <a:off x="6400800" y="484632"/>
+            <a:ext cx="5299586" cy="1609344"/>
+          </a:xfrm>
+          <a:ln>
+            <a:noFill/>
+          </a:ln>
+        </p:spPr>
+        <p:txBody>
+          <a:bodyPr>
+            <a:normAutofit/>
+          </a:bodyPr>
+          <a:lstStyle/>
+          <a:p>
+            <a:r>
+              <a:rPr lang="en-US" sz="4000" b="0" i="0">
+                <a:effectLst/>
+                <a:latin typeface="Arial" panose="020B0604020202020204" pitchFamily="34" charset="0"/>
+              </a:rPr>
               <a:t>Result</a:t>
             </a:r>
+            <a:endParaRPr lang="en-US" sz="4000"/>
           </a:p>
         </p:txBody>
       </p:sp>
@@ -3550,7 +4696,7 @@
           <p:cNvPr id="3" name="Content Placeholder 2">
             <a:extLst>
               <a:ext uri="{FF2B5EF4-FFF2-40B4-BE49-F238E27FC236}">
-                <a16:creationId xmlns:a16="http://schemas.microsoft.com/office/drawing/2014/main" id="{C9145683-8959-043B-43DB-094730DF939D}"/>
+                <a16:creationId xmlns:a16="http://schemas.microsoft.com/office/drawing/2014/main" id="{404D3489-7760-D32F-ABD0-D322F885B559}"/>
               </a:ext>
             </a:extLst>
           </p:cNvPr>
@@ -3563,35 +4709,58 @@
         </p:nvSpPr>
         <p:spPr>
           <a:xfrm>
-            <a:off x="838200" y="1825625"/>
-            <a:ext cx="5257800" cy="4351338"/>
+            <a:off x="6400799" y="2121408"/>
+            <a:ext cx="5299585" cy="4050792"/>
           </a:xfrm>
         </p:spPr>
         <p:txBody>
           <a:bodyPr>
-            <a:normAutofit lnSpcReduction="10000"/>
+            <a:normAutofit/>
           </a:bodyPr>
           <a:lstStyle/>
           <a:p>
             <a:r>
-              <a:rPr lang="en-US" dirty="0"/>
-              <a:t>Process speed up</a:t>
-            </a:r>
-          </a:p>
-          <a:p>
-            <a:r>
-              <a:rPr lang="en-US" dirty="0"/>
-              <a:t>The process stage revealed a marked improvement in speedup for all strategies with increasing concurrency levels, particularly noticeable for the tile strategy at the highest concurrency level of 81. Row-slab and column-slab strategies displayed similar performance until a concurrency level of 64, after which the tile strategy's speedup surged ahead</a:t>
-            </a:r>
+              <a:rPr lang="en-US" sz="1800">
+                <a:latin typeface="Arial" panose="020B0604020202020204" pitchFamily="34" charset="0"/>
+              </a:rPr>
+              <a:t>C</a:t>
+            </a:r>
+            <a:r>
+              <a:rPr lang="en-US" sz="1800" b="0" i="0">
+                <a:effectLst/>
+                <a:latin typeface="Arial" panose="020B0604020202020204" pitchFamily="34" charset="0"/>
+              </a:rPr>
+              <a:t>ommunication efficiency</a:t>
+            </a:r>
+          </a:p>
+          <a:p>
+            <a:r>
+              <a:rPr lang="en-US" sz="1800" b="0" i="0">
+                <a:effectLst/>
+                <a:latin typeface="Arial" panose="020B0604020202020204" pitchFamily="34" charset="0"/>
+              </a:rPr>
+              <a:t>As concurrency grows, so does the communication load, regardless of the decomposition method. This increase</a:t>
+            </a:r>
+            <a:br>
+              <a:rPr lang="en-US" sz="1800"/>
+            </a:br>
+            <a:r>
+              <a:rPr lang="en-US" sz="1800" b="0" i="0">
+                <a:effectLst/>
+                <a:latin typeface="Arial" panose="020B0604020202020204" pitchFamily="34" charset="0"/>
+              </a:rPr>
+              <a:t>is linear for message counts and data volume.</a:t>
+            </a:r>
+            <a:endParaRPr lang="en-US" sz="1800"/>
           </a:p>
         </p:txBody>
       </p:sp>
       <p:pic>
         <p:nvPicPr>
-          <p:cNvPr id="7" name="Picture 6">
+          <p:cNvPr id="5" name="Picture 4">
             <a:extLst>
               <a:ext uri="{FF2B5EF4-FFF2-40B4-BE49-F238E27FC236}">
-                <a16:creationId xmlns:a16="http://schemas.microsoft.com/office/drawing/2014/main" id="{A5F5587B-8337-573F-4FCB-0610213FDC82}"/>
+                <a16:creationId xmlns:a16="http://schemas.microsoft.com/office/drawing/2014/main" id="{D973993E-1CF7-8092-5EEF-9AD97A993F5F}"/>
               </a:ext>
             </a:extLst>
           </p:cNvPr>
@@ -3601,21 +4770,15 @@
           <p:nvPr/>
         </p:nvPicPr>
         <p:blipFill>
-          <a:blip r:embed="rId2">
-            <a:extLst>
-              <a:ext uri="{28A0092B-C50C-407E-A947-70E740481C1C}">
-                <a14:useLocalDpi xmlns:a14="http://schemas.microsoft.com/office/drawing/2010/main" val="0"/>
-              </a:ext>
-            </a:extLst>
-          </a:blip>
+          <a:blip r:embed="rId2"/>
           <a:stretch>
             <a:fillRect/>
           </a:stretch>
         </p:blipFill>
         <p:spPr>
           <a:xfrm>
-            <a:off x="6096000" y="1027906"/>
-            <a:ext cx="5852172" cy="4389129"/>
+            <a:off x="633999" y="2065795"/>
+            <a:ext cx="5112461" cy="2736670"/>
           </a:xfrm>
           <a:prstGeom prst="rect">
             <a:avLst/>
@@ -3625,7 +4788,7 @@
     </p:spTree>
     <p:extLst>
       <p:ext uri="{BB962C8B-B14F-4D97-AF65-F5344CB8AC3E}">
-        <p14:creationId xmlns:p14="http://schemas.microsoft.com/office/powerpoint/2010/main" val="4227530474"/>
+        <p14:creationId xmlns:p14="http://schemas.microsoft.com/office/powerpoint/2010/main" val="4099254790"/>
       </p:ext>
     </p:extLst>
   </p:cSld>
@@ -3657,7 +4820,7 @@
           <p:cNvPr id="2" name="Title 1">
             <a:extLst>
               <a:ext uri="{FF2B5EF4-FFF2-40B4-BE49-F238E27FC236}">
-                <a16:creationId xmlns:a16="http://schemas.microsoft.com/office/drawing/2014/main" id="{004C9C34-0FFC-5B8B-A103-F32C32906AFA}"/>
+                <a16:creationId xmlns:a16="http://schemas.microsoft.com/office/drawing/2014/main" id="{04680B15-F3F4-8DDD-DAA9-0AE5F1EF5F85}"/>
               </a:ext>
             </a:extLst>
           </p:cNvPr>
@@ -3674,13 +4837,9 @@
           <a:lstStyle/>
           <a:p>
             <a:r>
-              <a:rPr lang="en-US" b="0" i="0" dirty="0">
-                <a:effectLst/>
-                <a:latin typeface="Arial" panose="020B0604020202020204" pitchFamily="34" charset="0"/>
-              </a:rPr>
-              <a:t>Result</a:t>
-            </a:r>
-            <a:endParaRPr lang="en-US" dirty="0"/>
+              <a:rPr lang="en-US" dirty="0"/>
+              <a:t>Communication analysis</a:t>
+            </a:r>
           </a:p>
         </p:txBody>
       </p:sp>
@@ -3689,7 +4848,7 @@
           <p:cNvPr id="3" name="Content Placeholder 2">
             <a:extLst>
               <a:ext uri="{FF2B5EF4-FFF2-40B4-BE49-F238E27FC236}">
-                <a16:creationId xmlns:a16="http://schemas.microsoft.com/office/drawing/2014/main" id="{404D3489-7760-D32F-ABD0-D322F885B559}"/>
+                <a16:creationId xmlns:a16="http://schemas.microsoft.com/office/drawing/2014/main" id="{8338EEFA-6B15-2251-0334-888818AED848}"/>
               </a:ext>
             </a:extLst>
           </p:cNvPr>
@@ -3700,88 +4859,55 @@
             <p:ph idx="1"/>
           </p:nvPr>
         </p:nvSpPr>
-        <p:spPr>
-          <a:xfrm>
-            <a:off x="838200" y="1825625"/>
-            <a:ext cx="5750459" cy="4351338"/>
-          </a:xfrm>
-        </p:spPr>
-        <p:txBody>
-          <a:bodyPr>
-            <a:normAutofit/>
-          </a:bodyPr>
+        <p:spPr/>
+        <p:txBody>
+          <a:bodyPr/>
           <a:lstStyle/>
           <a:p>
             <a:r>
               <a:rPr lang="en-US" dirty="0">
-                <a:latin typeface="Arial" panose="020B0604020202020204" pitchFamily="34" charset="0"/>
+                <a:effectLst/>
+                <a:latin typeface="Helvetica" pitchFamily="2" charset="0"/>
               </a:rPr>
-              <a:t>C</a:t>
-            </a:r>
-            <a:r>
-              <a:rPr lang="en-US" b="0" i="0" dirty="0">
+              <a:t>As concurrency grows, so does the communication load, regardless of the decomposition method. This increase is linear for message counts and less so for data volume, hinting at the fixed size of the dataset being processed.</a:t>
+            </a:r>
+          </a:p>
+          <a:p>
+            <a:endParaRPr lang="en-US" dirty="0">
+              <a:latin typeface="Helvetica" pitchFamily="2" charset="0"/>
+            </a:endParaRPr>
+          </a:p>
+          <a:p>
+            <a:r>
+              <a:rPr lang="en-US" dirty="0">
                 <a:effectLst/>
-                <a:latin typeface="Arial" panose="020B0604020202020204" pitchFamily="34" charset="0"/>
+                <a:latin typeface="Helvetica" pitchFamily="2" charset="0"/>
               </a:rPr>
-              <a:t>ommunication efficiency</a:t>
-            </a:r>
-          </a:p>
-          <a:p>
-            <a:r>
-              <a:rPr lang="en-US" b="0" i="0" dirty="0">
+              <a:t>However, when we consider how this overhead affect the scatter, process, and gather phases of execution, we anticipate that the increased messaging and data movement lead to longer runtimes for the scatter and gather phases. However, the processing phase </a:t>
+            </a:r>
+            <a:r>
+              <a:rPr lang="en-US" dirty="0">
+                <a:latin typeface="Helvetica" pitchFamily="2" charset="0"/>
+              </a:rPr>
+              <a:t>gain the </a:t>
+            </a:r>
+            <a:r>
+              <a:rPr lang="en-US" dirty="0">
                 <a:effectLst/>
-                <a:latin typeface="Arial" panose="020B0604020202020204" pitchFamily="34" charset="0"/>
+                <a:latin typeface="Helvetica" pitchFamily="2" charset="0"/>
               </a:rPr>
-              <a:t>As concurrency grows, so does the communication load, regardless of the decomposition method. This increase</a:t>
-            </a:r>
-            <a:br>
-              <a:rPr lang="en-US" dirty="0"/>
-            </a:br>
-            <a:r>
-              <a:rPr lang="en-US" b="0" i="0" dirty="0">
-                <a:effectLst/>
-                <a:latin typeface="Arial" panose="020B0604020202020204" pitchFamily="34" charset="0"/>
-              </a:rPr>
-              <a:t>is linear for message counts and data volume.</a:t>
-            </a:r>
+              <a:t>increasing in runtime thanks to the benefits of parallel processing.</a:t>
+            </a:r>
+          </a:p>
+          <a:p>
             <a:endParaRPr lang="en-US" dirty="0"/>
           </a:p>
         </p:txBody>
       </p:sp>
-      <p:pic>
-        <p:nvPicPr>
-          <p:cNvPr id="5" name="Picture 4">
-            <a:extLst>
-              <a:ext uri="{FF2B5EF4-FFF2-40B4-BE49-F238E27FC236}">
-                <a16:creationId xmlns:a16="http://schemas.microsoft.com/office/drawing/2014/main" id="{D973993E-1CF7-8092-5EEF-9AD97A993F5F}"/>
-              </a:ext>
-            </a:extLst>
-          </p:cNvPr>
-          <p:cNvPicPr>
-            <a:picLocks noChangeAspect="1"/>
-          </p:cNvPicPr>
-          <p:nvPr/>
-        </p:nvPicPr>
-        <p:blipFill>
-          <a:blip r:embed="rId2"/>
-          <a:stretch>
-            <a:fillRect/>
-          </a:stretch>
-        </p:blipFill>
-        <p:spPr>
-          <a:xfrm>
-            <a:off x="6588659" y="1825625"/>
-            <a:ext cx="5078019" cy="2718234"/>
-          </a:xfrm>
-          <a:prstGeom prst="rect">
-            <a:avLst/>
-          </a:prstGeom>
-        </p:spPr>
-      </p:pic>
     </p:spTree>
     <p:extLst>
       <p:ext uri="{BB962C8B-B14F-4D97-AF65-F5344CB8AC3E}">
-        <p14:creationId xmlns:p14="http://schemas.microsoft.com/office/powerpoint/2010/main" val="4099254790"/>
+        <p14:creationId xmlns:p14="http://schemas.microsoft.com/office/powerpoint/2010/main" val="3589287051"/>
       </p:ext>
     </p:extLst>
   </p:cSld>
@@ -3948,6 +5074,14 @@
 <file path=ppt/slides/slide3.xml><?xml version="1.0" encoding="utf-8"?>
 <p:sld xmlns:a="http://schemas.openxmlformats.org/drawingml/2006/main" xmlns:r="http://schemas.openxmlformats.org/officeDocument/2006/relationships" xmlns:p="http://schemas.openxmlformats.org/presentationml/2006/main">
   <p:cSld>
+    <p:bg>
+      <p:bgPr>
+        <a:solidFill>
+          <a:schemeClr val="bg1"/>
+        </a:solidFill>
+        <a:effectLst/>
+      </p:bgPr>
+    </p:bg>
     <p:spTree>
       <p:nvGrpSpPr>
         <p:cNvPr id="1" name=""/>
@@ -3967,7 +5101,7 @@
           <p:cNvPr id="2" name="Title 1">
             <a:extLst>
               <a:ext uri="{FF2B5EF4-FFF2-40B4-BE49-F238E27FC236}">
-                <a16:creationId xmlns:a16="http://schemas.microsoft.com/office/drawing/2014/main" id="{58F4F292-508D-A3CA-235B-4BEFD0CE0B64}"/>
+                <a16:creationId xmlns:a16="http://schemas.microsoft.com/office/drawing/2014/main" id="{1A883AC6-5888-3BAB-1EB1-2E60BF4F3892}"/>
               </a:ext>
             </a:extLst>
           </p:cNvPr>
@@ -3980,22 +5114,24 @@
         </p:nvSpPr>
         <p:spPr/>
         <p:txBody>
-          <a:bodyPr/>
+          <a:bodyPr>
+            <a:normAutofit/>
+          </a:bodyPr>
           <a:lstStyle/>
           <a:p>
             <a:r>
               <a:rPr lang="en-US" dirty="0"/>
-              <a:t>Objective</a:t>
-            </a:r>
-          </a:p>
-        </p:txBody>
-      </p:sp>
-      <p:sp>
-        <p:nvSpPr>
-          <p:cNvPr id="3" name="Content Placeholder 2">
+              <a:t>Code harness</a:t>
+            </a:r>
+          </a:p>
+        </p:txBody>
+      </p:sp>
+      <p:sp>
+        <p:nvSpPr>
+          <p:cNvPr id="11" name="Content Placeholder 2">
             <a:extLst>
               <a:ext uri="{FF2B5EF4-FFF2-40B4-BE49-F238E27FC236}">
-                <a16:creationId xmlns:a16="http://schemas.microsoft.com/office/drawing/2014/main" id="{0740D32A-753D-E29A-91FC-84EB1ED969C8}"/>
+                <a16:creationId xmlns:a16="http://schemas.microsoft.com/office/drawing/2014/main" id="{A1890CCB-E527-A74B-AD2A-DB24CF0D9078}"/>
               </a:ext>
             </a:extLst>
           </p:cNvPr>
@@ -4006,38 +5142,73 @@
             <p:ph idx="1"/>
           </p:nvPr>
         </p:nvSpPr>
-        <p:spPr/>
-        <p:txBody>
-          <a:bodyPr/>
-          <a:lstStyle/>
-          <a:p>
-            <a:r>
-              <a:rPr lang="en-US" dirty="0"/>
-              <a:t>analyze and compare the performance of an MPI-based Sobel filter application using different grid decomposition strategies</a:t>
-            </a:r>
-          </a:p>
-          <a:p>
-            <a:endParaRPr lang="en-US" dirty="0"/>
-          </a:p>
-          <a:p>
-            <a:r>
-              <a:rPr lang="en-US" b="0" i="0" dirty="0">
-                <a:solidFill>
-                  <a:srgbClr val="0F0F0F"/>
-                </a:solidFill>
+        <p:spPr>
+          <a:xfrm>
+            <a:off x="1069848" y="2320412"/>
+            <a:ext cx="10058400" cy="3851787"/>
+          </a:xfrm>
+        </p:spPr>
+        <p:txBody>
+          <a:bodyPr>
+            <a:normAutofit/>
+          </a:bodyPr>
+          <a:lstStyle/>
+          <a:p>
+            <a:r>
+              <a:rPr lang="en-US" err="1"/>
+              <a:t>sobelAllTiles</a:t>
+            </a:r>
+            <a:endParaRPr lang="en-US"/>
+          </a:p>
+          <a:p>
+            <a:pPr lvl="1"/>
+            <a:r>
+              <a:rPr lang="en-US" b="0" i="0">
                 <a:effectLst/>
                 <a:latin typeface="Söhne"/>
               </a:rPr>
-              <a:t>The expected outcome is to gain insights into optimizing MPI-based applications for better performance and scalability</a:t>
-            </a:r>
-            <a:endParaRPr lang="en-US" dirty="0"/>
+              <a:t>This function designed to integrate the Sobel edge detection algorithm into a parallel computing framework using MPI. It ensures that each MPI process works on a specific part of the image, thereby leveraging the power of distributed computing to efficiently process large images.</a:t>
+            </a:r>
+          </a:p>
+          <a:p>
+            <a:r>
+              <a:rPr lang="en-US" err="1">
+                <a:latin typeface="Söhne"/>
+              </a:rPr>
+              <a:t>scatterAllTiles</a:t>
+            </a:r>
+            <a:endParaRPr lang="en-US">
+              <a:latin typeface="Söhne"/>
+            </a:endParaRPr>
+          </a:p>
+          <a:p>
+            <a:pPr lvl="1"/>
+            <a:r>
+              <a:rPr lang="en-US">
+                <a:latin typeface="Söhne"/>
+              </a:rPr>
+              <a:t>This function is </a:t>
+            </a:r>
+            <a:r>
+              <a:rPr lang="en-US" b="0" i="0">
+                <a:effectLst/>
+                <a:latin typeface="Söhne"/>
+              </a:rPr>
+              <a:t>instrumental in distributing segments of an image (tiles) across different MPI ranks for parallel processing. If rank = 0 it going to send the data to another rank, otherwise </a:t>
+            </a:r>
+            <a:r>
+              <a:rPr lang="en-US">
+                <a:latin typeface="Söhne"/>
+              </a:rPr>
+              <a:t>it going to receive the tile from rank 0</a:t>
+            </a:r>
           </a:p>
         </p:txBody>
       </p:sp>
     </p:spTree>
     <p:extLst>
       <p:ext uri="{BB962C8B-B14F-4D97-AF65-F5344CB8AC3E}">
-        <p14:creationId xmlns:p14="http://schemas.microsoft.com/office/powerpoint/2010/main" val="4013506776"/>
+        <p14:creationId xmlns:p14="http://schemas.microsoft.com/office/powerpoint/2010/main" val="1967338162"/>
       </p:ext>
     </p:extLst>
   </p:cSld>
@@ -4050,6 +5221,14 @@
 <file path=ppt/slides/slide4.xml><?xml version="1.0" encoding="utf-8"?>
 <p:sld xmlns:a="http://schemas.openxmlformats.org/drawingml/2006/main" xmlns:r="http://schemas.openxmlformats.org/officeDocument/2006/relationships" xmlns:p="http://schemas.openxmlformats.org/presentationml/2006/main">
   <p:cSld>
+    <p:bg>
+      <p:bgPr>
+        <a:solidFill>
+          <a:schemeClr val="bg1"/>
+        </a:solidFill>
+        <a:effectLst/>
+      </p:bgPr>
+    </p:bg>
     <p:spTree>
       <p:nvGrpSpPr>
         <p:cNvPr id="1" name=""/>
@@ -4069,7 +5248,7 @@
           <p:cNvPr id="2" name="Title 1">
             <a:extLst>
               <a:ext uri="{FF2B5EF4-FFF2-40B4-BE49-F238E27FC236}">
-                <a16:creationId xmlns:a16="http://schemas.microsoft.com/office/drawing/2014/main" id="{5202B00D-A709-26DB-6D37-C95AE0972421}"/>
+                <a16:creationId xmlns:a16="http://schemas.microsoft.com/office/drawing/2014/main" id="{1B5722DE-09B3-DD37-DC9A-625DB5DC9807}"/>
               </a:ext>
             </a:extLst>
           </p:cNvPr>
@@ -4082,12 +5261,14 @@
         </p:nvSpPr>
         <p:spPr/>
         <p:txBody>
-          <a:bodyPr/>
+          <a:bodyPr>
+            <a:normAutofit/>
+          </a:bodyPr>
           <a:lstStyle/>
           <a:p>
             <a:r>
               <a:rPr lang="en-US" dirty="0"/>
-              <a:t>Methodology</a:t>
+              <a:t>Code harness</a:t>
             </a:r>
           </a:p>
         </p:txBody>
@@ -4097,7 +5278,7 @@
           <p:cNvPr id="3" name="Content Placeholder 2">
             <a:extLst>
               <a:ext uri="{FF2B5EF4-FFF2-40B4-BE49-F238E27FC236}">
-                <a16:creationId xmlns:a16="http://schemas.microsoft.com/office/drawing/2014/main" id="{CEF145EC-3827-B581-F9C1-B21E828D5E6E}"/>
+                <a16:creationId xmlns:a16="http://schemas.microsoft.com/office/drawing/2014/main" id="{7448E231-F1E6-802B-C45C-B8C3EE62B951}"/>
               </a:ext>
             </a:extLst>
           </p:cNvPr>
@@ -4108,93 +5289,37 @@
             <p:ph idx="1"/>
           </p:nvPr>
         </p:nvSpPr>
-        <p:spPr/>
+        <p:spPr>
+          <a:xfrm>
+            <a:off x="1069848" y="2320412"/>
+            <a:ext cx="10058400" cy="3851787"/>
+          </a:xfrm>
+        </p:spPr>
         <p:txBody>
           <a:bodyPr>
-            <a:normAutofit fontScale="92500" lnSpcReduction="20000"/>
+            <a:normAutofit/>
           </a:bodyPr>
           <a:lstStyle/>
           <a:p>
-            <a:pPr algn="l">
-              <a:buFont typeface="Arial" panose="020B0604020202020204" pitchFamily="34" charset="0"/>
-              <a:buChar char="•"/>
-            </a:pPr>
-            <a:r>
-              <a:rPr lang="en-US" b="1" i="0" dirty="0">
-                <a:effectLst/>
-                <a:latin typeface="Söhne"/>
-              </a:rPr>
-              <a:t>Experimental Setup</a:t>
+            <a:r>
+              <a:rPr lang="en-US" dirty="0" err="1"/>
+              <a:t>gatherAllTiles</a:t>
+            </a:r>
+            <a:endParaRPr lang="en-US" dirty="0"/>
+          </a:p>
+          <a:p>
+            <a:pPr lvl="1"/>
+            <a:r>
+              <a:rPr lang="en-US" dirty="0"/>
+              <a:t>This </a:t>
             </a:r>
             <a:r>
               <a:rPr lang="en-US" b="0" i="0" dirty="0">
                 <a:effectLst/>
                 <a:latin typeface="Söhne"/>
               </a:rPr>
-              <a:t>: Conducted on the Perlmutter system at NERSC using its CPU nodes and the Cray MPICH MPI environment for high-performance parallel computing.</a:t>
-            </a:r>
-          </a:p>
-          <a:p>
-            <a:pPr algn="l">
-              <a:buFont typeface="Arial" panose="020B0604020202020204" pitchFamily="34" charset="0"/>
-              <a:buChar char="•"/>
-            </a:pPr>
-            <a:r>
-              <a:rPr lang="en-US" b="1" i="0" dirty="0">
-                <a:effectLst/>
-                <a:latin typeface="Söhne"/>
-              </a:rPr>
-              <a:t>Sobel Filter Implementation</a:t>
-            </a:r>
-            <a:r>
-              <a:rPr lang="en-US" b="0" i="0" dirty="0">
-                <a:effectLst/>
-                <a:latin typeface="Söhne"/>
-              </a:rPr>
-              <a:t>: Parallelized using MPI, distributing image processing tasks across multiple compute nodes to implement the Sobel edge detection algorithm.</a:t>
-            </a:r>
-          </a:p>
-          <a:p>
-            <a:pPr algn="l">
-              <a:buFont typeface="Arial" panose="020B0604020202020204" pitchFamily="34" charset="0"/>
-              <a:buChar char="•"/>
-            </a:pPr>
-            <a:r>
-              <a:rPr lang="en-US" b="1" i="0" dirty="0">
-                <a:effectLst/>
-                <a:latin typeface="Söhne"/>
-              </a:rPr>
-              <a:t>Grid Decomposition Strategies</a:t>
-            </a:r>
-            <a:r>
-              <a:rPr lang="en-US" b="0" i="0" dirty="0">
-                <a:effectLst/>
-                <a:latin typeface="Söhne"/>
-              </a:rPr>
-              <a:t>: Evaluated performance impacts using three strategies: row-slab, column-slab, and tiled.</a:t>
-            </a:r>
-          </a:p>
-          <a:p>
-            <a:pPr algn="l">
-              <a:buFont typeface="Arial" panose="020B0604020202020204" pitchFamily="34" charset="0"/>
-              <a:buChar char="•"/>
-            </a:pPr>
-            <a:r>
-              <a:rPr lang="en-US" b="1" i="0" dirty="0">
-                <a:effectLst/>
-                <a:latin typeface="Söhne"/>
-              </a:rPr>
-              <a:t>Data Collection and Performance Metrics</a:t>
-            </a:r>
-            <a:r>
-              <a:rPr lang="en-US" b="0" i="0" dirty="0">
-                <a:effectLst/>
-                <a:latin typeface="Söhne"/>
-              </a:rPr>
-              <a:t>: Measured runtime for scatter, process, and gather stages. Collected data on the number of messages sent and total data moved. Analyzed metrics focused on runtime speedup, communication overhead, and data movement efficiency across different concurrency levels.</a:t>
-            </a:r>
-          </a:p>
-          <a:p>
+              <a:t>function in the plays a crucial role in aggregating processed image segments (tiles) from various MPI ranks. If rank is other than 0, it going to send the processed tile to rank 0. If the rank is 0, it going to receive processed data from other rank.</a:t>
+            </a:r>
             <a:endParaRPr lang="en-US" dirty="0"/>
           </a:p>
         </p:txBody>
@@ -4202,7 +5327,7 @@
     </p:spTree>
     <p:extLst>
       <p:ext uri="{BB962C8B-B14F-4D97-AF65-F5344CB8AC3E}">
-        <p14:creationId xmlns:p14="http://schemas.microsoft.com/office/powerpoint/2010/main" val="730315464"/>
+        <p14:creationId xmlns:p14="http://schemas.microsoft.com/office/powerpoint/2010/main" val="2768908313"/>
       </p:ext>
     </p:extLst>
   </p:cSld>
@@ -4215,6 +5340,14 @@
 <file path=ppt/slides/slide5.xml><?xml version="1.0" encoding="utf-8"?>
 <p:sld xmlns:a="http://schemas.openxmlformats.org/drawingml/2006/main" xmlns:r="http://schemas.openxmlformats.org/officeDocument/2006/relationships" xmlns:p="http://schemas.openxmlformats.org/presentationml/2006/main">
   <p:cSld>
+    <p:bg>
+      <p:bgPr>
+        <a:solidFill>
+          <a:schemeClr val="bg1"/>
+        </a:solidFill>
+        <a:effectLst/>
+      </p:bgPr>
+    </p:bg>
     <p:spTree>
       <p:nvGrpSpPr>
         <p:cNvPr id="1" name=""/>
@@ -4234,259 +5367,6 @@
           <p:cNvPr id="2" name="Title 1">
             <a:extLst>
               <a:ext uri="{FF2B5EF4-FFF2-40B4-BE49-F238E27FC236}">
-                <a16:creationId xmlns:a16="http://schemas.microsoft.com/office/drawing/2014/main" id="{1A883AC6-5888-3BAB-1EB1-2E60BF4F3892}"/>
-              </a:ext>
-            </a:extLst>
-          </p:cNvPr>
-          <p:cNvSpPr>
-            <a:spLocks noGrp="1"/>
-          </p:cNvSpPr>
-          <p:nvPr>
-            <p:ph type="title"/>
-          </p:nvPr>
-        </p:nvSpPr>
-        <p:spPr/>
-        <p:txBody>
-          <a:bodyPr/>
-          <a:lstStyle/>
-          <a:p>
-            <a:r>
-              <a:rPr lang="en-US" dirty="0"/>
-              <a:t>Code harness</a:t>
-            </a:r>
-          </a:p>
-        </p:txBody>
-      </p:sp>
-      <p:sp>
-        <p:nvSpPr>
-          <p:cNvPr id="3" name="Content Placeholder 2">
-            <a:extLst>
-              <a:ext uri="{FF2B5EF4-FFF2-40B4-BE49-F238E27FC236}">
-                <a16:creationId xmlns:a16="http://schemas.microsoft.com/office/drawing/2014/main" id="{A1890CCB-E527-A74B-AD2A-DB24CF0D9078}"/>
-              </a:ext>
-            </a:extLst>
-          </p:cNvPr>
-          <p:cNvSpPr>
-            <a:spLocks noGrp="1"/>
-          </p:cNvSpPr>
-          <p:nvPr>
-            <p:ph idx="1"/>
-          </p:nvPr>
-        </p:nvSpPr>
-        <p:spPr/>
-        <p:txBody>
-          <a:bodyPr/>
-          <a:lstStyle/>
-          <a:p>
-            <a:r>
-              <a:rPr lang="en-US" dirty="0" err="1"/>
-              <a:t>sobelAllTiles</a:t>
-            </a:r>
-            <a:endParaRPr lang="en-US" dirty="0"/>
-          </a:p>
-          <a:p>
-            <a:pPr lvl="1"/>
-            <a:r>
-              <a:rPr lang="en-US" b="0" i="0" dirty="0">
-                <a:solidFill>
-                  <a:srgbClr val="0F0F0F"/>
-                </a:solidFill>
-                <a:effectLst/>
-                <a:latin typeface="Söhne"/>
-              </a:rPr>
-              <a:t>This function designed to integrate the Sobel edge detection algorithm into a parallel computing framework using MPI. It ensures that each MPI process works on a specific part of the image, thereby leveraging the power of distributed computing to efficiently process large images.</a:t>
-            </a:r>
-          </a:p>
-          <a:p>
-            <a:r>
-              <a:rPr lang="en-US" dirty="0" err="1">
-                <a:solidFill>
-                  <a:srgbClr val="0F0F0F"/>
-                </a:solidFill>
-                <a:latin typeface="Söhne"/>
-              </a:rPr>
-              <a:t>scatterAllTiles</a:t>
-            </a:r>
-            <a:endParaRPr lang="en-US" dirty="0">
-              <a:solidFill>
-                <a:srgbClr val="0F0F0F"/>
-              </a:solidFill>
-              <a:latin typeface="Söhne"/>
-            </a:endParaRPr>
-          </a:p>
-          <a:p>
-            <a:pPr lvl="1"/>
-            <a:r>
-              <a:rPr lang="en-US" dirty="0">
-                <a:solidFill>
-                  <a:srgbClr val="0F0F0F"/>
-                </a:solidFill>
-                <a:latin typeface="Söhne"/>
-              </a:rPr>
-              <a:t>This function is </a:t>
-            </a:r>
-            <a:r>
-              <a:rPr lang="en-US" b="0" i="0" dirty="0">
-                <a:solidFill>
-                  <a:srgbClr val="0F0F0F"/>
-                </a:solidFill>
-                <a:effectLst/>
-                <a:latin typeface="Söhne"/>
-              </a:rPr>
-              <a:t>instrumental in distributing segments of an image (tiles) across different MPI ranks for parallel processing. If rank = 0 it going to send the data to another rank, otherwise </a:t>
-            </a:r>
-            <a:r>
-              <a:rPr lang="en-US" dirty="0">
-                <a:solidFill>
-                  <a:srgbClr val="0F0F0F"/>
-                </a:solidFill>
-                <a:latin typeface="Söhne"/>
-              </a:rPr>
-              <a:t>it going to receive the tile from rank 0</a:t>
-            </a:r>
-          </a:p>
-        </p:txBody>
-      </p:sp>
-    </p:spTree>
-    <p:extLst>
-      <p:ext uri="{BB962C8B-B14F-4D97-AF65-F5344CB8AC3E}">
-        <p14:creationId xmlns:p14="http://schemas.microsoft.com/office/powerpoint/2010/main" val="1967338162"/>
-      </p:ext>
-    </p:extLst>
-  </p:cSld>
-  <p:clrMapOvr>
-    <a:masterClrMapping/>
-  </p:clrMapOvr>
-</p:sld>
-</file>
-
-<file path=ppt/slides/slide6.xml><?xml version="1.0" encoding="utf-8"?>
-<p:sld xmlns:a="http://schemas.openxmlformats.org/drawingml/2006/main" xmlns:r="http://schemas.openxmlformats.org/officeDocument/2006/relationships" xmlns:p="http://schemas.openxmlformats.org/presentationml/2006/main">
-  <p:cSld>
-    <p:spTree>
-      <p:nvGrpSpPr>
-        <p:cNvPr id="1" name=""/>
-        <p:cNvGrpSpPr/>
-        <p:nvPr/>
-      </p:nvGrpSpPr>
-      <p:grpSpPr>
-        <a:xfrm>
-          <a:off x="0" y="0"/>
-          <a:ext cx="0" cy="0"/>
-          <a:chOff x="0" y="0"/>
-          <a:chExt cx="0" cy="0"/>
-        </a:xfrm>
-      </p:grpSpPr>
-      <p:sp>
-        <p:nvSpPr>
-          <p:cNvPr id="2" name="Title 1">
-            <a:extLst>
-              <a:ext uri="{FF2B5EF4-FFF2-40B4-BE49-F238E27FC236}">
-                <a16:creationId xmlns:a16="http://schemas.microsoft.com/office/drawing/2014/main" id="{1B5722DE-09B3-DD37-DC9A-625DB5DC9807}"/>
-              </a:ext>
-            </a:extLst>
-          </p:cNvPr>
-          <p:cNvSpPr>
-            <a:spLocks noGrp="1"/>
-          </p:cNvSpPr>
-          <p:nvPr>
-            <p:ph type="title"/>
-          </p:nvPr>
-        </p:nvSpPr>
-        <p:spPr/>
-        <p:txBody>
-          <a:bodyPr/>
-          <a:lstStyle/>
-          <a:p>
-            <a:r>
-              <a:rPr lang="en-US" dirty="0"/>
-              <a:t>Code harness</a:t>
-            </a:r>
-          </a:p>
-        </p:txBody>
-      </p:sp>
-      <p:sp>
-        <p:nvSpPr>
-          <p:cNvPr id="3" name="Content Placeholder 2">
-            <a:extLst>
-              <a:ext uri="{FF2B5EF4-FFF2-40B4-BE49-F238E27FC236}">
-                <a16:creationId xmlns:a16="http://schemas.microsoft.com/office/drawing/2014/main" id="{7448E231-F1E6-802B-C45C-B8C3EE62B951}"/>
-              </a:ext>
-            </a:extLst>
-          </p:cNvPr>
-          <p:cNvSpPr>
-            <a:spLocks noGrp="1"/>
-          </p:cNvSpPr>
-          <p:nvPr>
-            <p:ph idx="1"/>
-          </p:nvPr>
-        </p:nvSpPr>
-        <p:spPr/>
-        <p:txBody>
-          <a:bodyPr/>
-          <a:lstStyle/>
-          <a:p>
-            <a:r>
-              <a:rPr lang="en-US" dirty="0" err="1"/>
-              <a:t>gatherAllTiles</a:t>
-            </a:r>
-            <a:endParaRPr lang="en-US" dirty="0"/>
-          </a:p>
-          <a:p>
-            <a:pPr lvl="1"/>
-            <a:r>
-              <a:rPr lang="en-US" dirty="0"/>
-              <a:t>This </a:t>
-            </a:r>
-            <a:r>
-              <a:rPr lang="en-US" b="0" i="0" dirty="0">
-                <a:solidFill>
-                  <a:srgbClr val="0F0F0F"/>
-                </a:solidFill>
-                <a:effectLst/>
-                <a:latin typeface="Söhne"/>
-              </a:rPr>
-              <a:t>function in the plays a crucial role in aggregating processed image segments (tiles) from various MPI ranks. If rank is other than 0, it going to send the processed tile to rank 0. If the rank is 0, it going to receive processed data from other rank.</a:t>
-            </a:r>
-            <a:endParaRPr lang="en-US" dirty="0"/>
-          </a:p>
-        </p:txBody>
-      </p:sp>
-    </p:spTree>
-    <p:extLst>
-      <p:ext uri="{BB962C8B-B14F-4D97-AF65-F5344CB8AC3E}">
-        <p14:creationId xmlns:p14="http://schemas.microsoft.com/office/powerpoint/2010/main" val="2768908313"/>
-      </p:ext>
-    </p:extLst>
-  </p:cSld>
-  <p:clrMapOvr>
-    <a:masterClrMapping/>
-  </p:clrMapOvr>
-</p:sld>
-</file>
-
-<file path=ppt/slides/slide7.xml><?xml version="1.0" encoding="utf-8"?>
-<p:sld xmlns:a="http://schemas.openxmlformats.org/drawingml/2006/main" xmlns:r="http://schemas.openxmlformats.org/officeDocument/2006/relationships" xmlns:p="http://schemas.openxmlformats.org/presentationml/2006/main">
-  <p:cSld>
-    <p:spTree>
-      <p:nvGrpSpPr>
-        <p:cNvPr id="1" name=""/>
-        <p:cNvGrpSpPr/>
-        <p:nvPr/>
-      </p:nvGrpSpPr>
-      <p:grpSpPr>
-        <a:xfrm>
-          <a:off x="0" y="0"/>
-          <a:ext cx="0" cy="0"/>
-          <a:chOff x="0" y="0"/>
-          <a:chExt cx="0" cy="0"/>
-        </a:xfrm>
-      </p:grpSpPr>
-      <p:sp>
-        <p:nvSpPr>
-          <p:cNvPr id="2" name="Title 1">
-            <a:extLst>
-              <a:ext uri="{FF2B5EF4-FFF2-40B4-BE49-F238E27FC236}">
                 <a16:creationId xmlns:a16="http://schemas.microsoft.com/office/drawing/2014/main" id="{F1950FEA-0A5D-8D21-3490-B9645D7B5A6A}"/>
               </a:ext>
             </a:extLst>
@@ -4498,13 +5378,23 @@
             <p:ph type="title"/>
           </p:nvPr>
         </p:nvSpPr>
-        <p:spPr/>
-        <p:txBody>
-          <a:bodyPr/>
-          <a:lstStyle/>
-          <a:p>
-            <a:r>
-              <a:rPr lang="en-US" dirty="0"/>
+        <p:spPr>
+          <a:xfrm>
+            <a:off x="6400800" y="484632"/>
+            <a:ext cx="5299586" cy="1609344"/>
+          </a:xfrm>
+          <a:ln>
+            <a:noFill/>
+          </a:ln>
+        </p:spPr>
+        <p:txBody>
+          <a:bodyPr>
+            <a:normAutofit/>
+          </a:bodyPr>
+          <a:lstStyle/>
+          <a:p>
+            <a:r>
+              <a:rPr lang="en-US" sz="4000"/>
               <a:t>Code implementation</a:t>
             </a:r>
           </a:p>
@@ -4528,28 +5418,24 @@
         </p:nvSpPr>
         <p:spPr>
           <a:xfrm>
-            <a:off x="838200" y="1825625"/>
-            <a:ext cx="4952224" cy="4351338"/>
+            <a:off x="6400799" y="2121408"/>
+            <a:ext cx="5299585" cy="4050792"/>
           </a:xfrm>
         </p:spPr>
         <p:txBody>
           <a:bodyPr>
-            <a:normAutofit fontScale="92500" lnSpcReduction="20000"/>
+            <a:normAutofit/>
           </a:bodyPr>
           <a:lstStyle/>
           <a:p>
             <a:r>
-              <a:rPr lang="en-US" dirty="0" err="1"/>
+              <a:rPr lang="en-US" sz="1800"/>
               <a:t>sendStridedBuffer</a:t>
             </a:r>
-            <a:endParaRPr lang="en-US" dirty="0"/>
-          </a:p>
-          <a:p>
-            <a:r>
-              <a:rPr lang="en-US" b="0" i="0" dirty="0">
-                <a:solidFill>
-                  <a:srgbClr val="0F0F0F"/>
-                </a:solidFill>
+          </a:p>
+          <a:p>
+            <a:r>
+              <a:rPr lang="en-US" sz="1800" b="0" i="0">
                 <a:effectLst/>
                 <a:latin typeface="Söhne"/>
               </a:rPr>
@@ -4557,16 +5443,13 @@
             </a:r>
           </a:p>
           <a:p>
-            <a:endParaRPr lang="en-US" dirty="0">
-              <a:solidFill>
-                <a:srgbClr val="0F0F0F"/>
-              </a:solidFill>
+            <a:endParaRPr lang="en-US" sz="1800">
               <a:latin typeface="Söhne"/>
             </a:endParaRPr>
           </a:p>
           <a:p>
             <a:r>
-              <a:rPr lang="en-US" dirty="0"/>
+              <a:rPr lang="en-US" sz="1800"/>
               <a:t>Also keep track on message count and how much data is transferred for further analysis</a:t>
             </a:r>
           </a:p>
@@ -4594,8 +5477,8 @@
         </p:blipFill>
         <p:spPr>
           <a:xfrm>
-            <a:off x="5790424" y="1825624"/>
-            <a:ext cx="5563376" cy="3493351"/>
+            <a:off x="633999" y="1976554"/>
+            <a:ext cx="5112461" cy="2915153"/>
           </a:xfrm>
           <a:prstGeom prst="rect">
             <a:avLst/>
@@ -4615,9 +5498,17 @@
 </p:sld>
 </file>
 
-<file path=ppt/slides/slide8.xml><?xml version="1.0" encoding="utf-8"?>
+<file path=ppt/slides/slide6.xml><?xml version="1.0" encoding="utf-8"?>
 <p:sld xmlns:a="http://schemas.openxmlformats.org/drawingml/2006/main" xmlns:r="http://schemas.openxmlformats.org/officeDocument/2006/relationships" xmlns:p="http://schemas.openxmlformats.org/presentationml/2006/main">
   <p:cSld>
+    <p:bg>
+      <p:bgPr>
+        <a:solidFill>
+          <a:schemeClr val="bg1"/>
+        </a:solidFill>
+        <a:effectLst/>
+      </p:bgPr>
+    </p:bg>
     <p:spTree>
       <p:nvGrpSpPr>
         <p:cNvPr id="1" name=""/>
@@ -4650,7 +5541,9 @@
         </p:nvSpPr>
         <p:spPr/>
         <p:txBody>
-          <a:bodyPr/>
+          <a:bodyPr>
+            <a:normAutofit/>
+          </a:bodyPr>
           <a:lstStyle/>
           <a:p>
             <a:r>
@@ -4678,12 +5571,14 @@
         </p:nvSpPr>
         <p:spPr>
           <a:xfrm>
-            <a:off x="838200" y="1825625"/>
-            <a:ext cx="4751231" cy="4351338"/>
+            <a:off x="6496216" y="2320412"/>
+            <a:ext cx="4632031" cy="3851787"/>
           </a:xfrm>
         </p:spPr>
         <p:txBody>
-          <a:bodyPr/>
+          <a:bodyPr anchor="ctr">
+            <a:normAutofit/>
+          </a:bodyPr>
           <a:lstStyle/>
           <a:p>
             <a:r>
@@ -4710,10 +5605,10 @@
       </p:sp>
       <p:pic>
         <p:nvPicPr>
-          <p:cNvPr id="5" name="Picture 4">
+          <p:cNvPr id="4" name="Picture 3">
             <a:extLst>
               <a:ext uri="{FF2B5EF4-FFF2-40B4-BE49-F238E27FC236}">
-                <a16:creationId xmlns:a16="http://schemas.microsoft.com/office/drawing/2014/main" id="{A5B09334-D752-D03B-16B4-5C3D84FC920A}"/>
+                <a16:creationId xmlns:a16="http://schemas.microsoft.com/office/drawing/2014/main" id="{0D414D17-EDE8-427C-D55B-6835EA6080E4}"/>
               </a:ext>
             </a:extLst>
           </p:cNvPr>
@@ -4730,8 +5625,8 @@
         </p:blipFill>
         <p:spPr>
           <a:xfrm>
-            <a:off x="5686898" y="1825625"/>
-            <a:ext cx="6220693" cy="4067743"/>
+            <a:off x="525945" y="1962949"/>
+            <a:ext cx="5970271" cy="4195553"/>
           </a:xfrm>
           <a:prstGeom prst="rect">
             <a:avLst/>
@@ -4751,9 +5646,17 @@
 </p:sld>
 </file>
 
-<file path=ppt/slides/slide9.xml><?xml version="1.0" encoding="utf-8"?>
+<file path=ppt/slides/slide7.xml><?xml version="1.0" encoding="utf-8"?>
 <p:sld xmlns:a="http://schemas.openxmlformats.org/drawingml/2006/main" xmlns:r="http://schemas.openxmlformats.org/officeDocument/2006/relationships" xmlns:p="http://schemas.openxmlformats.org/presentationml/2006/main">
   <p:cSld>
+    <p:bg>
+      <p:bgPr>
+        <a:solidFill>
+          <a:schemeClr val="bg1"/>
+        </a:solidFill>
+        <a:effectLst/>
+      </p:bgPr>
+    </p:bg>
     <p:spTree>
       <p:nvGrpSpPr>
         <p:cNvPr id="1" name=""/>
@@ -4786,7 +5689,9 @@
         </p:nvSpPr>
         <p:spPr/>
         <p:txBody>
-          <a:bodyPr/>
+          <a:bodyPr>
+            <a:normAutofit/>
+          </a:bodyPr>
           <a:lstStyle/>
           <a:p>
             <a:r>
@@ -4814,19 +5719,18 @@
         </p:nvSpPr>
         <p:spPr>
           <a:xfrm>
-            <a:off x="838200" y="1825625"/>
-            <a:ext cx="5852172" cy="4351338"/>
+            <a:off x="6496216" y="2320412"/>
+            <a:ext cx="4632031" cy="3851787"/>
           </a:xfrm>
         </p:spPr>
         <p:txBody>
-          <a:bodyPr/>
-          <a:lstStyle/>
-          <a:p>
-            <a:r>
-              <a:rPr lang="en-US" dirty="0">
-                <a:solidFill>
-                  <a:srgbClr val="0F0F0F"/>
-                </a:solidFill>
+          <a:bodyPr anchor="ctr">
+            <a:normAutofit/>
+          </a:bodyPr>
+          <a:lstStyle/>
+          <a:p>
+            <a:r>
+              <a:rPr lang="en-US">
                 <a:latin typeface="Söhne"/>
               </a:rPr>
               <a:t>Scatter Speedup</a:t>
@@ -4854,7 +5758,7 @@
           </p:cNvPicPr>
           <p:nvPr/>
         </p:nvPicPr>
-        <p:blipFill>
+        <p:blipFill rotWithShape="1">
           <a:blip r:embed="rId2">
             <a:extLst>
               <a:ext uri="{28A0092B-C50C-407E-A947-70E740481C1C}">
@@ -4862,14 +5766,13 @@
               </a:ext>
             </a:extLst>
           </a:blip>
-          <a:stretch>
-            <a:fillRect/>
-          </a:stretch>
+          <a:srcRect r="2319" b="1"/>
+          <a:stretch/>
         </p:blipFill>
         <p:spPr>
           <a:xfrm>
-            <a:off x="6481495" y="803007"/>
-            <a:ext cx="5710505" cy="4389129"/>
+            <a:off x="1007196" y="2265037"/>
+            <a:ext cx="5088800" cy="3907158"/>
           </a:xfrm>
           <a:prstGeom prst="rect">
             <a:avLst/>
@@ -4889,10 +5792,292 @@
 </p:sld>
 </file>
 
+<file path=ppt/slides/slide8.xml><?xml version="1.0" encoding="utf-8"?>
+<p:sld xmlns:a="http://schemas.openxmlformats.org/drawingml/2006/main" xmlns:r="http://schemas.openxmlformats.org/officeDocument/2006/relationships" xmlns:p="http://schemas.openxmlformats.org/presentationml/2006/main">
+  <p:cSld>
+    <p:bg>
+      <p:bgPr>
+        <a:solidFill>
+          <a:schemeClr val="bg1"/>
+        </a:solidFill>
+        <a:effectLst/>
+      </p:bgPr>
+    </p:bg>
+    <p:spTree>
+      <p:nvGrpSpPr>
+        <p:cNvPr id="1" name=""/>
+        <p:cNvGrpSpPr/>
+        <p:nvPr/>
+      </p:nvGrpSpPr>
+      <p:grpSpPr>
+        <a:xfrm>
+          <a:off x="0" y="0"/>
+          <a:ext cx="0" cy="0"/>
+          <a:chOff x="0" y="0"/>
+          <a:chExt cx="0" cy="0"/>
+        </a:xfrm>
+      </p:grpSpPr>
+      <p:sp>
+        <p:nvSpPr>
+          <p:cNvPr id="2" name="Title 1">
+            <a:extLst>
+              <a:ext uri="{FF2B5EF4-FFF2-40B4-BE49-F238E27FC236}">
+                <a16:creationId xmlns:a16="http://schemas.microsoft.com/office/drawing/2014/main" id="{287F21E3-9A85-245E-FA78-9DD3F67FFD69}"/>
+              </a:ext>
+            </a:extLst>
+          </p:cNvPr>
+          <p:cNvSpPr>
+            <a:spLocks noGrp="1"/>
+          </p:cNvSpPr>
+          <p:nvPr>
+            <p:ph type="title"/>
+          </p:nvPr>
+        </p:nvSpPr>
+        <p:spPr/>
+        <p:txBody>
+          <a:bodyPr>
+            <a:normAutofit/>
+          </a:bodyPr>
+          <a:lstStyle/>
+          <a:p>
+            <a:r>
+              <a:rPr lang="en-US" dirty="0"/>
+              <a:t>result</a:t>
+            </a:r>
+          </a:p>
+        </p:txBody>
+      </p:sp>
+      <p:sp>
+        <p:nvSpPr>
+          <p:cNvPr id="3" name="Content Placeholder 2">
+            <a:extLst>
+              <a:ext uri="{FF2B5EF4-FFF2-40B4-BE49-F238E27FC236}">
+                <a16:creationId xmlns:a16="http://schemas.microsoft.com/office/drawing/2014/main" id="{AB4AA077-B35C-0BD4-226D-0602A7D50679}"/>
+              </a:ext>
+            </a:extLst>
+          </p:cNvPr>
+          <p:cNvSpPr>
+            <a:spLocks noGrp="1"/>
+          </p:cNvSpPr>
+          <p:nvPr>
+            <p:ph idx="1"/>
+          </p:nvPr>
+        </p:nvSpPr>
+        <p:spPr>
+          <a:xfrm>
+            <a:off x="6496216" y="2320412"/>
+            <a:ext cx="4632031" cy="3851787"/>
+          </a:xfrm>
+        </p:spPr>
+        <p:txBody>
+          <a:bodyPr anchor="ctr">
+            <a:normAutofit/>
+          </a:bodyPr>
+          <a:lstStyle/>
+          <a:p>
+            <a:r>
+              <a:rPr lang="en-US" dirty="0"/>
+              <a:t>Gather stage, the tile strategy achieved the highest speedup at all concurrency levels, suggesting a more efficient method. Conversely, the row-slab strategy demonstrated a consistent decrease in speedup as concurrency levels rose, indicating potential data collection bottlenecks</a:t>
+            </a:r>
+          </a:p>
+        </p:txBody>
+      </p:sp>
+      <p:pic>
+        <p:nvPicPr>
+          <p:cNvPr id="5" name="Picture 4">
+            <a:extLst>
+              <a:ext uri="{FF2B5EF4-FFF2-40B4-BE49-F238E27FC236}">
+                <a16:creationId xmlns:a16="http://schemas.microsoft.com/office/drawing/2014/main" id="{D989B66B-2454-7EB2-2B0A-DC08CDF53861}"/>
+              </a:ext>
+            </a:extLst>
+          </p:cNvPr>
+          <p:cNvPicPr>
+            <a:picLocks noChangeAspect="1"/>
+          </p:cNvPicPr>
+          <p:nvPr/>
+        </p:nvPicPr>
+        <p:blipFill rotWithShape="1">
+          <a:blip r:embed="rId2">
+            <a:extLst>
+              <a:ext uri="{28A0092B-C50C-407E-A947-70E740481C1C}">
+                <a14:useLocalDpi xmlns:a14="http://schemas.microsoft.com/office/drawing/2010/main" val="0"/>
+              </a:ext>
+            </a:extLst>
+          </a:blip>
+          <a:srcRect r="2319" b="1"/>
+          <a:stretch/>
+        </p:blipFill>
+        <p:spPr>
+          <a:xfrm>
+            <a:off x="1007196" y="2265037"/>
+            <a:ext cx="5088800" cy="3907158"/>
+          </a:xfrm>
+          <a:prstGeom prst="rect">
+            <a:avLst/>
+          </a:prstGeom>
+        </p:spPr>
+      </p:pic>
+    </p:spTree>
+    <p:extLst>
+      <p:ext uri="{BB962C8B-B14F-4D97-AF65-F5344CB8AC3E}">
+        <p14:creationId xmlns:p14="http://schemas.microsoft.com/office/powerpoint/2010/main" val="865741276"/>
+      </p:ext>
+    </p:extLst>
+  </p:cSld>
+  <p:clrMapOvr>
+    <a:masterClrMapping/>
+  </p:clrMapOvr>
+</p:sld>
+</file>
+
+<file path=ppt/slides/slide9.xml><?xml version="1.0" encoding="utf-8"?>
+<p:sld xmlns:a="http://schemas.openxmlformats.org/drawingml/2006/main" xmlns:r="http://schemas.openxmlformats.org/officeDocument/2006/relationships" xmlns:p="http://schemas.openxmlformats.org/presentationml/2006/main">
+  <p:cSld>
+    <p:bg>
+      <p:bgPr>
+        <a:solidFill>
+          <a:schemeClr val="bg1"/>
+        </a:solidFill>
+        <a:effectLst/>
+      </p:bgPr>
+    </p:bg>
+    <p:spTree>
+      <p:nvGrpSpPr>
+        <p:cNvPr id="1" name=""/>
+        <p:cNvGrpSpPr/>
+        <p:nvPr/>
+      </p:nvGrpSpPr>
+      <p:grpSpPr>
+        <a:xfrm>
+          <a:off x="0" y="0"/>
+          <a:ext cx="0" cy="0"/>
+          <a:chOff x="0" y="0"/>
+          <a:chExt cx="0" cy="0"/>
+        </a:xfrm>
+      </p:grpSpPr>
+      <p:sp>
+        <p:nvSpPr>
+          <p:cNvPr id="2" name="Title 1">
+            <a:extLst>
+              <a:ext uri="{FF2B5EF4-FFF2-40B4-BE49-F238E27FC236}">
+                <a16:creationId xmlns:a16="http://schemas.microsoft.com/office/drawing/2014/main" id="{FE513937-D081-97A3-110B-FCB5C818384B}"/>
+              </a:ext>
+            </a:extLst>
+          </p:cNvPr>
+          <p:cNvSpPr>
+            <a:spLocks noGrp="1"/>
+          </p:cNvSpPr>
+          <p:nvPr>
+            <p:ph type="title"/>
+          </p:nvPr>
+        </p:nvSpPr>
+        <p:spPr/>
+        <p:txBody>
+          <a:bodyPr>
+            <a:normAutofit/>
+          </a:bodyPr>
+          <a:lstStyle/>
+          <a:p>
+            <a:r>
+              <a:rPr lang="en-US" dirty="0"/>
+              <a:t>Result</a:t>
+            </a:r>
+          </a:p>
+        </p:txBody>
+      </p:sp>
+      <p:sp>
+        <p:nvSpPr>
+          <p:cNvPr id="3" name="Content Placeholder 2">
+            <a:extLst>
+              <a:ext uri="{FF2B5EF4-FFF2-40B4-BE49-F238E27FC236}">
+                <a16:creationId xmlns:a16="http://schemas.microsoft.com/office/drawing/2014/main" id="{C9145683-8959-043B-43DB-094730DF939D}"/>
+              </a:ext>
+            </a:extLst>
+          </p:cNvPr>
+          <p:cNvSpPr>
+            <a:spLocks noGrp="1"/>
+          </p:cNvSpPr>
+          <p:nvPr>
+            <p:ph idx="1"/>
+          </p:nvPr>
+        </p:nvSpPr>
+        <p:spPr>
+          <a:xfrm>
+            <a:off x="6496216" y="2320412"/>
+            <a:ext cx="4632031" cy="3851787"/>
+          </a:xfrm>
+        </p:spPr>
+        <p:txBody>
+          <a:bodyPr anchor="ctr">
+            <a:normAutofit/>
+          </a:bodyPr>
+          <a:lstStyle/>
+          <a:p>
+            <a:r>
+              <a:rPr lang="en-US" dirty="0"/>
+              <a:t>Process speed up</a:t>
+            </a:r>
+          </a:p>
+          <a:p>
+            <a:r>
+              <a:rPr lang="en-US" dirty="0"/>
+              <a:t>The process stage revealed a marked improvement in speedup for all strategies with increasing concurrency levels, particularly noticeable for the tile strategy at the highest concurrency level of 81. Row-slab and column-slab strategies displayed similar performance until a concurrency level of 64, after which the tile strategy's speedup surged ahead</a:t>
+            </a:r>
+          </a:p>
+        </p:txBody>
+      </p:sp>
+      <p:pic>
+        <p:nvPicPr>
+          <p:cNvPr id="7" name="Picture 6">
+            <a:extLst>
+              <a:ext uri="{FF2B5EF4-FFF2-40B4-BE49-F238E27FC236}">
+                <a16:creationId xmlns:a16="http://schemas.microsoft.com/office/drawing/2014/main" id="{A5F5587B-8337-573F-4FCB-0610213FDC82}"/>
+              </a:ext>
+            </a:extLst>
+          </p:cNvPr>
+          <p:cNvPicPr>
+            <a:picLocks noChangeAspect="1"/>
+          </p:cNvPicPr>
+          <p:nvPr/>
+        </p:nvPicPr>
+        <p:blipFill rotWithShape="1">
+          <a:blip r:embed="rId2">
+            <a:extLst>
+              <a:ext uri="{28A0092B-C50C-407E-A947-70E740481C1C}">
+                <a14:useLocalDpi xmlns:a14="http://schemas.microsoft.com/office/drawing/2010/main" val="0"/>
+              </a:ext>
+            </a:extLst>
+          </a:blip>
+          <a:srcRect l="2318" r="1" b="1"/>
+          <a:stretch/>
+        </p:blipFill>
+        <p:spPr>
+          <a:xfrm>
+            <a:off x="1007196" y="2265037"/>
+            <a:ext cx="5088800" cy="3907158"/>
+          </a:xfrm>
+          <a:prstGeom prst="rect">
+            <a:avLst/>
+          </a:prstGeom>
+        </p:spPr>
+      </p:pic>
+    </p:spTree>
+    <p:extLst>
+      <p:ext uri="{BB962C8B-B14F-4D97-AF65-F5344CB8AC3E}">
+        <p14:creationId xmlns:p14="http://schemas.microsoft.com/office/powerpoint/2010/main" val="4227530474"/>
+      </p:ext>
+    </p:extLst>
+  </p:cSld>
+  <p:clrMapOvr>
+    <a:masterClrMapping/>
+  </p:clrMapOvr>
+</p:sld>
+</file>
+
 <file path=ppt/theme/theme1.xml><?xml version="1.0" encoding="utf-8"?>
-<a:theme xmlns:a="http://schemas.openxmlformats.org/drawingml/2006/main" name="Office Theme">
+<a:theme xmlns:a="http://schemas.openxmlformats.org/drawingml/2006/main" name="Wood Type">
   <a:themeElements>
-    <a:clrScheme name="Office">
+    <a:clrScheme name="Wood Type">
       <a:dk1>
         <a:sysClr val="windowText" lastClr="000000"/>
       </a:dk1>
@@ -4900,48 +6085,86 @@
         <a:sysClr val="window" lastClr="FFFFFF"/>
       </a:lt1>
       <a:dk2>
-        <a:srgbClr val="44546A"/>
+        <a:srgbClr val="696464"/>
       </a:dk2>
       <a:lt2>
-        <a:srgbClr val="E7E6E6"/>
+        <a:srgbClr val="E9E5DC"/>
       </a:lt2>
       <a:accent1>
-        <a:srgbClr val="4472C4"/>
+        <a:srgbClr val="D34817"/>
       </a:accent1>
       <a:accent2>
-        <a:srgbClr val="ED7D31"/>
+        <a:srgbClr val="9B2D1F"/>
       </a:accent2>
       <a:accent3>
-        <a:srgbClr val="A5A5A5"/>
+        <a:srgbClr val="A28E6A"/>
       </a:accent3>
       <a:accent4>
-        <a:srgbClr val="FFC000"/>
+        <a:srgbClr val="956251"/>
       </a:accent4>
       <a:accent5>
-        <a:srgbClr val="5B9BD5"/>
+        <a:srgbClr val="918485"/>
       </a:accent5>
       <a:accent6>
-        <a:srgbClr val="70AD47"/>
+        <a:srgbClr val="855D5D"/>
       </a:accent6>
       <a:hlink>
-        <a:srgbClr val="0563C1"/>
+        <a:srgbClr val="CC9900"/>
       </a:hlink>
       <a:folHlink>
-        <a:srgbClr val="954F72"/>
+        <a:srgbClr val="96A9A9"/>
       </a:folHlink>
     </a:clrScheme>
-    <a:fontScheme name="Office">
+    <a:fontScheme name="Wood Type">
       <a:majorFont>
-        <a:latin typeface="Calibri Light" panose="020F0302020204030204"/>
+        <a:latin typeface="Rockwell Condensed" panose="02060603050405020104"/>
         <a:ea typeface=""/>
         <a:cs typeface=""/>
-        <a:font script="Jpan" typeface="游ゴシック Light"/>
-        <a:font script="Hang" typeface="맑은 고딕"/>
-        <a:font script="Hans" typeface="等线 Light"/>
-        <a:font script="Hant" typeface="新細明體"/>
+        <a:font script="Grek" typeface="Cambria"/>
+        <a:font script="Cyrl" typeface="Cambria"/>
+        <a:font script="Jpan" typeface="HG明朝B"/>
+        <a:font script="Hang" typeface="바탕"/>
+        <a:font script="Hans" typeface="方正姚体"/>
+        <a:font script="Hant" typeface="微軟正黑體"/>
         <a:font script="Arab" typeface="Times New Roman"/>
-        <a:font script="Hebr" typeface="Times New Roman"/>
-        <a:font script="Thai" typeface="Angsana New"/>
+        <a:font script="Hebr" typeface="David"/>
+        <a:font script="Thai" typeface="JasmineUPC"/>
+        <a:font script="Ethi" typeface="Nyala"/>
+        <a:font script="Beng" typeface="Vrinda"/>
+        <a:font script="Gujr" typeface="Shruti"/>
+        <a:font script="Khmr" typeface="MoolBoran"/>
+        <a:font script="Knda" typeface="Tunga"/>
+        <a:font script="Guru" typeface="Raavi"/>
+        <a:font script="Cans" typeface="Euphemia"/>
+        <a:font script="Cher" typeface="Plantagenet Cherokee"/>
+        <a:font script="Yiii" typeface="Microsoft Yi Baiti"/>
+        <a:font script="Tibt" typeface="Microsoft Himalaya"/>
+        <a:font script="Thaa" typeface="MV Boli"/>
+        <a:font script="Deva" typeface="Mangal"/>
+        <a:font script="Telu" typeface="Gautami"/>
+        <a:font script="Taml" typeface="Latha"/>
+        <a:font script="Syrc" typeface="Estrangelo Edessa"/>
+        <a:font script="Orya" typeface="Kalinga"/>
+        <a:font script="Mlym" typeface="Kartika"/>
+        <a:font script="Laoo" typeface="DokChampa"/>
+        <a:font script="Sinh" typeface="Iskoola Pota"/>
+        <a:font script="Mong" typeface="Mongolian Baiti"/>
+        <a:font script="Viet" typeface="Arial"/>
+        <a:font script="Uigh" typeface="Microsoft Uighur"/>
+      </a:majorFont>
+      <a:minorFont>
+        <a:latin typeface="Rockwell" panose="02060603020205020403"/>
+        <a:ea typeface=""/>
+        <a:cs typeface=""/>
+        <a:font script="Grek" typeface="Cambria"/>
+        <a:font script="Cyrl" typeface="Cambria"/>
+        <a:font script="Jpan" typeface="HG明朝B"/>
+        <a:font script="Hang" typeface="바탕"/>
+        <a:font script="Hans" typeface="方正姚体"/>
+        <a:font script="Hant" typeface="標楷體"/>
+        <a:font script="Arab" typeface="Times New Roman"/>
+        <a:font script="Hebr" typeface="David"/>
+        <a:font script="Thai" typeface="JasmineUPC"/>
         <a:font script="Ethi" typeface="Nyala"/>
         <a:font script="Beng" typeface="Vrinda"/>
         <a:font script="Gujr" typeface="Shruti"/>
@@ -4964,135 +6187,42 @@
         <a:font script="Mong" typeface="Mongolian Baiti"/>
         <a:font script="Viet" typeface="Times New Roman"/>
         <a:font script="Uigh" typeface="Microsoft Uighur"/>
-        <a:font script="Geor" typeface="Sylfaen"/>
-        <a:font script="Armn" typeface="Arial"/>
-        <a:font script="Bugi" typeface="Leelawadee UI"/>
-        <a:font script="Bopo" typeface="Microsoft JhengHei"/>
-        <a:font script="Java" typeface="Javanese Text"/>
-        <a:font script="Lisu" typeface="Segoe UI"/>
-        <a:font script="Mymr" typeface="Myanmar Text"/>
-        <a:font script="Nkoo" typeface="Ebrima"/>
-        <a:font script="Olck" typeface="Nirmala UI"/>
-        <a:font script="Osma" typeface="Ebrima"/>
-        <a:font script="Phag" typeface="Phagspa"/>
-        <a:font script="Syrn" typeface="Estrangelo Edessa"/>
-        <a:font script="Syrj" typeface="Estrangelo Edessa"/>
-        <a:font script="Syre" typeface="Estrangelo Edessa"/>
-        <a:font script="Sora" typeface="Nirmala UI"/>
-        <a:font script="Tale" typeface="Microsoft Tai Le"/>
-        <a:font script="Talu" typeface="Microsoft New Tai Lue"/>
-        <a:font script="Tfng" typeface="Ebrima"/>
-      </a:majorFont>
-      <a:minorFont>
-        <a:latin typeface="Calibri" panose="020F0502020204030204"/>
-        <a:ea typeface=""/>
-        <a:cs typeface=""/>
-        <a:font script="Jpan" typeface="游ゴシック"/>
-        <a:font script="Hang" typeface="맑은 고딕"/>
-        <a:font script="Hans" typeface="等线"/>
-        <a:font script="Hant" typeface="新細明體"/>
-        <a:font script="Arab" typeface="Arial"/>
-        <a:font script="Hebr" typeface="Arial"/>
-        <a:font script="Thai" typeface="Cordia New"/>
-        <a:font script="Ethi" typeface="Nyala"/>
-        <a:font script="Beng" typeface="Vrinda"/>
-        <a:font script="Gujr" typeface="Shruti"/>
-        <a:font script="Khmr" typeface="DaunPenh"/>
-        <a:font script="Knda" typeface="Tunga"/>
-        <a:font script="Guru" typeface="Raavi"/>
-        <a:font script="Cans" typeface="Euphemia"/>
-        <a:font script="Cher" typeface="Plantagenet Cherokee"/>
-        <a:font script="Yiii" typeface="Microsoft Yi Baiti"/>
-        <a:font script="Tibt" typeface="Microsoft Himalaya"/>
-        <a:font script="Thaa" typeface="MV Boli"/>
-        <a:font script="Deva" typeface="Mangal"/>
-        <a:font script="Telu" typeface="Gautami"/>
-        <a:font script="Taml" typeface="Latha"/>
-        <a:font script="Syrc" typeface="Estrangelo Edessa"/>
-        <a:font script="Orya" typeface="Kalinga"/>
-        <a:font script="Mlym" typeface="Kartika"/>
-        <a:font script="Laoo" typeface="DokChampa"/>
-        <a:font script="Sinh" typeface="Iskoola Pota"/>
-        <a:font script="Mong" typeface="Mongolian Baiti"/>
-        <a:font script="Viet" typeface="Arial"/>
-        <a:font script="Uigh" typeface="Microsoft Uighur"/>
-        <a:font script="Geor" typeface="Sylfaen"/>
-        <a:font script="Armn" typeface="Arial"/>
-        <a:font script="Bugi" typeface="Leelawadee UI"/>
-        <a:font script="Bopo" typeface="Microsoft JhengHei"/>
-        <a:font script="Java" typeface="Javanese Text"/>
-        <a:font script="Lisu" typeface="Segoe UI"/>
-        <a:font script="Mymr" typeface="Myanmar Text"/>
-        <a:font script="Nkoo" typeface="Ebrima"/>
-        <a:font script="Olck" typeface="Nirmala UI"/>
-        <a:font script="Osma" typeface="Ebrima"/>
-        <a:font script="Phag" typeface="Phagspa"/>
-        <a:font script="Syrn" typeface="Estrangelo Edessa"/>
-        <a:font script="Syrj" typeface="Estrangelo Edessa"/>
-        <a:font script="Syre" typeface="Estrangelo Edessa"/>
-        <a:font script="Sora" typeface="Nirmala UI"/>
-        <a:font script="Tale" typeface="Microsoft Tai Le"/>
-        <a:font script="Talu" typeface="Microsoft New Tai Lue"/>
-        <a:font script="Tfng" typeface="Ebrima"/>
       </a:minorFont>
     </a:fontScheme>
-    <a:fmtScheme name="Office">
+    <a:fmtScheme name="Wood Type">
       <a:fillStyleLst>
         <a:solidFill>
           <a:schemeClr val="phClr"/>
         </a:solidFill>
-        <a:gradFill rotWithShape="1">
-          <a:gsLst>
-            <a:gs pos="0">
+        <a:blipFill rotWithShape="1">
+          <a:blip xmlns:r="http://schemas.openxmlformats.org/officeDocument/2006/relationships" r:embed="rId1">
+            <a:duotone>
               <a:schemeClr val="phClr">
-                <a:lumMod val="110000"/>
-                <a:satMod val="105000"/>
-                <a:tint val="67000"/>
+                <a:tint val="70000"/>
+                <a:shade val="63000"/>
               </a:schemeClr>
-            </a:gs>
-            <a:gs pos="50000">
               <a:schemeClr val="phClr">
-                <a:lumMod val="105000"/>
-                <a:satMod val="103000"/>
-                <a:tint val="73000"/>
+                <a:tint val="10000"/>
+                <a:satMod val="150000"/>
               </a:schemeClr>
-            </a:gs>
-            <a:gs pos="100000">
+            </a:duotone>
+          </a:blip>
+          <a:tile tx="0" ty="0" sx="60000" sy="59000" flip="none" algn="tl"/>
+        </a:blipFill>
+        <a:blipFill rotWithShape="1">
+          <a:blip xmlns:r="http://schemas.openxmlformats.org/officeDocument/2006/relationships" r:embed="rId1">
+            <a:duotone>
               <a:schemeClr val="phClr">
-                <a:lumMod val="105000"/>
-                <a:satMod val="109000"/>
-                <a:tint val="81000"/>
+                <a:shade val="36000"/>
+                <a:satMod val="120000"/>
               </a:schemeClr>
-            </a:gs>
-          </a:gsLst>
-          <a:lin ang="5400000" scaled="0"/>
-        </a:gradFill>
-        <a:gradFill rotWithShape="1">
-          <a:gsLst>
-            <a:gs pos="0">
               <a:schemeClr val="phClr">
-                <a:satMod val="103000"/>
-                <a:lumMod val="102000"/>
-                <a:tint val="94000"/>
+                <a:tint val="40000"/>
               </a:schemeClr>
-            </a:gs>
-            <a:gs pos="50000">
-              <a:schemeClr val="phClr">
-                <a:satMod val="110000"/>
-                <a:lumMod val="100000"/>
-                <a:shade val="100000"/>
-              </a:schemeClr>
-            </a:gs>
-            <a:gs pos="100000">
-              <a:schemeClr val="phClr">
-                <a:lumMod val="99000"/>
-                <a:satMod val="120000"/>
-                <a:shade val="78000"/>
-              </a:schemeClr>
-            </a:gs>
-          </a:gsLst>
-          <a:lin ang="5400000" scaled="0"/>
-        </a:gradFill>
+            </a:duotone>
+          </a:blip>
+          <a:tile tx="0" ty="0" sx="60000" sy="59000" flip="none" algn="tl"/>
+        </a:blipFill>
       </a:fillStyleLst>
       <a:lnStyleLst>
         <a:ln w="6350" cap="flat" cmpd="sng" algn="ctr">
@@ -5100,21 +6230,18 @@
             <a:schemeClr val="phClr"/>
           </a:solidFill>
           <a:prstDash val="solid"/>
-          <a:miter lim="800000"/>
         </a:ln>
         <a:ln w="12700" cap="flat" cmpd="sng" algn="ctr">
           <a:solidFill>
             <a:schemeClr val="phClr"/>
           </a:solidFill>
           <a:prstDash val="solid"/>
-          <a:miter lim="800000"/>
         </a:ln>
         <a:ln w="19050" cap="flat" cmpd="sng" algn="ctr">
           <a:solidFill>
             <a:schemeClr val="phClr"/>
           </a:solidFill>
           <a:prstDash val="solid"/>
-          <a:miter lim="800000"/>
         </a:ln>
       </a:lnStyleLst>
       <a:effectStyleLst>
@@ -5122,15 +6249,18 @@
           <a:effectLst/>
         </a:effectStyle>
         <a:effectStyle>
-          <a:effectLst/>
+          <a:effectLst>
+            <a:softEdge rad="12700"/>
+          </a:effectLst>
         </a:effectStyle>
         <a:effectStyle>
           <a:effectLst>
-            <a:outerShdw blurRad="57150" dist="19050" dir="5400000" algn="ctr" rotWithShape="0">
+            <a:outerShdw blurRad="50800" dist="19050" dir="5400000" algn="tl" rotWithShape="0">
               <a:srgbClr val="000000">
-                <a:alpha val="63000"/>
+                <a:alpha val="60000"/>
               </a:srgbClr>
             </a:outerShdw>
+            <a:softEdge rad="12700"/>
           </a:effectLst>
         </a:effectStyle>
       </a:effectStyleLst>
@@ -5140,37 +6270,26 @@
         </a:solidFill>
         <a:solidFill>
           <a:schemeClr val="phClr">
-            <a:tint val="95000"/>
-            <a:satMod val="170000"/>
+            <a:shade val="97000"/>
+            <a:satMod val="150000"/>
           </a:schemeClr>
         </a:solidFill>
-        <a:gradFill rotWithShape="1">
-          <a:gsLst>
-            <a:gs pos="0">
+        <a:blipFill rotWithShape="1">
+          <a:blip xmlns:r="http://schemas.openxmlformats.org/officeDocument/2006/relationships" r:embed="rId1">
+            <a:duotone>
               <a:schemeClr val="phClr">
-                <a:tint val="93000"/>
-                <a:satMod val="150000"/>
-                <a:shade val="98000"/>
-                <a:lumMod val="102000"/>
-              </a:schemeClr>
-            </a:gs>
-            <a:gs pos="50000">
-              <a:schemeClr val="phClr">
-                <a:tint val="98000"/>
-                <a:satMod val="130000"/>
-                <a:shade val="90000"/>
-                <a:lumMod val="103000"/>
-              </a:schemeClr>
-            </a:gs>
-            <a:gs pos="100000">
-              <a:schemeClr val="phClr">
-                <a:shade val="63000"/>
+                <a:tint val="75000"/>
+                <a:shade val="58000"/>
                 <a:satMod val="120000"/>
               </a:schemeClr>
-            </a:gs>
-          </a:gsLst>
-          <a:lin ang="5400000" scaled="0"/>
-        </a:gradFill>
+              <a:schemeClr val="phClr">
+                <a:tint val="50000"/>
+                <a:shade val="96000"/>
+              </a:schemeClr>
+            </a:duotone>
+          </a:blip>
+          <a:tile tx="0" ty="0" sx="100000" sy="100000" flip="none" algn="tl"/>
+        </a:blipFill>
       </a:bgFillStyleLst>
     </a:fmtScheme>
   </a:themeElements>
@@ -5178,7 +6297,7 @@
   <a:extraClrSchemeLst/>
   <a:extLst>
     <a:ext uri="{05A4C25C-085E-4340-85A3-A5531E510DB2}">
-      <thm15:themeFamily xmlns:thm15="http://schemas.microsoft.com/office/thememl/2012/main" name="Office Theme" id="{62F939B6-93AF-4DB8-9C6B-D6C7DFDC589F}" vid="{4A3C46E8-61CC-4603-A589-7422A47A8E4A}"/>
+      <thm15:themeFamily xmlns:thm15="http://schemas.microsoft.com/office/thememl/2012/main" name="Wood Type" id="{7ACABC62-BF99-48CF-A9DC-4DB89C7B13DC}" vid="{142A1326-48AB-42A9-8428-CB14AA30176D}"/>
     </a:ext>
   </a:extLst>
 </a:theme>
